--- a/Project 1 - Data Analytics.pptx
+++ b/Project 1 - Data Analytics.pptx
@@ -6,15 +6,16 @@
   </p:sldMasterIdLst>
   <p:sldIdLst>
     <p:sldId id="256" r:id="rId2"/>
-    <p:sldId id="257" r:id="rId3"/>
-    <p:sldId id="265" r:id="rId4"/>
-    <p:sldId id="258" r:id="rId5"/>
-    <p:sldId id="259" r:id="rId6"/>
-    <p:sldId id="260" r:id="rId7"/>
-    <p:sldId id="261" r:id="rId8"/>
-    <p:sldId id="264" r:id="rId9"/>
-    <p:sldId id="262" r:id="rId10"/>
-    <p:sldId id="263" r:id="rId11"/>
+    <p:sldId id="265" r:id="rId3"/>
+    <p:sldId id="258" r:id="rId4"/>
+    <p:sldId id="259" r:id="rId5"/>
+    <p:sldId id="260" r:id="rId6"/>
+    <p:sldId id="261" r:id="rId7"/>
+    <p:sldId id="271" r:id="rId8"/>
+    <p:sldId id="270" r:id="rId9"/>
+    <p:sldId id="272" r:id="rId10"/>
+    <p:sldId id="264" r:id="rId11"/>
+    <p:sldId id="263" r:id="rId12"/>
   </p:sldIdLst>
   <p:sldSz cx="12192000" cy="6858000"/>
   <p:notesSz cx="6858000" cy="9144000"/>
@@ -268,7 +269,7 @@
           <a:p>
             <a:fld id="{CF8DCC89-AD8C-477A-B058-5944276BF129}" type="datetimeFigureOut">
               <a:rPr lang="en-US" smtClean="0"/>
-              <a:t>4/19/2018</a:t>
+              <a:t>4/21/2018</a:t>
             </a:fld>
             <a:endParaRPr lang="en-US"/>
           </a:p>
@@ -466,7 +467,7 @@
           <a:p>
             <a:fld id="{CF8DCC89-AD8C-477A-B058-5944276BF129}" type="datetimeFigureOut">
               <a:rPr lang="en-US" smtClean="0"/>
-              <a:t>4/19/2018</a:t>
+              <a:t>4/21/2018</a:t>
             </a:fld>
             <a:endParaRPr lang="en-US"/>
           </a:p>
@@ -674,7 +675,7 @@
           <a:p>
             <a:fld id="{CF8DCC89-AD8C-477A-B058-5944276BF129}" type="datetimeFigureOut">
               <a:rPr lang="en-US" smtClean="0"/>
-              <a:t>4/19/2018</a:t>
+              <a:t>4/21/2018</a:t>
             </a:fld>
             <a:endParaRPr lang="en-US"/>
           </a:p>
@@ -872,7 +873,7 @@
           <a:p>
             <a:fld id="{CF8DCC89-AD8C-477A-B058-5944276BF129}" type="datetimeFigureOut">
               <a:rPr lang="en-US" smtClean="0"/>
-              <a:t>4/19/2018</a:t>
+              <a:t>4/21/2018</a:t>
             </a:fld>
             <a:endParaRPr lang="en-US"/>
           </a:p>
@@ -1147,7 +1148,7 @@
           <a:p>
             <a:fld id="{CF8DCC89-AD8C-477A-B058-5944276BF129}" type="datetimeFigureOut">
               <a:rPr lang="en-US" smtClean="0"/>
-              <a:t>4/19/2018</a:t>
+              <a:t>4/21/2018</a:t>
             </a:fld>
             <a:endParaRPr lang="en-US"/>
           </a:p>
@@ -1412,7 +1413,7 @@
           <a:p>
             <a:fld id="{CF8DCC89-AD8C-477A-B058-5944276BF129}" type="datetimeFigureOut">
               <a:rPr lang="en-US" smtClean="0"/>
-              <a:t>4/19/2018</a:t>
+              <a:t>4/21/2018</a:t>
             </a:fld>
             <a:endParaRPr lang="en-US"/>
           </a:p>
@@ -1824,7 +1825,7 @@
           <a:p>
             <a:fld id="{CF8DCC89-AD8C-477A-B058-5944276BF129}" type="datetimeFigureOut">
               <a:rPr lang="en-US" smtClean="0"/>
-              <a:t>4/19/2018</a:t>
+              <a:t>4/21/2018</a:t>
             </a:fld>
             <a:endParaRPr lang="en-US"/>
           </a:p>
@@ -1965,7 +1966,7 @@
           <a:p>
             <a:fld id="{CF8DCC89-AD8C-477A-B058-5944276BF129}" type="datetimeFigureOut">
               <a:rPr lang="en-US" smtClean="0"/>
-              <a:t>4/19/2018</a:t>
+              <a:t>4/21/2018</a:t>
             </a:fld>
             <a:endParaRPr lang="en-US"/>
           </a:p>
@@ -2078,7 +2079,7 @@
           <a:p>
             <a:fld id="{CF8DCC89-AD8C-477A-B058-5944276BF129}" type="datetimeFigureOut">
               <a:rPr lang="en-US" smtClean="0"/>
-              <a:t>4/19/2018</a:t>
+              <a:t>4/21/2018</a:t>
             </a:fld>
             <a:endParaRPr lang="en-US"/>
           </a:p>
@@ -2389,7 +2390,7 @@
           <a:p>
             <a:fld id="{CF8DCC89-AD8C-477A-B058-5944276BF129}" type="datetimeFigureOut">
               <a:rPr lang="en-US" smtClean="0"/>
-              <a:t>4/19/2018</a:t>
+              <a:t>4/21/2018</a:t>
             </a:fld>
             <a:endParaRPr lang="en-US"/>
           </a:p>
@@ -2677,7 +2678,7 @@
           <a:p>
             <a:fld id="{CF8DCC89-AD8C-477A-B058-5944276BF129}" type="datetimeFigureOut">
               <a:rPr lang="en-US" smtClean="0"/>
-              <a:t>4/19/2018</a:t>
+              <a:t>4/21/2018</a:t>
             </a:fld>
             <a:endParaRPr lang="en-US"/>
           </a:p>
@@ -2923,7 +2924,7 @@
           <a:p>
             <a:fld id="{CF8DCC89-AD8C-477A-B058-5944276BF129}" type="datetimeFigureOut">
               <a:rPr lang="en-US" smtClean="0"/>
-              <a:t>4/19/2018</a:t>
+              <a:t>4/21/2018</a:t>
             </a:fld>
             <a:endParaRPr lang="en-US"/>
           </a:p>
@@ -3761,6 +3762,790 @@
 <file path=ppt/slides/slide10.xml><?xml version="1.0" encoding="utf-8"?>
 <p:sld xmlns:a="http://schemas.openxmlformats.org/drawingml/2006/main" xmlns:r="http://schemas.openxmlformats.org/officeDocument/2006/relationships" xmlns:p="http://schemas.openxmlformats.org/presentationml/2006/main">
   <p:cSld>
+    <p:spTree>
+      <p:nvGrpSpPr>
+        <p:cNvPr id="1" name=""/>
+        <p:cNvGrpSpPr/>
+        <p:nvPr/>
+      </p:nvGrpSpPr>
+      <p:grpSpPr>
+        <a:xfrm>
+          <a:off x="0" y="0"/>
+          <a:ext cx="0" cy="0"/>
+          <a:chOff x="0" y="0"/>
+          <a:chExt cx="0" cy="0"/>
+        </a:xfrm>
+      </p:grpSpPr>
+      <p:sp>
+        <p:nvSpPr>
+          <p:cNvPr id="4" name="TextBox 3">
+            <a:extLst>
+              <a:ext uri="{FF2B5EF4-FFF2-40B4-BE49-F238E27FC236}">
+                <a16:creationId xmlns:a16="http://schemas.microsoft.com/office/drawing/2014/main" id="{535CC590-B45E-410C-ADCE-90561367C81F}"/>
+              </a:ext>
+            </a:extLst>
+          </p:cNvPr>
+          <p:cNvSpPr txBox="1"/>
+          <p:nvPr/>
+        </p:nvSpPr>
+        <p:spPr>
+          <a:xfrm>
+            <a:off x="152400" y="15240"/>
+            <a:ext cx="8930640" cy="707886"/>
+          </a:xfrm>
+          <a:prstGeom prst="rect">
+            <a:avLst/>
+          </a:prstGeom>
+          <a:noFill/>
+        </p:spPr>
+        <p:txBody>
+          <a:bodyPr wrap="square" rtlCol="0">
+            <a:spAutoFit/>
+          </a:bodyPr>
+          <a:lstStyle/>
+          <a:p>
+            <a:r>
+              <a:rPr lang="es-MX" sz="4000" b="1" dirty="0" err="1">
+                <a:latin typeface="Verdana Pro" panose="020B0604020202020204" pitchFamily="34" charset="0"/>
+              </a:rPr>
+              <a:t>Conclusions</a:t>
+            </a:r>
+            <a:endParaRPr lang="en-US" sz="4000" b="1" dirty="0">
+              <a:latin typeface="Verdana Pro" panose="020B0604020202020204" pitchFamily="34" charset="0"/>
+            </a:endParaRPr>
+          </a:p>
+        </p:txBody>
+      </p:sp>
+      <p:cxnSp>
+        <p:nvCxnSpPr>
+          <p:cNvPr id="6" name="Straight Connector 5">
+            <a:extLst>
+              <a:ext uri="{FF2B5EF4-FFF2-40B4-BE49-F238E27FC236}">
+                <a16:creationId xmlns:a16="http://schemas.microsoft.com/office/drawing/2014/main" id="{4D74FA8F-BA75-4BD5-BD92-D1D894D4438A}"/>
+              </a:ext>
+            </a:extLst>
+          </p:cNvPr>
+          <p:cNvCxnSpPr/>
+          <p:nvPr/>
+        </p:nvCxnSpPr>
+        <p:spPr>
+          <a:xfrm>
+            <a:off x="152400" y="723126"/>
+            <a:ext cx="11841480" cy="0"/>
+          </a:xfrm>
+          <a:prstGeom prst="line">
+            <a:avLst/>
+          </a:prstGeom>
+        </p:spPr>
+        <p:style>
+          <a:lnRef idx="1">
+            <a:schemeClr val="dk1"/>
+          </a:lnRef>
+          <a:fillRef idx="0">
+            <a:schemeClr val="dk1"/>
+          </a:fillRef>
+          <a:effectRef idx="0">
+            <a:schemeClr val="dk1"/>
+          </a:effectRef>
+          <a:fontRef idx="minor">
+            <a:schemeClr val="tx1"/>
+          </a:fontRef>
+        </p:style>
+      </p:cxnSp>
+      <p:cxnSp>
+        <p:nvCxnSpPr>
+          <p:cNvPr id="8" name="Straight Connector 7">
+            <a:extLst>
+              <a:ext uri="{FF2B5EF4-FFF2-40B4-BE49-F238E27FC236}">
+                <a16:creationId xmlns:a16="http://schemas.microsoft.com/office/drawing/2014/main" id="{D9B39E99-0735-4B3C-B877-7FC28CEFEBEA}"/>
+              </a:ext>
+            </a:extLst>
+          </p:cNvPr>
+          <p:cNvCxnSpPr/>
+          <p:nvPr/>
+        </p:nvCxnSpPr>
+        <p:spPr>
+          <a:xfrm>
+            <a:off x="152400" y="6470452"/>
+            <a:ext cx="11841480" cy="0"/>
+          </a:xfrm>
+          <a:prstGeom prst="line">
+            <a:avLst/>
+          </a:prstGeom>
+        </p:spPr>
+        <p:style>
+          <a:lnRef idx="1">
+            <a:schemeClr val="dk1"/>
+          </a:lnRef>
+          <a:fillRef idx="0">
+            <a:schemeClr val="dk1"/>
+          </a:fillRef>
+          <a:effectRef idx="0">
+            <a:schemeClr val="dk1"/>
+          </a:effectRef>
+          <a:fontRef idx="minor">
+            <a:schemeClr val="tx1"/>
+          </a:fontRef>
+        </p:style>
+      </p:cxnSp>
+      <p:pic>
+        <p:nvPicPr>
+          <p:cNvPr id="2050" name="Picture 2" descr="Image result for GWU BANNER">
+            <a:extLst>
+              <a:ext uri="{FF2B5EF4-FFF2-40B4-BE49-F238E27FC236}">
+                <a16:creationId xmlns:a16="http://schemas.microsoft.com/office/drawing/2014/main" id="{8760C191-C9D8-4332-B072-B1456B2A29BA}"/>
+              </a:ext>
+            </a:extLst>
+          </p:cNvPr>
+          <p:cNvPicPr>
+            <a:picLocks noChangeAspect="1" noChangeArrowheads="1"/>
+          </p:cNvPicPr>
+          <p:nvPr/>
+        </p:nvPicPr>
+        <p:blipFill rotWithShape="1">
+          <a:blip r:embed="rId2">
+            <a:extLst>
+              <a:ext uri="{28A0092B-C50C-407E-A947-70E740481C1C}">
+                <a14:useLocalDpi xmlns:a14="http://schemas.microsoft.com/office/drawing/2010/main" val="0"/>
+              </a:ext>
+            </a:extLst>
+          </a:blip>
+          <a:srcRect t="9991" b="53003"/>
+          <a:stretch/>
+        </p:blipFill>
+        <p:spPr bwMode="auto">
+          <a:xfrm>
+            <a:off x="4309109" y="6551564"/>
+            <a:ext cx="3573781" cy="182877"/>
+          </a:xfrm>
+          <a:prstGeom prst="rect">
+            <a:avLst/>
+          </a:prstGeom>
+          <a:noFill/>
+          <a:extLst>
+            <a:ext uri="{909E8E84-426E-40DD-AFC4-6F175D3DCCD1}">
+              <a14:hiddenFill xmlns:a14="http://schemas.microsoft.com/office/drawing/2010/main">
+                <a:solidFill>
+                  <a:srgbClr val="FFFFFF"/>
+                </a:solidFill>
+              </a14:hiddenFill>
+            </a:ext>
+          </a:extLst>
+        </p:spPr>
+      </p:pic>
+      <p:sp>
+        <p:nvSpPr>
+          <p:cNvPr id="10" name="TextBox 9">
+            <a:extLst>
+              <a:ext uri="{FF2B5EF4-FFF2-40B4-BE49-F238E27FC236}">
+                <a16:creationId xmlns:a16="http://schemas.microsoft.com/office/drawing/2014/main" id="{B6060B1D-FCF7-4786-AD1D-0083EF7F4A58}"/>
+              </a:ext>
+            </a:extLst>
+          </p:cNvPr>
+          <p:cNvSpPr txBox="1"/>
+          <p:nvPr/>
+        </p:nvSpPr>
+        <p:spPr>
+          <a:xfrm>
+            <a:off x="76200" y="6504231"/>
+            <a:ext cx="3261360" cy="338554"/>
+          </a:xfrm>
+          <a:prstGeom prst="rect">
+            <a:avLst/>
+          </a:prstGeom>
+          <a:noFill/>
+        </p:spPr>
+        <p:txBody>
+          <a:bodyPr wrap="square" rtlCol="0">
+            <a:spAutoFit/>
+          </a:bodyPr>
+          <a:lstStyle/>
+          <a:p>
+            <a:r>
+              <a:rPr lang="es-MX" sz="1600" b="1" dirty="0">
+                <a:solidFill>
+                  <a:schemeClr val="tx1">
+                    <a:lumMod val="65000"/>
+                    <a:lumOff val="35000"/>
+                  </a:schemeClr>
+                </a:solidFill>
+                <a:latin typeface="Lucida Sans Unicode" panose="020B0602030504020204" pitchFamily="34" charset="0"/>
+                <a:cs typeface="Lucida Sans Unicode" panose="020B0602030504020204" pitchFamily="34" charset="0"/>
+              </a:rPr>
+              <a:t>DATA ANALYTICS BOOTCAMP</a:t>
+            </a:r>
+            <a:endParaRPr lang="en-US" sz="1600" b="1" dirty="0">
+              <a:solidFill>
+                <a:schemeClr val="tx1">
+                  <a:lumMod val="65000"/>
+                  <a:lumOff val="35000"/>
+                </a:schemeClr>
+              </a:solidFill>
+              <a:latin typeface="Lucida Sans Unicode" panose="020B0602030504020204" pitchFamily="34" charset="0"/>
+              <a:cs typeface="Lucida Sans Unicode" panose="020B0602030504020204" pitchFamily="34" charset="0"/>
+            </a:endParaRPr>
+          </a:p>
+        </p:txBody>
+      </p:sp>
+      <p:pic>
+        <p:nvPicPr>
+          <p:cNvPr id="11" name="Picture 10">
+            <a:extLst>
+              <a:ext uri="{FF2B5EF4-FFF2-40B4-BE49-F238E27FC236}">
+                <a16:creationId xmlns:a16="http://schemas.microsoft.com/office/drawing/2014/main" id="{511067B3-F5F4-4E71-862C-744E09878974}"/>
+              </a:ext>
+            </a:extLst>
+          </p:cNvPr>
+          <p:cNvPicPr>
+            <a:picLocks noChangeAspect="1"/>
+          </p:cNvPicPr>
+          <p:nvPr/>
+        </p:nvPicPr>
+        <p:blipFill rotWithShape="1">
+          <a:blip r:embed="rId3"/>
+          <a:srcRect t="4803" r="5315" b="10979"/>
+          <a:stretch/>
+        </p:blipFill>
+        <p:spPr>
+          <a:xfrm>
+            <a:off x="8328660" y="79772"/>
+            <a:ext cx="3665220" cy="645486"/>
+          </a:xfrm>
+          <a:prstGeom prst="rect">
+            <a:avLst/>
+          </a:prstGeom>
+        </p:spPr>
+      </p:pic>
+      <p:sp>
+        <p:nvSpPr>
+          <p:cNvPr id="12" name="TextBox 11">
+            <a:extLst>
+              <a:ext uri="{FF2B5EF4-FFF2-40B4-BE49-F238E27FC236}">
+                <a16:creationId xmlns:a16="http://schemas.microsoft.com/office/drawing/2014/main" id="{FE1B5C35-968D-4479-8061-A2220D41C771}"/>
+              </a:ext>
+            </a:extLst>
+          </p:cNvPr>
+          <p:cNvSpPr txBox="1"/>
+          <p:nvPr/>
+        </p:nvSpPr>
+        <p:spPr>
+          <a:xfrm>
+            <a:off x="8039100" y="6470451"/>
+            <a:ext cx="4191000" cy="307777"/>
+          </a:xfrm>
+          <a:prstGeom prst="rect">
+            <a:avLst/>
+          </a:prstGeom>
+          <a:noFill/>
+        </p:spPr>
+        <p:txBody>
+          <a:bodyPr wrap="square" rtlCol="0">
+            <a:spAutoFit/>
+          </a:bodyPr>
+          <a:lstStyle/>
+          <a:p>
+            <a:r>
+              <a:rPr lang="es-MX" sz="1400" b="1" dirty="0" err="1">
+                <a:solidFill>
+                  <a:schemeClr val="tx1">
+                    <a:lumMod val="65000"/>
+                    <a:lumOff val="35000"/>
+                  </a:schemeClr>
+                </a:solidFill>
+                <a:latin typeface="Verdana Pro" panose="020B0604020202020204" pitchFamily="34" charset="0"/>
+              </a:rPr>
+              <a:t>How</a:t>
+            </a:r>
+            <a:r>
+              <a:rPr lang="es-MX" sz="1400" b="1" dirty="0">
+                <a:solidFill>
+                  <a:schemeClr val="tx1">
+                    <a:lumMod val="65000"/>
+                    <a:lumOff val="35000"/>
+                  </a:schemeClr>
+                </a:solidFill>
+                <a:latin typeface="Verdana Pro" panose="020B0604020202020204" pitchFamily="34" charset="0"/>
+              </a:rPr>
+              <a:t> </a:t>
+            </a:r>
+            <a:r>
+              <a:rPr lang="es-MX" sz="1400" b="1" dirty="0" err="1">
+                <a:solidFill>
+                  <a:schemeClr val="tx1">
+                    <a:lumMod val="65000"/>
+                    <a:lumOff val="35000"/>
+                  </a:schemeClr>
+                </a:solidFill>
+                <a:latin typeface="Verdana Pro" panose="020B0604020202020204" pitchFamily="34" charset="0"/>
+              </a:rPr>
+              <a:t>America</a:t>
+            </a:r>
+            <a:r>
+              <a:rPr lang="es-MX" sz="1400" b="1" dirty="0">
+                <a:solidFill>
+                  <a:schemeClr val="tx1">
+                    <a:lumMod val="65000"/>
+                    <a:lumOff val="35000"/>
+                  </a:schemeClr>
+                </a:solidFill>
+                <a:latin typeface="Verdana Pro" panose="020B0604020202020204" pitchFamily="34" charset="0"/>
+              </a:rPr>
+              <a:t> </a:t>
+            </a:r>
+            <a:r>
+              <a:rPr lang="es-MX" sz="1400" b="1" dirty="0" err="1">
+                <a:solidFill>
+                  <a:schemeClr val="tx1">
+                    <a:lumMod val="65000"/>
+                    <a:lumOff val="35000"/>
+                  </a:schemeClr>
+                </a:solidFill>
+                <a:latin typeface="Verdana Pro" panose="020B0604020202020204" pitchFamily="34" charset="0"/>
+              </a:rPr>
+              <a:t>feels</a:t>
+            </a:r>
+            <a:r>
+              <a:rPr lang="es-MX" sz="1400" b="1" dirty="0">
+                <a:solidFill>
+                  <a:schemeClr val="tx1">
+                    <a:lumMod val="65000"/>
+                    <a:lumOff val="35000"/>
+                  </a:schemeClr>
+                </a:solidFill>
+                <a:latin typeface="Verdana Pro" panose="020B0604020202020204" pitchFamily="34" charset="0"/>
+              </a:rPr>
+              <a:t> </a:t>
+            </a:r>
+            <a:r>
+              <a:rPr lang="es-MX" sz="1400" b="1" dirty="0" err="1">
+                <a:solidFill>
+                  <a:schemeClr val="tx1">
+                    <a:lumMod val="65000"/>
+                    <a:lumOff val="35000"/>
+                  </a:schemeClr>
+                </a:solidFill>
+                <a:latin typeface="Verdana Pro" panose="020B0604020202020204" pitchFamily="34" charset="0"/>
+              </a:rPr>
+              <a:t>about</a:t>
+            </a:r>
+            <a:r>
+              <a:rPr lang="es-MX" sz="1400" b="1" dirty="0">
+                <a:solidFill>
+                  <a:schemeClr val="tx1">
+                    <a:lumMod val="65000"/>
+                    <a:lumOff val="35000"/>
+                  </a:schemeClr>
+                </a:solidFill>
+                <a:latin typeface="Verdana Pro" panose="020B0604020202020204" pitchFamily="34" charset="0"/>
+              </a:rPr>
+              <a:t> </a:t>
+            </a:r>
+            <a:r>
+              <a:rPr lang="es-MX" sz="1400" b="1" dirty="0" err="1">
+                <a:solidFill>
+                  <a:schemeClr val="tx1">
+                    <a:lumMod val="65000"/>
+                    <a:lumOff val="35000"/>
+                  </a:schemeClr>
+                </a:solidFill>
+                <a:latin typeface="Verdana Pro" panose="020B0604020202020204" pitchFamily="34" charset="0"/>
+              </a:rPr>
+              <a:t>immigration</a:t>
+            </a:r>
+            <a:r>
+              <a:rPr lang="es-MX" sz="1400" b="1" dirty="0">
+                <a:solidFill>
+                  <a:schemeClr val="tx1">
+                    <a:lumMod val="65000"/>
+                    <a:lumOff val="35000"/>
+                  </a:schemeClr>
+                </a:solidFill>
+                <a:latin typeface="Verdana Pro" panose="020B0604020202020204" pitchFamily="34" charset="0"/>
+              </a:rPr>
+              <a:t>?</a:t>
+            </a:r>
+            <a:endParaRPr lang="en-US" sz="1400" b="1" dirty="0">
+              <a:solidFill>
+                <a:schemeClr val="tx1">
+                  <a:lumMod val="65000"/>
+                  <a:lumOff val="35000"/>
+                </a:schemeClr>
+              </a:solidFill>
+              <a:latin typeface="Verdana Pro" panose="020B0604020202020204" pitchFamily="34" charset="0"/>
+            </a:endParaRPr>
+          </a:p>
+        </p:txBody>
+      </p:sp>
+      <p:sp>
+        <p:nvSpPr>
+          <p:cNvPr id="14" name="Rectangle 13">
+            <a:extLst>
+              <a:ext uri="{FF2B5EF4-FFF2-40B4-BE49-F238E27FC236}">
+                <a16:creationId xmlns:a16="http://schemas.microsoft.com/office/drawing/2014/main" id="{8B00E793-3E51-4A8D-ABD5-FB3F0CDF0DF9}"/>
+              </a:ext>
+            </a:extLst>
+          </p:cNvPr>
+          <p:cNvSpPr/>
+          <p:nvPr/>
+        </p:nvSpPr>
+        <p:spPr>
+          <a:xfrm>
+            <a:off x="396240" y="1366480"/>
+            <a:ext cx="11353800" cy="923330"/>
+          </a:xfrm>
+          <a:prstGeom prst="rect">
+            <a:avLst/>
+          </a:prstGeom>
+        </p:spPr>
+        <p:txBody>
+          <a:bodyPr wrap="square">
+            <a:spAutoFit/>
+          </a:bodyPr>
+          <a:lstStyle/>
+          <a:p>
+            <a:pPr marL="342900" indent="-342900">
+              <a:buAutoNum type="arabicPeriod"/>
+            </a:pPr>
+            <a:r>
+              <a:rPr lang="es-MX" b="1" dirty="0" err="1"/>
+              <a:t>Is</a:t>
+            </a:r>
+            <a:r>
+              <a:rPr lang="es-MX" b="1" dirty="0"/>
+              <a:t> </a:t>
+            </a:r>
+            <a:r>
+              <a:rPr lang="es-MX" b="1" dirty="0" err="1"/>
+              <a:t>there</a:t>
+            </a:r>
+            <a:r>
+              <a:rPr lang="es-MX" b="1" dirty="0"/>
+              <a:t> a </a:t>
+            </a:r>
+            <a:r>
+              <a:rPr lang="es-MX" b="1" dirty="0" err="1"/>
+              <a:t>correlation</a:t>
+            </a:r>
+            <a:r>
+              <a:rPr lang="es-MX" b="1" dirty="0"/>
+              <a:t> </a:t>
+            </a:r>
+            <a:r>
+              <a:rPr lang="es-MX" b="1" dirty="0" err="1"/>
+              <a:t>between</a:t>
+            </a:r>
+            <a:r>
+              <a:rPr lang="es-MX" b="1" dirty="0"/>
+              <a:t> </a:t>
+            </a:r>
+            <a:r>
+              <a:rPr lang="es-MX" b="1" dirty="0" err="1"/>
+              <a:t>hate</a:t>
+            </a:r>
+            <a:r>
+              <a:rPr lang="es-MX" b="1" dirty="0"/>
+              <a:t> </a:t>
+            </a:r>
+            <a:r>
+              <a:rPr lang="es-MX" b="1" dirty="0" err="1"/>
+              <a:t>crime</a:t>
+            </a:r>
+            <a:r>
+              <a:rPr lang="es-MX" b="1" dirty="0"/>
+              <a:t> </a:t>
+            </a:r>
+            <a:r>
+              <a:rPr lang="es-MX" b="1" dirty="0" err="1"/>
+              <a:t>rate</a:t>
+            </a:r>
+            <a:r>
+              <a:rPr lang="es-MX" b="1" dirty="0"/>
+              <a:t> and </a:t>
+            </a:r>
+            <a:r>
+              <a:rPr lang="es-MX" b="1" dirty="0" err="1"/>
+              <a:t>the</a:t>
+            </a:r>
+            <a:r>
+              <a:rPr lang="es-MX" b="1" dirty="0"/>
+              <a:t> </a:t>
+            </a:r>
+            <a:r>
+              <a:rPr lang="es-MX" b="1" dirty="0" err="1"/>
+              <a:t>negativity</a:t>
+            </a:r>
+            <a:r>
+              <a:rPr lang="es-MX" b="1" dirty="0"/>
+              <a:t> </a:t>
+            </a:r>
+            <a:r>
+              <a:rPr lang="es-MX" b="1" dirty="0" err="1"/>
+              <a:t>of</a:t>
+            </a:r>
+            <a:r>
+              <a:rPr lang="es-MX" b="1" dirty="0"/>
+              <a:t> </a:t>
+            </a:r>
+            <a:r>
+              <a:rPr lang="es-MX" b="1" dirty="0" err="1"/>
+              <a:t>sentiment</a:t>
+            </a:r>
+            <a:r>
+              <a:rPr lang="es-MX" b="1" dirty="0"/>
+              <a:t> </a:t>
+            </a:r>
+            <a:r>
+              <a:rPr lang="es-MX" b="1" dirty="0" err="1"/>
+              <a:t>analysis</a:t>
+            </a:r>
+            <a:r>
+              <a:rPr lang="es-MX" b="1" dirty="0"/>
+              <a:t>?</a:t>
+            </a:r>
+          </a:p>
+          <a:p>
+            <a:r>
+              <a:rPr lang="es-MX" dirty="0" err="1"/>
+              <a:t>Based</a:t>
+            </a:r>
+            <a:r>
+              <a:rPr lang="es-MX" dirty="0"/>
+              <a:t> in </a:t>
+            </a:r>
+            <a:r>
+              <a:rPr lang="es-MX" dirty="0" err="1"/>
+              <a:t>our</a:t>
+            </a:r>
+            <a:r>
+              <a:rPr lang="es-MX" dirty="0"/>
+              <a:t> </a:t>
+            </a:r>
+            <a:r>
+              <a:rPr lang="es-MX" dirty="0" err="1"/>
+              <a:t>scatter</a:t>
+            </a:r>
+            <a:r>
+              <a:rPr lang="es-MX" dirty="0"/>
+              <a:t> </a:t>
+            </a:r>
+            <a:r>
+              <a:rPr lang="es-MX" dirty="0" err="1"/>
+              <a:t>plot</a:t>
+            </a:r>
+            <a:r>
+              <a:rPr lang="es-MX" dirty="0"/>
+              <a:t> </a:t>
+            </a:r>
+            <a:r>
+              <a:rPr lang="es-MX" dirty="0" err="1"/>
+              <a:t>we</a:t>
+            </a:r>
+            <a:r>
+              <a:rPr lang="es-MX" dirty="0"/>
+              <a:t> can </a:t>
+            </a:r>
+            <a:r>
+              <a:rPr lang="es-MX" dirty="0" err="1"/>
+              <a:t>conclude</a:t>
+            </a:r>
+            <a:r>
+              <a:rPr lang="es-MX" dirty="0"/>
+              <a:t> </a:t>
+            </a:r>
+            <a:r>
+              <a:rPr lang="es-MX" dirty="0" err="1"/>
+              <a:t>that</a:t>
+            </a:r>
+            <a:r>
+              <a:rPr lang="es-MX" dirty="0"/>
+              <a:t> in </a:t>
+            </a:r>
+            <a:r>
+              <a:rPr lang="es-MX" dirty="0" err="1"/>
+              <a:t>those</a:t>
+            </a:r>
+            <a:r>
+              <a:rPr lang="es-MX" dirty="0"/>
+              <a:t> </a:t>
+            </a:r>
+            <a:r>
+              <a:rPr lang="es-MX" dirty="0" err="1"/>
+              <a:t>counties</a:t>
+            </a:r>
+            <a:r>
+              <a:rPr lang="es-MX" dirty="0"/>
+              <a:t> </a:t>
+            </a:r>
+            <a:r>
+              <a:rPr lang="es-MX" dirty="0" err="1"/>
+              <a:t>where</a:t>
+            </a:r>
+            <a:r>
+              <a:rPr lang="es-MX" dirty="0"/>
+              <a:t> </a:t>
+            </a:r>
+            <a:r>
+              <a:rPr lang="es-MX" dirty="0" err="1"/>
+              <a:t>the</a:t>
+            </a:r>
+            <a:r>
+              <a:rPr lang="es-MX" dirty="0"/>
+              <a:t> </a:t>
+            </a:r>
+            <a:r>
+              <a:rPr lang="es-MX" dirty="0" err="1"/>
+              <a:t>sentiment</a:t>
+            </a:r>
+            <a:r>
+              <a:rPr lang="es-MX" dirty="0"/>
+              <a:t> </a:t>
+            </a:r>
+            <a:r>
+              <a:rPr lang="es-MX" dirty="0" err="1"/>
+              <a:t>analysis</a:t>
+            </a:r>
+            <a:r>
+              <a:rPr lang="es-MX" dirty="0"/>
+              <a:t> </a:t>
+            </a:r>
+            <a:r>
+              <a:rPr lang="es-MX" dirty="0" err="1"/>
+              <a:t>is</a:t>
+            </a:r>
+            <a:r>
+              <a:rPr lang="es-MX" dirty="0"/>
+              <a:t> </a:t>
+            </a:r>
+            <a:r>
+              <a:rPr lang="es-MX" dirty="0" err="1"/>
+              <a:t>negative</a:t>
+            </a:r>
+            <a:r>
+              <a:rPr lang="es-MX" dirty="0"/>
+              <a:t>, </a:t>
+            </a:r>
+            <a:r>
+              <a:rPr lang="es-MX" dirty="0" err="1"/>
+              <a:t>the</a:t>
+            </a:r>
+            <a:r>
+              <a:rPr lang="es-MX" dirty="0"/>
+              <a:t> </a:t>
+            </a:r>
+            <a:r>
+              <a:rPr lang="es-MX" dirty="0" err="1"/>
+              <a:t>hate</a:t>
+            </a:r>
+            <a:r>
+              <a:rPr lang="es-MX" dirty="0"/>
+              <a:t> </a:t>
+            </a:r>
+            <a:r>
+              <a:rPr lang="es-MX" dirty="0" err="1"/>
+              <a:t>crime</a:t>
+            </a:r>
+            <a:r>
+              <a:rPr lang="es-MX" dirty="0"/>
+              <a:t> </a:t>
+            </a:r>
+            <a:r>
+              <a:rPr lang="es-MX" dirty="0" err="1"/>
+              <a:t>rate</a:t>
+            </a:r>
+            <a:r>
+              <a:rPr lang="es-MX" dirty="0"/>
+              <a:t> </a:t>
+            </a:r>
+            <a:r>
+              <a:rPr lang="es-MX" dirty="0" err="1"/>
+              <a:t>is</a:t>
+            </a:r>
+            <a:r>
+              <a:rPr lang="es-MX" dirty="0"/>
+              <a:t> </a:t>
+            </a:r>
+            <a:r>
+              <a:rPr lang="es-MX" dirty="0" err="1"/>
+              <a:t>higher</a:t>
+            </a:r>
+            <a:r>
+              <a:rPr lang="es-MX" dirty="0"/>
+              <a:t> </a:t>
+            </a:r>
+            <a:r>
+              <a:rPr lang="es-MX" dirty="0" err="1"/>
+              <a:t>than</a:t>
+            </a:r>
+            <a:r>
+              <a:rPr lang="es-MX" dirty="0"/>
+              <a:t> </a:t>
+            </a:r>
+            <a:r>
+              <a:rPr lang="es-MX" dirty="0" err="1"/>
+              <a:t>average</a:t>
+            </a:r>
+            <a:r>
+              <a:rPr lang="es-MX" dirty="0"/>
+              <a:t> and….</a:t>
+            </a:r>
+            <a:r>
+              <a:rPr lang="es-MX" b="1" dirty="0"/>
+              <a:t>  </a:t>
+            </a:r>
+          </a:p>
+        </p:txBody>
+      </p:sp>
+      <p:sp>
+        <p:nvSpPr>
+          <p:cNvPr id="15" name="Rectangle 14">
+            <a:extLst>
+              <a:ext uri="{FF2B5EF4-FFF2-40B4-BE49-F238E27FC236}">
+                <a16:creationId xmlns:a16="http://schemas.microsoft.com/office/drawing/2014/main" id="{0F015D0B-B13F-4288-89E1-72DC8D1FF997}"/>
+              </a:ext>
+            </a:extLst>
+          </p:cNvPr>
+          <p:cNvSpPr/>
+          <p:nvPr/>
+        </p:nvSpPr>
+        <p:spPr>
+          <a:xfrm>
+            <a:off x="441960" y="1058705"/>
+            <a:ext cx="6096000" cy="369332"/>
+          </a:xfrm>
+          <a:prstGeom prst="rect">
+            <a:avLst/>
+          </a:prstGeom>
+        </p:spPr>
+        <p:txBody>
+          <a:bodyPr>
+            <a:spAutoFit/>
+          </a:bodyPr>
+          <a:lstStyle/>
+          <a:p>
+            <a:r>
+              <a:rPr lang="es-MX" dirty="0"/>
+              <a:t>EXAMPLE</a:t>
+            </a:r>
+            <a:endParaRPr lang="en-US" dirty="0"/>
+          </a:p>
+        </p:txBody>
+      </p:sp>
+    </p:spTree>
+    <p:extLst>
+      <p:ext uri="{BB962C8B-B14F-4D97-AF65-F5344CB8AC3E}">
+        <p14:creationId xmlns:p14="http://schemas.microsoft.com/office/powerpoint/2010/main" val="1314096435"/>
+      </p:ext>
+    </p:extLst>
+  </p:cSld>
+  <p:clrMapOvr>
+    <a:masterClrMapping/>
+  </p:clrMapOvr>
+</p:sld>
+</file>
+
+<file path=ppt/slides/slide11.xml><?xml version="1.0" encoding="utf-8"?>
+<p:sld xmlns:a="http://schemas.openxmlformats.org/drawingml/2006/main" xmlns:r="http://schemas.openxmlformats.org/officeDocument/2006/relationships" xmlns:p="http://schemas.openxmlformats.org/presentationml/2006/main">
+  <p:cSld>
     <p:bg>
       <p:bgPr>
         <a:solidFill>
@@ -3971,651 +4756,299 @@
       </p:grpSpPr>
       <p:sp>
         <p:nvSpPr>
-          <p:cNvPr id="4" name="TextBox 3">
-            <a:extLst>
-              <a:ext uri="{FF2B5EF4-FFF2-40B4-BE49-F238E27FC236}">
-                <a16:creationId xmlns:a16="http://schemas.microsoft.com/office/drawing/2014/main" id="{535CC590-B45E-410C-ADCE-90561367C81F}"/>
-              </a:ext>
-            </a:extLst>
-          </p:cNvPr>
-          <p:cNvSpPr txBox="1"/>
-          <p:nvPr/>
-        </p:nvSpPr>
-        <p:spPr>
-          <a:xfrm>
-            <a:off x="152400" y="15240"/>
-            <a:ext cx="8930640" cy="707886"/>
+          <p:cNvPr id="2" name="Title 1">
+            <a:extLst>
+              <a:ext uri="{FF2B5EF4-FFF2-40B4-BE49-F238E27FC236}">
+                <a16:creationId xmlns:a16="http://schemas.microsoft.com/office/drawing/2014/main" id="{5A16968E-4327-4CF1-9206-B1DFDD9B2D1E}"/>
+              </a:ext>
+            </a:extLst>
+          </p:cNvPr>
+          <p:cNvSpPr>
+            <a:spLocks noGrp="1"/>
+          </p:cNvSpPr>
+          <p:nvPr>
+            <p:ph type="title"/>
+          </p:nvPr>
+        </p:nvSpPr>
+        <p:spPr/>
+        <p:txBody>
+          <a:bodyPr>
+            <a:normAutofit/>
+          </a:bodyPr>
+          <a:lstStyle/>
+          <a:p>
+            <a:pPr algn="ctr"/>
+            <a:r>
+              <a:rPr lang="en-US" sz="4000" b="1" u="sng" dirty="0">
+                <a:latin typeface="Verdana Pro" panose="020B0604020202020204" pitchFamily="34" charset="0"/>
+              </a:rPr>
+              <a:t>Questions</a:t>
+            </a:r>
+          </a:p>
+        </p:txBody>
+      </p:sp>
+      <p:sp>
+        <p:nvSpPr>
+          <p:cNvPr id="4" name="Content Placeholder 3">
+            <a:extLst>
+              <a:ext uri="{FF2B5EF4-FFF2-40B4-BE49-F238E27FC236}">
+                <a16:creationId xmlns:a16="http://schemas.microsoft.com/office/drawing/2014/main" id="{09875D7D-1BD3-4EA6-9B7C-30BFC26D57C9}"/>
+              </a:ext>
+            </a:extLst>
+          </p:cNvPr>
+          <p:cNvSpPr>
+            <a:spLocks noGrp="1"/>
+          </p:cNvSpPr>
+          <p:nvPr>
+            <p:ph idx="1"/>
+          </p:nvPr>
+        </p:nvSpPr>
+        <p:spPr>
+          <a:xfrm>
+            <a:off x="838200" y="1825625"/>
+            <a:ext cx="10515600" cy="2803844"/>
           </a:xfrm>
           <a:prstGeom prst="rect">
             <a:avLst/>
           </a:prstGeom>
-          <a:noFill/>
-        </p:spPr>
-        <p:txBody>
-          <a:bodyPr wrap="square" rtlCol="0">
+        </p:spPr>
+        <p:txBody>
+          <a:bodyPr wrap="square">
             <a:spAutoFit/>
           </a:bodyPr>
           <a:lstStyle/>
           <a:p>
-            <a:r>
-              <a:rPr lang="en-US" sz="4000" b="1" dirty="0">
-                <a:latin typeface="Verdana Pro" panose="020B0604020202020204" pitchFamily="34" charset="0"/>
-              </a:rPr>
-              <a:t>Contents</a:t>
-            </a:r>
-          </a:p>
-        </p:txBody>
-      </p:sp>
-      <p:cxnSp>
-        <p:nvCxnSpPr>
-          <p:cNvPr id="6" name="Straight Connector 5">
-            <a:extLst>
-              <a:ext uri="{FF2B5EF4-FFF2-40B4-BE49-F238E27FC236}">
-                <a16:creationId xmlns:a16="http://schemas.microsoft.com/office/drawing/2014/main" id="{4D74FA8F-BA75-4BD5-BD92-D1D894D4438A}"/>
-              </a:ext>
-            </a:extLst>
-          </p:cNvPr>
-          <p:cNvCxnSpPr/>
-          <p:nvPr/>
-        </p:nvCxnSpPr>
-        <p:spPr>
-          <a:xfrm>
-            <a:off x="152400" y="723126"/>
-            <a:ext cx="11841480" cy="0"/>
-          </a:xfrm>
-          <a:prstGeom prst="line">
-            <a:avLst/>
-          </a:prstGeom>
-        </p:spPr>
-        <p:style>
-          <a:lnRef idx="1">
-            <a:schemeClr val="dk1"/>
-          </a:lnRef>
-          <a:fillRef idx="0">
-            <a:schemeClr val="dk1"/>
-          </a:fillRef>
-          <a:effectRef idx="0">
-            <a:schemeClr val="dk1"/>
-          </a:effectRef>
-          <a:fontRef idx="minor">
-            <a:schemeClr val="tx1"/>
-          </a:fontRef>
-        </p:style>
-      </p:cxnSp>
-      <p:sp>
-        <p:nvSpPr>
-          <p:cNvPr id="7" name="TextBox 6">
-            <a:extLst>
-              <a:ext uri="{FF2B5EF4-FFF2-40B4-BE49-F238E27FC236}">
-                <a16:creationId xmlns:a16="http://schemas.microsoft.com/office/drawing/2014/main" id="{9E4CDA23-0616-4B63-A36E-EF452DE4FFBF}"/>
-              </a:ext>
-            </a:extLst>
-          </p:cNvPr>
-          <p:cNvSpPr txBox="1"/>
-          <p:nvPr/>
-        </p:nvSpPr>
-        <p:spPr>
-          <a:xfrm>
-            <a:off x="8039100" y="6470451"/>
-            <a:ext cx="4191000" cy="307777"/>
-          </a:xfrm>
-          <a:prstGeom prst="rect">
-            <a:avLst/>
-          </a:prstGeom>
-          <a:noFill/>
-        </p:spPr>
-        <p:txBody>
-          <a:bodyPr wrap="square" rtlCol="0">
-            <a:spAutoFit/>
-          </a:bodyPr>
-          <a:lstStyle/>
-          <a:p>
-            <a:r>
-              <a:rPr lang="es-MX" sz="1400" b="1" dirty="0" err="1">
-                <a:solidFill>
-                  <a:schemeClr val="tx1">
-                    <a:lumMod val="65000"/>
-                    <a:lumOff val="35000"/>
-                  </a:schemeClr>
-                </a:solidFill>
-                <a:latin typeface="Verdana Pro" panose="020B0604020202020204" pitchFamily="34" charset="0"/>
-              </a:rPr>
-              <a:t>How</a:t>
-            </a:r>
-            <a:r>
-              <a:rPr lang="es-MX" sz="1400" b="1" dirty="0">
-                <a:solidFill>
-                  <a:schemeClr val="tx1">
-                    <a:lumMod val="65000"/>
-                    <a:lumOff val="35000"/>
-                  </a:schemeClr>
-                </a:solidFill>
-                <a:latin typeface="Verdana Pro" panose="020B0604020202020204" pitchFamily="34" charset="0"/>
-              </a:rPr>
-              <a:t> </a:t>
-            </a:r>
-            <a:r>
-              <a:rPr lang="es-MX" sz="1400" b="1" dirty="0" err="1">
-                <a:solidFill>
-                  <a:schemeClr val="tx1">
-                    <a:lumMod val="65000"/>
-                    <a:lumOff val="35000"/>
-                  </a:schemeClr>
-                </a:solidFill>
-                <a:latin typeface="Verdana Pro" panose="020B0604020202020204" pitchFamily="34" charset="0"/>
-              </a:rPr>
-              <a:t>America</a:t>
-            </a:r>
-            <a:r>
-              <a:rPr lang="es-MX" sz="1400" b="1" dirty="0">
-                <a:solidFill>
-                  <a:schemeClr val="tx1">
-                    <a:lumMod val="65000"/>
-                    <a:lumOff val="35000"/>
-                  </a:schemeClr>
-                </a:solidFill>
-                <a:latin typeface="Verdana Pro" panose="020B0604020202020204" pitchFamily="34" charset="0"/>
-              </a:rPr>
-              <a:t> </a:t>
-            </a:r>
-            <a:r>
-              <a:rPr lang="es-MX" sz="1400" b="1" dirty="0" err="1">
-                <a:solidFill>
-                  <a:schemeClr val="tx1">
-                    <a:lumMod val="65000"/>
-                    <a:lumOff val="35000"/>
-                  </a:schemeClr>
-                </a:solidFill>
-                <a:latin typeface="Verdana Pro" panose="020B0604020202020204" pitchFamily="34" charset="0"/>
-              </a:rPr>
-              <a:t>feels</a:t>
-            </a:r>
-            <a:r>
-              <a:rPr lang="es-MX" sz="1400" b="1" dirty="0">
-                <a:solidFill>
-                  <a:schemeClr val="tx1">
-                    <a:lumMod val="65000"/>
-                    <a:lumOff val="35000"/>
-                  </a:schemeClr>
-                </a:solidFill>
-                <a:latin typeface="Verdana Pro" panose="020B0604020202020204" pitchFamily="34" charset="0"/>
-              </a:rPr>
-              <a:t> </a:t>
-            </a:r>
-            <a:r>
-              <a:rPr lang="es-MX" sz="1400" b="1" dirty="0" err="1">
-                <a:solidFill>
-                  <a:schemeClr val="tx1">
-                    <a:lumMod val="65000"/>
-                    <a:lumOff val="35000"/>
-                  </a:schemeClr>
-                </a:solidFill>
-                <a:latin typeface="Verdana Pro" panose="020B0604020202020204" pitchFamily="34" charset="0"/>
-              </a:rPr>
-              <a:t>about</a:t>
-            </a:r>
-            <a:r>
-              <a:rPr lang="es-MX" sz="1400" b="1" dirty="0">
-                <a:solidFill>
-                  <a:schemeClr val="tx1">
-                    <a:lumMod val="65000"/>
-                    <a:lumOff val="35000"/>
-                  </a:schemeClr>
-                </a:solidFill>
-                <a:latin typeface="Verdana Pro" panose="020B0604020202020204" pitchFamily="34" charset="0"/>
-              </a:rPr>
-              <a:t> </a:t>
-            </a:r>
-            <a:r>
-              <a:rPr lang="es-MX" sz="1400" b="1" dirty="0" err="1">
-                <a:solidFill>
-                  <a:schemeClr val="tx1">
-                    <a:lumMod val="65000"/>
-                    <a:lumOff val="35000"/>
-                  </a:schemeClr>
-                </a:solidFill>
-                <a:latin typeface="Verdana Pro" panose="020B0604020202020204" pitchFamily="34" charset="0"/>
-              </a:rPr>
-              <a:t>immigration</a:t>
-            </a:r>
-            <a:r>
-              <a:rPr lang="es-MX" sz="1400" b="1" dirty="0">
-                <a:solidFill>
-                  <a:schemeClr val="tx1">
-                    <a:lumMod val="65000"/>
-                    <a:lumOff val="35000"/>
-                  </a:schemeClr>
-                </a:solidFill>
-                <a:latin typeface="Verdana Pro" panose="020B0604020202020204" pitchFamily="34" charset="0"/>
-              </a:rPr>
-              <a:t>?</a:t>
-            </a:r>
-            <a:endParaRPr lang="en-US" sz="1400" b="1" dirty="0">
-              <a:solidFill>
-                <a:schemeClr val="tx1">
-                  <a:lumMod val="65000"/>
-                  <a:lumOff val="35000"/>
-                </a:schemeClr>
-              </a:solidFill>
-              <a:latin typeface="Verdana Pro" panose="020B0604020202020204" pitchFamily="34" charset="0"/>
-            </a:endParaRPr>
-          </a:p>
-        </p:txBody>
-      </p:sp>
-      <p:cxnSp>
-        <p:nvCxnSpPr>
-          <p:cNvPr id="8" name="Straight Connector 7">
-            <a:extLst>
-              <a:ext uri="{FF2B5EF4-FFF2-40B4-BE49-F238E27FC236}">
-                <a16:creationId xmlns:a16="http://schemas.microsoft.com/office/drawing/2014/main" id="{D9B39E99-0735-4B3C-B877-7FC28CEFEBEA}"/>
-              </a:ext>
-            </a:extLst>
-          </p:cNvPr>
-          <p:cNvCxnSpPr/>
-          <p:nvPr/>
-        </p:nvCxnSpPr>
-        <p:spPr>
-          <a:xfrm>
-            <a:off x="152400" y="6470452"/>
-            <a:ext cx="11841480" cy="0"/>
-          </a:xfrm>
-          <a:prstGeom prst="line">
-            <a:avLst/>
-          </a:prstGeom>
-        </p:spPr>
-        <p:style>
-          <a:lnRef idx="1">
-            <a:schemeClr val="dk1"/>
-          </a:lnRef>
-          <a:fillRef idx="0">
-            <a:schemeClr val="dk1"/>
-          </a:fillRef>
-          <a:effectRef idx="0">
-            <a:schemeClr val="dk1"/>
-          </a:effectRef>
-          <a:fontRef idx="minor">
-            <a:schemeClr val="tx1"/>
-          </a:fontRef>
-        </p:style>
-      </p:cxnSp>
-      <p:pic>
-        <p:nvPicPr>
-          <p:cNvPr id="2050" name="Picture 2" descr="Image result for GWU BANNER">
-            <a:extLst>
-              <a:ext uri="{FF2B5EF4-FFF2-40B4-BE49-F238E27FC236}">
-                <a16:creationId xmlns:a16="http://schemas.microsoft.com/office/drawing/2014/main" id="{8760C191-C9D8-4332-B072-B1456B2A29BA}"/>
-              </a:ext>
-            </a:extLst>
-          </p:cNvPr>
-          <p:cNvPicPr>
-            <a:picLocks noChangeAspect="1" noChangeArrowheads="1"/>
-          </p:cNvPicPr>
-          <p:nvPr/>
-        </p:nvPicPr>
-        <p:blipFill rotWithShape="1">
-          <a:blip r:embed="rId2">
-            <a:extLst>
-              <a:ext uri="{28A0092B-C50C-407E-A947-70E740481C1C}">
-                <a14:useLocalDpi xmlns:a14="http://schemas.microsoft.com/office/drawing/2010/main" val="0"/>
-              </a:ext>
-            </a:extLst>
-          </a:blip>
-          <a:srcRect t="9991" b="53003"/>
-          <a:stretch/>
-        </p:blipFill>
-        <p:spPr bwMode="auto">
-          <a:xfrm>
-            <a:off x="4309109" y="6551564"/>
-            <a:ext cx="3573781" cy="182877"/>
-          </a:xfrm>
-          <a:prstGeom prst="rect">
-            <a:avLst/>
-          </a:prstGeom>
-          <a:noFill/>
-          <a:extLst>
-            <a:ext uri="{909E8E84-426E-40DD-AFC4-6F175D3DCCD1}">
-              <a14:hiddenFill xmlns:a14="http://schemas.microsoft.com/office/drawing/2010/main">
-                <a:solidFill>
-                  <a:srgbClr val="FFFFFF"/>
-                </a:solidFill>
-              </a14:hiddenFill>
-            </a:ext>
-          </a:extLst>
-        </p:spPr>
-      </p:pic>
-      <p:sp>
-        <p:nvSpPr>
-          <p:cNvPr id="10" name="TextBox 9">
-            <a:extLst>
-              <a:ext uri="{FF2B5EF4-FFF2-40B4-BE49-F238E27FC236}">
-                <a16:creationId xmlns:a16="http://schemas.microsoft.com/office/drawing/2014/main" id="{B6060B1D-FCF7-4786-AD1D-0083EF7F4A58}"/>
-              </a:ext>
-            </a:extLst>
-          </p:cNvPr>
-          <p:cNvSpPr txBox="1"/>
-          <p:nvPr/>
-        </p:nvSpPr>
-        <p:spPr>
-          <a:xfrm>
-            <a:off x="76200" y="6504231"/>
-            <a:ext cx="3261360" cy="338554"/>
-          </a:xfrm>
-          <a:prstGeom prst="rect">
-            <a:avLst/>
-          </a:prstGeom>
-          <a:noFill/>
-        </p:spPr>
-        <p:txBody>
-          <a:bodyPr wrap="square" rtlCol="0">
-            <a:spAutoFit/>
-          </a:bodyPr>
-          <a:lstStyle/>
-          <a:p>
-            <a:r>
-              <a:rPr lang="es-MX" sz="1600" b="1" dirty="0">
-                <a:solidFill>
-                  <a:schemeClr val="tx1">
-                    <a:lumMod val="65000"/>
-                    <a:lumOff val="35000"/>
-                  </a:schemeClr>
-                </a:solidFill>
-                <a:latin typeface="Lucida Sans Unicode" panose="020B0602030504020204" pitchFamily="34" charset="0"/>
-                <a:cs typeface="Lucida Sans Unicode" panose="020B0602030504020204" pitchFamily="34" charset="0"/>
-              </a:rPr>
-              <a:t>DATA ANALYTICS BOOTCAMP</a:t>
-            </a:r>
-            <a:endParaRPr lang="en-US" sz="1600" b="1" dirty="0">
-              <a:solidFill>
-                <a:schemeClr val="tx1">
-                  <a:lumMod val="65000"/>
-                  <a:lumOff val="35000"/>
-                </a:schemeClr>
-              </a:solidFill>
-              <a:latin typeface="Lucida Sans Unicode" panose="020B0602030504020204" pitchFamily="34" charset="0"/>
-              <a:cs typeface="Lucida Sans Unicode" panose="020B0602030504020204" pitchFamily="34" charset="0"/>
-            </a:endParaRPr>
-          </a:p>
-        </p:txBody>
-      </p:sp>
-      <p:sp>
-        <p:nvSpPr>
-          <p:cNvPr id="11" name="TextBox 10">
-            <a:extLst>
-              <a:ext uri="{FF2B5EF4-FFF2-40B4-BE49-F238E27FC236}">
-                <a16:creationId xmlns:a16="http://schemas.microsoft.com/office/drawing/2014/main" id="{E0BACE3D-F5DF-40E1-AA57-A47A54937608}"/>
-              </a:ext>
-            </a:extLst>
-          </p:cNvPr>
-          <p:cNvSpPr txBox="1"/>
-          <p:nvPr/>
-        </p:nvSpPr>
-        <p:spPr>
-          <a:xfrm>
-            <a:off x="152400" y="969347"/>
-            <a:ext cx="7254240" cy="3693319"/>
-          </a:xfrm>
-          <a:prstGeom prst="rect">
-            <a:avLst/>
-          </a:prstGeom>
-          <a:noFill/>
-        </p:spPr>
-        <p:txBody>
-          <a:bodyPr wrap="square" rtlCol="0">
-            <a:spAutoFit/>
-          </a:bodyPr>
-          <a:lstStyle/>
-          <a:p>
-            <a:pPr marL="285750" indent="-285750">
+            <a:pPr marL="285750" indent="-285750" algn="just">
               <a:buFont typeface="Arial" panose="020B0604020202020204" pitchFamily="34" charset="0"/>
               <a:buChar char="•"/>
+              <a:tabLst>
+                <a:tab pos="457200" algn="l"/>
+                <a:tab pos="914400" algn="l"/>
+                <a:tab pos="1371600" algn="l"/>
+                <a:tab pos="1828800" algn="l"/>
+                <a:tab pos="2286000" algn="l"/>
+                <a:tab pos="2743200" algn="l"/>
+                <a:tab pos="3200400" algn="l"/>
+                <a:tab pos="3657600" algn="l"/>
+                <a:tab pos="4114800" algn="l"/>
+                <a:tab pos="4572000" algn="l"/>
+                <a:tab pos="5029200" algn="l"/>
+                <a:tab pos="5486400" algn="l"/>
+              </a:tabLst>
             </a:pPr>
+            <a:r>
+              <a:rPr lang="en-US" dirty="0">
+                <a:latin typeface="Helvetica" panose="020B0604020202020204" pitchFamily="34" charset="0"/>
+                <a:ea typeface="Calibri" panose="020F0502020204030204" pitchFamily="34" charset="0"/>
+                <a:cs typeface="Times New Roman" panose="02020603050405020304" pitchFamily="18" charset="0"/>
+              </a:rPr>
+              <a:t>Is there a correlation between Twitter sentiment and immigration stock and/or flows?</a:t>
+            </a:r>
+          </a:p>
+          <a:p>
+            <a:pPr marL="285750" indent="-285750" algn="just">
+              <a:spcAft>
+                <a:spcPts val="0"/>
+              </a:spcAft>
+              <a:buFont typeface="Arial" panose="020B0604020202020204" pitchFamily="34" charset="0"/>
+              <a:buChar char="•"/>
+              <a:tabLst>
+                <a:tab pos="457200" algn="l"/>
+                <a:tab pos="914400" algn="l"/>
+                <a:tab pos="1371600" algn="l"/>
+                <a:tab pos="1828800" algn="l"/>
+                <a:tab pos="2286000" algn="l"/>
+                <a:tab pos="2743200" algn="l"/>
+                <a:tab pos="3200400" algn="l"/>
+                <a:tab pos="3657600" algn="l"/>
+                <a:tab pos="4114800" algn="l"/>
+                <a:tab pos="4572000" algn="l"/>
+                <a:tab pos="5029200" algn="l"/>
+                <a:tab pos="5486400" algn="l"/>
+              </a:tabLst>
+            </a:pPr>
+            <a:r>
+              <a:rPr lang="en-US" dirty="0">
+                <a:latin typeface="Helvetica" panose="020B0604020202020204" pitchFamily="34" charset="0"/>
+                <a:ea typeface="Calibri" panose="020F0502020204030204" pitchFamily="34" charset="0"/>
+                <a:cs typeface="Times New Roman" panose="02020603050405020304" pitchFamily="18" charset="0"/>
+              </a:rPr>
+              <a:t>How other indicators are correlated with immigration?</a:t>
+            </a:r>
+          </a:p>
+          <a:p>
+            <a:pPr marL="285750" indent="-285750" algn="just">
+              <a:tabLst>
+                <a:tab pos="457200" algn="l"/>
+                <a:tab pos="914400" algn="l"/>
+                <a:tab pos="1371600" algn="l"/>
+                <a:tab pos="1828800" algn="l"/>
+                <a:tab pos="2286000" algn="l"/>
+                <a:tab pos="2743200" algn="l"/>
+                <a:tab pos="3200400" algn="l"/>
+                <a:tab pos="3657600" algn="l"/>
+                <a:tab pos="4114800" algn="l"/>
+                <a:tab pos="4572000" algn="l"/>
+                <a:tab pos="5029200" algn="l"/>
+                <a:tab pos="5486400" algn="l"/>
+              </a:tabLst>
+            </a:pPr>
+            <a:r>
+              <a:rPr lang="es-MX" dirty="0">
+                <a:latin typeface="Helvetica" panose="020B0604020202020204" pitchFamily="34" charset="0"/>
+                <a:cs typeface="Helvetica" panose="020B0604020202020204" pitchFamily="34" charset="0"/>
+              </a:rPr>
+              <a:t>Are sanctuary </a:t>
+            </a:r>
             <a:r>
               <a:rPr lang="es-MX" dirty="0" err="1">
                 <a:latin typeface="Helvetica" panose="020B0604020202020204" pitchFamily="34" charset="0"/>
                 <a:cs typeface="Helvetica" panose="020B0604020202020204" pitchFamily="34" charset="0"/>
               </a:rPr>
-              <a:t>Overview</a:t>
-            </a:r>
-            <a:endParaRPr lang="es-MX" dirty="0">
-              <a:latin typeface="Helvetica" panose="020B0604020202020204" pitchFamily="34" charset="0"/>
-              <a:cs typeface="Helvetica" panose="020B0604020202020204" pitchFamily="34" charset="0"/>
-            </a:endParaRPr>
-          </a:p>
-          <a:p>
-            <a:pPr marL="742950" lvl="1" indent="-285750">
-              <a:buFont typeface="Arial" panose="020B0604020202020204" pitchFamily="34" charset="0"/>
-              <a:buChar char="•"/>
-            </a:pPr>
+              <a:t>cities</a:t>
+            </a:r>
+            <a:r>
+              <a:rPr lang="es-MX" dirty="0">
+                <a:latin typeface="Helvetica" panose="020B0604020202020204" pitchFamily="34" charset="0"/>
+                <a:cs typeface="Helvetica" panose="020B0604020202020204" pitchFamily="34" charset="0"/>
+              </a:rPr>
+              <a:t> </a:t>
+            </a:r>
             <a:r>
               <a:rPr lang="es-MX" dirty="0" err="1">
                 <a:latin typeface="Helvetica" panose="020B0604020202020204" pitchFamily="34" charset="0"/>
                 <a:cs typeface="Helvetica" panose="020B0604020202020204" pitchFamily="34" charset="0"/>
               </a:rPr>
-              <a:t>Questions</a:t>
+              <a:t>safer</a:t>
             </a:r>
             <a:r>
               <a:rPr lang="es-MX" dirty="0">
                 <a:latin typeface="Helvetica" panose="020B0604020202020204" pitchFamily="34" charset="0"/>
                 <a:cs typeface="Helvetica" panose="020B0604020202020204" pitchFamily="34" charset="0"/>
               </a:rPr>
-              <a:t> </a:t>
+              <a:t> in </a:t>
             </a:r>
             <a:r>
               <a:rPr lang="es-MX" dirty="0" err="1">
                 <a:latin typeface="Helvetica" panose="020B0604020202020204" pitchFamily="34" charset="0"/>
                 <a:cs typeface="Helvetica" panose="020B0604020202020204" pitchFamily="34" charset="0"/>
               </a:rPr>
-              <a:t>to</a:t>
+              <a:t>terms</a:t>
             </a:r>
             <a:r>
               <a:rPr lang="es-MX" dirty="0">
                 <a:latin typeface="Helvetica" panose="020B0604020202020204" pitchFamily="34" charset="0"/>
                 <a:cs typeface="Helvetica" panose="020B0604020202020204" pitchFamily="34" charset="0"/>
               </a:rPr>
-              <a:t> be </a:t>
+              <a:t> </a:t>
             </a:r>
             <a:r>
               <a:rPr lang="es-MX" dirty="0" err="1">
                 <a:latin typeface="Helvetica" panose="020B0604020202020204" pitchFamily="34" charset="0"/>
                 <a:cs typeface="Helvetica" panose="020B0604020202020204" pitchFamily="34" charset="0"/>
               </a:rPr>
-              <a:t>asked</a:t>
-            </a:r>
-            <a:endParaRPr lang="es-MX" dirty="0">
-              <a:latin typeface="Helvetica" panose="020B0604020202020204" pitchFamily="34" charset="0"/>
-              <a:cs typeface="Helvetica" panose="020B0604020202020204" pitchFamily="34" charset="0"/>
-            </a:endParaRPr>
-          </a:p>
-          <a:p>
-            <a:pPr marL="285750" indent="-285750">
-              <a:buFont typeface="Arial" panose="020B0604020202020204" pitchFamily="34" charset="0"/>
-              <a:buChar char="•"/>
-            </a:pPr>
+              <a:t>of</a:t>
+            </a:r>
             <a:r>
               <a:rPr lang="es-MX" dirty="0">
                 <a:latin typeface="Helvetica" panose="020B0604020202020204" pitchFamily="34" charset="0"/>
                 <a:cs typeface="Helvetica" panose="020B0604020202020204" pitchFamily="34" charset="0"/>
               </a:rPr>
-              <a:t>Data </a:t>
+              <a:t> </a:t>
             </a:r>
             <a:r>
               <a:rPr lang="es-MX" dirty="0" err="1">
                 <a:latin typeface="Helvetica" panose="020B0604020202020204" pitchFamily="34" charset="0"/>
                 <a:cs typeface="Helvetica" panose="020B0604020202020204" pitchFamily="34" charset="0"/>
               </a:rPr>
-              <a:t>Sources</a:t>
-            </a:r>
-            <a:endParaRPr lang="es-MX" dirty="0">
-              <a:latin typeface="Helvetica" panose="020B0604020202020204" pitchFamily="34" charset="0"/>
-              <a:cs typeface="Helvetica" panose="020B0604020202020204" pitchFamily="34" charset="0"/>
-            </a:endParaRPr>
-          </a:p>
-          <a:p>
-            <a:pPr marL="742950" lvl="1" indent="-285750">
-              <a:buFont typeface="Arial" panose="020B0604020202020204" pitchFamily="34" charset="0"/>
-              <a:buChar char="•"/>
-            </a:pPr>
+              <a:t>hate</a:t>
+            </a:r>
+            <a:r>
+              <a:rPr lang="es-MX" dirty="0">
+                <a:latin typeface="Helvetica" panose="020B0604020202020204" pitchFamily="34" charset="0"/>
+                <a:cs typeface="Helvetica" panose="020B0604020202020204" pitchFamily="34" charset="0"/>
+              </a:rPr>
+              <a:t> crime </a:t>
+            </a:r>
             <a:r>
               <a:rPr lang="es-MX" dirty="0" err="1">
                 <a:latin typeface="Helvetica" panose="020B0604020202020204" pitchFamily="34" charset="0"/>
                 <a:cs typeface="Helvetica" panose="020B0604020202020204" pitchFamily="34" charset="0"/>
               </a:rPr>
-              <a:t>APIs</a:t>
-            </a:r>
-            <a:endParaRPr lang="es-MX" dirty="0">
-              <a:latin typeface="Helvetica" panose="020B0604020202020204" pitchFamily="34" charset="0"/>
-              <a:cs typeface="Helvetica" panose="020B0604020202020204" pitchFamily="34" charset="0"/>
-            </a:endParaRPr>
-          </a:p>
-          <a:p>
-            <a:pPr marL="742950" lvl="1" indent="-285750">
-              <a:buFont typeface="Arial" panose="020B0604020202020204" pitchFamily="34" charset="0"/>
-              <a:buChar char="•"/>
-            </a:pPr>
+              <a:t>than</a:t>
+            </a:r>
             <a:r>
               <a:rPr lang="es-MX" dirty="0">
                 <a:latin typeface="Helvetica" panose="020B0604020202020204" pitchFamily="34" charset="0"/>
                 <a:cs typeface="Helvetica" panose="020B0604020202020204" pitchFamily="34" charset="0"/>
               </a:rPr>
-              <a:t>CSV files</a:t>
-            </a:r>
-          </a:p>
-          <a:p>
-            <a:pPr marL="285750" indent="-285750">
-              <a:buFont typeface="Arial" panose="020B0604020202020204" pitchFamily="34" charset="0"/>
-              <a:buChar char="•"/>
-            </a:pPr>
+              <a:t> </a:t>
+            </a:r>
+            <a:r>
+              <a:rPr lang="es-MX" dirty="0" err="1">
+                <a:latin typeface="Helvetica" panose="020B0604020202020204" pitchFamily="34" charset="0"/>
+                <a:cs typeface="Helvetica" panose="020B0604020202020204" pitchFamily="34" charset="0"/>
+              </a:rPr>
+              <a:t>other</a:t>
+            </a:r>
             <a:r>
               <a:rPr lang="es-MX" dirty="0">
                 <a:latin typeface="Helvetica" panose="020B0604020202020204" pitchFamily="34" charset="0"/>
                 <a:cs typeface="Helvetica" panose="020B0604020202020204" pitchFamily="34" charset="0"/>
               </a:rPr>
-              <a:t>S</a:t>
-            </a:r>
-            <a:r>
-              <a:rPr lang="en-US" dirty="0" err="1">
+              <a:t> </a:t>
+            </a:r>
+            <a:r>
+              <a:rPr lang="es-MX" dirty="0" err="1">
                 <a:latin typeface="Helvetica" panose="020B0604020202020204" pitchFamily="34" charset="0"/>
                 <a:cs typeface="Helvetica" panose="020B0604020202020204" pitchFamily="34" charset="0"/>
               </a:rPr>
-              <a:t>trategy</a:t>
-            </a:r>
-            <a:endParaRPr lang="en-US" dirty="0">
-              <a:latin typeface="Helvetica" panose="020B0604020202020204" pitchFamily="34" charset="0"/>
-              <a:cs typeface="Helvetica" panose="020B0604020202020204" pitchFamily="34" charset="0"/>
-            </a:endParaRPr>
-          </a:p>
-          <a:p>
-            <a:pPr marL="285750" indent="-285750">
-              <a:buFont typeface="Arial" panose="020B0604020202020204" pitchFamily="34" charset="0"/>
-              <a:buChar char="•"/>
-            </a:pPr>
+              <a:t>cities</a:t>
+            </a:r>
             <a:r>
               <a:rPr lang="es-MX" dirty="0">
                 <a:latin typeface="Helvetica" panose="020B0604020202020204" pitchFamily="34" charset="0"/>
                 <a:cs typeface="Helvetica" panose="020B0604020202020204" pitchFamily="34" charset="0"/>
               </a:rPr>
-              <a:t>A</a:t>
-            </a:r>
-            <a:r>
-              <a:rPr lang="en-US" dirty="0" err="1">
-                <a:latin typeface="Helvetica" panose="020B0604020202020204" pitchFamily="34" charset="0"/>
-                <a:cs typeface="Helvetica" panose="020B0604020202020204" pitchFamily="34" charset="0"/>
-              </a:rPr>
-              <a:t>nalysis</a:t>
-            </a:r>
+              <a:t>?</a:t>
+            </a:r>
+          </a:p>
+          <a:p>
+            <a:pPr marL="285750" indent="-285750" algn="just">
+              <a:spcAft>
+                <a:spcPts val="0"/>
+              </a:spcAft>
+              <a:buFont typeface="Arial" panose="020B0604020202020204" pitchFamily="34" charset="0"/>
+              <a:buChar char="•"/>
+              <a:tabLst>
+                <a:tab pos="457200" algn="l"/>
+                <a:tab pos="914400" algn="l"/>
+                <a:tab pos="1371600" algn="l"/>
+                <a:tab pos="1828800" algn="l"/>
+                <a:tab pos="2286000" algn="l"/>
+                <a:tab pos="2743200" algn="l"/>
+                <a:tab pos="3200400" algn="l"/>
+                <a:tab pos="3657600" algn="l"/>
+                <a:tab pos="4114800" algn="l"/>
+                <a:tab pos="4572000" algn="l"/>
+                <a:tab pos="5029200" algn="l"/>
+                <a:tab pos="5486400" algn="l"/>
+              </a:tabLst>
+            </a:pPr>
             <a:endParaRPr lang="en-US" dirty="0">
               <a:latin typeface="Helvetica" panose="020B0604020202020204" pitchFamily="34" charset="0"/>
-              <a:cs typeface="Helvetica" panose="020B0604020202020204" pitchFamily="34" charset="0"/>
+              <a:ea typeface="Calibri" panose="020F0502020204030204" pitchFamily="34" charset="0"/>
+              <a:cs typeface="Times New Roman" panose="02020603050405020304" pitchFamily="18" charset="0"/>
             </a:endParaRPr>
-          </a:p>
-          <a:p>
-            <a:pPr marL="285750" indent="-285750">
-              <a:buFont typeface="Arial" panose="020B0604020202020204" pitchFamily="34" charset="0"/>
-              <a:buChar char="•"/>
-            </a:pPr>
-            <a:r>
-              <a:rPr lang="es-MX" dirty="0">
-                <a:latin typeface="Helvetica" panose="020B0604020202020204" pitchFamily="34" charset="0"/>
-                <a:cs typeface="Helvetica" panose="020B0604020202020204" pitchFamily="34" charset="0"/>
-              </a:rPr>
-              <a:t>C</a:t>
-            </a:r>
-            <a:r>
-              <a:rPr lang="en-US" dirty="0" err="1">
-                <a:latin typeface="Helvetica" panose="020B0604020202020204" pitchFamily="34" charset="0"/>
-                <a:cs typeface="Helvetica" panose="020B0604020202020204" pitchFamily="34" charset="0"/>
-              </a:rPr>
-              <a:t>onclusions</a:t>
-            </a:r>
-            <a:endParaRPr lang="en-US" dirty="0">
-              <a:latin typeface="Helvetica" panose="020B0604020202020204" pitchFamily="34" charset="0"/>
-              <a:cs typeface="Helvetica" panose="020B0604020202020204" pitchFamily="34" charset="0"/>
-            </a:endParaRPr>
-          </a:p>
-          <a:p>
-            <a:pPr marL="742950" lvl="1" indent="-285750">
-              <a:buFont typeface="Arial" panose="020B0604020202020204" pitchFamily="34" charset="0"/>
-              <a:buChar char="•"/>
-            </a:pPr>
-            <a:r>
-              <a:rPr lang="es-MX" dirty="0">
-                <a:latin typeface="Helvetica" panose="020B0604020202020204" pitchFamily="34" charset="0"/>
-                <a:cs typeface="Helvetica" panose="020B0604020202020204" pitchFamily="34" charset="0"/>
-              </a:rPr>
-              <a:t>Q1</a:t>
-            </a:r>
-          </a:p>
-          <a:p>
-            <a:pPr marL="742950" lvl="1" indent="-285750">
-              <a:buFont typeface="Arial" panose="020B0604020202020204" pitchFamily="34" charset="0"/>
-              <a:buChar char="•"/>
-            </a:pPr>
-            <a:r>
-              <a:rPr lang="es-MX" dirty="0">
-                <a:latin typeface="Helvetica" panose="020B0604020202020204" pitchFamily="34" charset="0"/>
-                <a:cs typeface="Helvetica" panose="020B0604020202020204" pitchFamily="34" charset="0"/>
-              </a:rPr>
-              <a:t>Q2</a:t>
-            </a:r>
-          </a:p>
-          <a:p>
-            <a:pPr marL="742950" lvl="1" indent="-285750">
-              <a:buFont typeface="Arial" panose="020B0604020202020204" pitchFamily="34" charset="0"/>
-              <a:buChar char="•"/>
-            </a:pPr>
-            <a:r>
-              <a:rPr lang="es-MX" dirty="0">
-                <a:latin typeface="Helvetica" panose="020B0604020202020204" pitchFamily="34" charset="0"/>
-                <a:cs typeface="Helvetica" panose="020B0604020202020204" pitchFamily="34" charset="0"/>
-              </a:rPr>
-              <a:t>Q3</a:t>
-            </a:r>
-          </a:p>
-          <a:p>
-            <a:pPr marL="742950" lvl="1" indent="-285750">
-              <a:buFont typeface="Arial" panose="020B0604020202020204" pitchFamily="34" charset="0"/>
-              <a:buChar char="•"/>
-            </a:pPr>
-            <a:r>
-              <a:rPr lang="es-MX" dirty="0">
-                <a:latin typeface="Helvetica" panose="020B0604020202020204" pitchFamily="34" charset="0"/>
-                <a:cs typeface="Helvetica" panose="020B0604020202020204" pitchFamily="34" charset="0"/>
-              </a:rPr>
-              <a:t>Q4</a:t>
-            </a:r>
-          </a:p>
-          <a:p>
-            <a:pPr lvl="1"/>
-            <a:endParaRPr lang="es-MX" dirty="0"/>
           </a:p>
         </p:txBody>
       </p:sp>
       <p:pic>
         <p:nvPicPr>
-          <p:cNvPr id="12" name="Picture 11">
-            <a:extLst>
-              <a:ext uri="{FF2B5EF4-FFF2-40B4-BE49-F238E27FC236}">
-                <a16:creationId xmlns:a16="http://schemas.microsoft.com/office/drawing/2014/main" id="{43682E51-96C7-4A71-AB63-7FDAB540599B}"/>
+          <p:cNvPr id="5" name="Picture 4">
+            <a:extLst>
+              <a:ext uri="{FF2B5EF4-FFF2-40B4-BE49-F238E27FC236}">
+                <a16:creationId xmlns:a16="http://schemas.microsoft.com/office/drawing/2014/main" id="{51B52CE3-15A2-4A2B-BF1A-73F7B7C3BBEA}"/>
               </a:ext>
             </a:extLst>
           </p:cNvPr>
@@ -4625,13 +5058,13 @@
           <p:nvPr/>
         </p:nvPicPr>
         <p:blipFill rotWithShape="1">
-          <a:blip r:embed="rId3"/>
+          <a:blip r:embed="rId2"/>
           <a:srcRect t="4803" r="5315" b="10979"/>
           <a:stretch/>
         </p:blipFill>
         <p:spPr>
           <a:xfrm>
-            <a:off x="8328660" y="79772"/>
+            <a:off x="8129878" y="583355"/>
             <a:ext cx="3665220" cy="645486"/>
           </a:xfrm>
           <a:prstGeom prst="rect">
@@ -4642,7 +5075,7 @@
     </p:spTree>
     <p:extLst>
       <p:ext uri="{BB962C8B-B14F-4D97-AF65-F5344CB8AC3E}">
-        <p14:creationId xmlns:p14="http://schemas.microsoft.com/office/powerpoint/2010/main" val="102975661"/>
+        <p14:creationId xmlns:p14="http://schemas.microsoft.com/office/powerpoint/2010/main" val="565724859"/>
       </p:ext>
     </p:extLst>
   </p:cSld>
@@ -4671,57 +5104,421 @@
       </p:grpSpPr>
       <p:sp>
         <p:nvSpPr>
-          <p:cNvPr id="2" name="Title 1">
-            <a:extLst>
-              <a:ext uri="{FF2B5EF4-FFF2-40B4-BE49-F238E27FC236}">
-                <a16:creationId xmlns:a16="http://schemas.microsoft.com/office/drawing/2014/main" id="{5A16968E-4327-4CF1-9206-B1DFDD9B2D1E}"/>
-              </a:ext>
-            </a:extLst>
-          </p:cNvPr>
-          <p:cNvSpPr>
-            <a:spLocks noGrp="1"/>
-          </p:cNvSpPr>
-          <p:nvPr>
-            <p:ph type="title"/>
-          </p:nvPr>
-        </p:nvSpPr>
-        <p:spPr/>
-        <p:txBody>
-          <a:bodyPr>
-            <a:normAutofit/>
+          <p:cNvPr id="4" name="TextBox 3">
+            <a:extLst>
+              <a:ext uri="{FF2B5EF4-FFF2-40B4-BE49-F238E27FC236}">
+                <a16:creationId xmlns:a16="http://schemas.microsoft.com/office/drawing/2014/main" id="{535CC590-B45E-410C-ADCE-90561367C81F}"/>
+              </a:ext>
+            </a:extLst>
+          </p:cNvPr>
+          <p:cNvSpPr txBox="1"/>
+          <p:nvPr/>
+        </p:nvSpPr>
+        <p:spPr>
+          <a:xfrm>
+            <a:off x="152400" y="15240"/>
+            <a:ext cx="8930640" cy="707886"/>
+          </a:xfrm>
+          <a:prstGeom prst="rect">
+            <a:avLst/>
+          </a:prstGeom>
+          <a:noFill/>
+        </p:spPr>
+        <p:txBody>
+          <a:bodyPr wrap="square" rtlCol="0">
+            <a:spAutoFit/>
           </a:bodyPr>
           <a:lstStyle/>
           <a:p>
             <a:pPr algn="ctr"/>
             <a:r>
-              <a:rPr lang="en-US" sz="4000" b="1" u="sng" dirty="0">
-                <a:latin typeface="Verdana Pro" panose="020B0604020202020204" pitchFamily="34" charset="0"/>
-              </a:rPr>
-              <a:t>Questions</a:t>
-            </a:r>
-          </a:p>
-        </p:txBody>
-      </p:sp>
-      <p:sp>
-        <p:nvSpPr>
-          <p:cNvPr id="4" name="Content Placeholder 3">
-            <a:extLst>
-              <a:ext uri="{FF2B5EF4-FFF2-40B4-BE49-F238E27FC236}">
-                <a16:creationId xmlns:a16="http://schemas.microsoft.com/office/drawing/2014/main" id="{09875D7D-1BD3-4EA6-9B7C-30BFC26D57C9}"/>
-              </a:ext>
-            </a:extLst>
-          </p:cNvPr>
-          <p:cNvSpPr>
-            <a:spLocks noGrp="1"/>
-          </p:cNvSpPr>
-          <p:nvPr>
-            <p:ph idx="1"/>
-          </p:nvPr>
-        </p:nvSpPr>
-        <p:spPr>
-          <a:xfrm>
-            <a:off x="838200" y="1825625"/>
-            <a:ext cx="10515600" cy="1383969"/>
+              <a:rPr lang="es-MX" sz="4000" b="1" dirty="0" err="1">
+                <a:latin typeface="Verdana Pro" panose="020B0604020202020204" pitchFamily="34" charset="0"/>
+              </a:rPr>
+              <a:t>Approach</a:t>
+            </a:r>
+            <a:endParaRPr lang="en-US" sz="4000" b="1" dirty="0">
+              <a:latin typeface="Verdana Pro" panose="020B0604020202020204" pitchFamily="34" charset="0"/>
+            </a:endParaRPr>
+          </a:p>
+        </p:txBody>
+      </p:sp>
+      <p:cxnSp>
+        <p:nvCxnSpPr>
+          <p:cNvPr id="6" name="Straight Connector 5">
+            <a:extLst>
+              <a:ext uri="{FF2B5EF4-FFF2-40B4-BE49-F238E27FC236}">
+                <a16:creationId xmlns:a16="http://schemas.microsoft.com/office/drawing/2014/main" id="{4D74FA8F-BA75-4BD5-BD92-D1D894D4438A}"/>
+              </a:ext>
+            </a:extLst>
+          </p:cNvPr>
+          <p:cNvCxnSpPr/>
+          <p:nvPr/>
+        </p:nvCxnSpPr>
+        <p:spPr>
+          <a:xfrm>
+            <a:off x="152400" y="723126"/>
+            <a:ext cx="11841480" cy="0"/>
+          </a:xfrm>
+          <a:prstGeom prst="line">
+            <a:avLst/>
+          </a:prstGeom>
+        </p:spPr>
+        <p:style>
+          <a:lnRef idx="1">
+            <a:schemeClr val="dk1"/>
+          </a:lnRef>
+          <a:fillRef idx="0">
+            <a:schemeClr val="dk1"/>
+          </a:fillRef>
+          <a:effectRef idx="0">
+            <a:schemeClr val="dk1"/>
+          </a:effectRef>
+          <a:fontRef idx="minor">
+            <a:schemeClr val="tx1"/>
+          </a:fontRef>
+        </p:style>
+      </p:cxnSp>
+      <p:cxnSp>
+        <p:nvCxnSpPr>
+          <p:cNvPr id="8" name="Straight Connector 7">
+            <a:extLst>
+              <a:ext uri="{FF2B5EF4-FFF2-40B4-BE49-F238E27FC236}">
+                <a16:creationId xmlns:a16="http://schemas.microsoft.com/office/drawing/2014/main" id="{D9B39E99-0735-4B3C-B877-7FC28CEFEBEA}"/>
+              </a:ext>
+            </a:extLst>
+          </p:cNvPr>
+          <p:cNvCxnSpPr/>
+          <p:nvPr/>
+        </p:nvCxnSpPr>
+        <p:spPr>
+          <a:xfrm>
+            <a:off x="152400" y="6470452"/>
+            <a:ext cx="11841480" cy="0"/>
+          </a:xfrm>
+          <a:prstGeom prst="line">
+            <a:avLst/>
+          </a:prstGeom>
+        </p:spPr>
+        <p:style>
+          <a:lnRef idx="1">
+            <a:schemeClr val="dk1"/>
+          </a:lnRef>
+          <a:fillRef idx="0">
+            <a:schemeClr val="dk1"/>
+          </a:fillRef>
+          <a:effectRef idx="0">
+            <a:schemeClr val="dk1"/>
+          </a:effectRef>
+          <a:fontRef idx="minor">
+            <a:schemeClr val="tx1"/>
+          </a:fontRef>
+        </p:style>
+      </p:cxnSp>
+      <p:pic>
+        <p:nvPicPr>
+          <p:cNvPr id="2050" name="Picture 2" descr="Image result for GWU BANNER">
+            <a:extLst>
+              <a:ext uri="{FF2B5EF4-FFF2-40B4-BE49-F238E27FC236}">
+                <a16:creationId xmlns:a16="http://schemas.microsoft.com/office/drawing/2014/main" id="{8760C191-C9D8-4332-B072-B1456B2A29BA}"/>
+              </a:ext>
+            </a:extLst>
+          </p:cNvPr>
+          <p:cNvPicPr>
+            <a:picLocks noChangeAspect="1" noChangeArrowheads="1"/>
+          </p:cNvPicPr>
+          <p:nvPr/>
+        </p:nvPicPr>
+        <p:blipFill rotWithShape="1">
+          <a:blip r:embed="rId2">
+            <a:extLst>
+              <a:ext uri="{28A0092B-C50C-407E-A947-70E740481C1C}">
+                <a14:useLocalDpi xmlns:a14="http://schemas.microsoft.com/office/drawing/2010/main" val="0"/>
+              </a:ext>
+            </a:extLst>
+          </a:blip>
+          <a:srcRect t="9991" b="53003"/>
+          <a:stretch/>
+        </p:blipFill>
+        <p:spPr bwMode="auto">
+          <a:xfrm>
+            <a:off x="4309109" y="6551564"/>
+            <a:ext cx="3573781" cy="182877"/>
+          </a:xfrm>
+          <a:prstGeom prst="rect">
+            <a:avLst/>
+          </a:prstGeom>
+          <a:noFill/>
+          <a:extLst>
+            <a:ext uri="{909E8E84-426E-40DD-AFC4-6F175D3DCCD1}">
+              <a14:hiddenFill xmlns:a14="http://schemas.microsoft.com/office/drawing/2010/main">
+                <a:solidFill>
+                  <a:srgbClr val="FFFFFF"/>
+                </a:solidFill>
+              </a14:hiddenFill>
+            </a:ext>
+          </a:extLst>
+        </p:spPr>
+      </p:pic>
+      <p:sp>
+        <p:nvSpPr>
+          <p:cNvPr id="10" name="TextBox 9">
+            <a:extLst>
+              <a:ext uri="{FF2B5EF4-FFF2-40B4-BE49-F238E27FC236}">
+                <a16:creationId xmlns:a16="http://schemas.microsoft.com/office/drawing/2014/main" id="{B6060B1D-FCF7-4786-AD1D-0083EF7F4A58}"/>
+              </a:ext>
+            </a:extLst>
+          </p:cNvPr>
+          <p:cNvSpPr txBox="1"/>
+          <p:nvPr/>
+        </p:nvSpPr>
+        <p:spPr>
+          <a:xfrm>
+            <a:off x="76200" y="6504231"/>
+            <a:ext cx="3261360" cy="338554"/>
+          </a:xfrm>
+          <a:prstGeom prst="rect">
+            <a:avLst/>
+          </a:prstGeom>
+          <a:noFill/>
+        </p:spPr>
+        <p:txBody>
+          <a:bodyPr wrap="square" rtlCol="0">
+            <a:spAutoFit/>
+          </a:bodyPr>
+          <a:lstStyle/>
+          <a:p>
+            <a:r>
+              <a:rPr lang="es-MX" sz="1600" b="1" dirty="0">
+                <a:solidFill>
+                  <a:schemeClr val="tx1">
+                    <a:lumMod val="65000"/>
+                    <a:lumOff val="35000"/>
+                  </a:schemeClr>
+                </a:solidFill>
+                <a:latin typeface="Lucida Sans Unicode" panose="020B0602030504020204" pitchFamily="34" charset="0"/>
+                <a:cs typeface="Lucida Sans Unicode" panose="020B0602030504020204" pitchFamily="34" charset="0"/>
+              </a:rPr>
+              <a:t>DATA ANALYTICS BOOTCAMP</a:t>
+            </a:r>
+            <a:endParaRPr lang="en-US" sz="1600" b="1" dirty="0">
+              <a:solidFill>
+                <a:schemeClr val="tx1">
+                  <a:lumMod val="65000"/>
+                  <a:lumOff val="35000"/>
+                </a:schemeClr>
+              </a:solidFill>
+              <a:latin typeface="Lucida Sans Unicode" panose="020B0602030504020204" pitchFamily="34" charset="0"/>
+              <a:cs typeface="Lucida Sans Unicode" panose="020B0602030504020204" pitchFamily="34" charset="0"/>
+            </a:endParaRPr>
+          </a:p>
+        </p:txBody>
+      </p:sp>
+      <p:pic>
+        <p:nvPicPr>
+          <p:cNvPr id="13" name="Picture 12">
+            <a:extLst>
+              <a:ext uri="{FF2B5EF4-FFF2-40B4-BE49-F238E27FC236}">
+                <a16:creationId xmlns:a16="http://schemas.microsoft.com/office/drawing/2014/main" id="{B127C827-DB30-4E8A-8DC2-7F64D0DDAE1D}"/>
+              </a:ext>
+            </a:extLst>
+          </p:cNvPr>
+          <p:cNvPicPr>
+            <a:picLocks noChangeAspect="1"/>
+          </p:cNvPicPr>
+          <p:nvPr/>
+        </p:nvPicPr>
+        <p:blipFill rotWithShape="1">
+          <a:blip r:embed="rId3"/>
+          <a:srcRect t="4803" r="5315" b="10979"/>
+          <a:stretch/>
+        </p:blipFill>
+        <p:spPr>
+          <a:xfrm>
+            <a:off x="8328660" y="79772"/>
+            <a:ext cx="3665220" cy="645486"/>
+          </a:xfrm>
+          <a:prstGeom prst="rect">
+            <a:avLst/>
+          </a:prstGeom>
+        </p:spPr>
+      </p:pic>
+      <p:sp>
+        <p:nvSpPr>
+          <p:cNvPr id="14" name="TextBox 13">
+            <a:extLst>
+              <a:ext uri="{FF2B5EF4-FFF2-40B4-BE49-F238E27FC236}">
+                <a16:creationId xmlns:a16="http://schemas.microsoft.com/office/drawing/2014/main" id="{EAE5C7E1-30A1-4DD2-B898-B55976811C73}"/>
+              </a:ext>
+            </a:extLst>
+          </p:cNvPr>
+          <p:cNvSpPr txBox="1"/>
+          <p:nvPr/>
+        </p:nvSpPr>
+        <p:spPr>
+          <a:xfrm>
+            <a:off x="8039100" y="6470451"/>
+            <a:ext cx="4191000" cy="307777"/>
+          </a:xfrm>
+          <a:prstGeom prst="rect">
+            <a:avLst/>
+          </a:prstGeom>
+          <a:noFill/>
+        </p:spPr>
+        <p:txBody>
+          <a:bodyPr wrap="square" rtlCol="0">
+            <a:spAutoFit/>
+          </a:bodyPr>
+          <a:lstStyle/>
+          <a:p>
+            <a:r>
+              <a:rPr lang="es-MX" sz="1400" b="1" dirty="0" err="1">
+                <a:solidFill>
+                  <a:schemeClr val="tx1">
+                    <a:lumMod val="65000"/>
+                    <a:lumOff val="35000"/>
+                  </a:schemeClr>
+                </a:solidFill>
+                <a:latin typeface="Verdana Pro" panose="020B0604020202020204" pitchFamily="34" charset="0"/>
+              </a:rPr>
+              <a:t>How</a:t>
+            </a:r>
+            <a:r>
+              <a:rPr lang="es-MX" sz="1400" b="1" dirty="0">
+                <a:solidFill>
+                  <a:schemeClr val="tx1">
+                    <a:lumMod val="65000"/>
+                    <a:lumOff val="35000"/>
+                  </a:schemeClr>
+                </a:solidFill>
+                <a:latin typeface="Verdana Pro" panose="020B0604020202020204" pitchFamily="34" charset="0"/>
+              </a:rPr>
+              <a:t> </a:t>
+            </a:r>
+            <a:r>
+              <a:rPr lang="es-MX" sz="1400" b="1" dirty="0" err="1">
+                <a:solidFill>
+                  <a:schemeClr val="tx1">
+                    <a:lumMod val="65000"/>
+                    <a:lumOff val="35000"/>
+                  </a:schemeClr>
+                </a:solidFill>
+                <a:latin typeface="Verdana Pro" panose="020B0604020202020204" pitchFamily="34" charset="0"/>
+              </a:rPr>
+              <a:t>America</a:t>
+            </a:r>
+            <a:r>
+              <a:rPr lang="es-MX" sz="1400" b="1" dirty="0">
+                <a:solidFill>
+                  <a:schemeClr val="tx1">
+                    <a:lumMod val="65000"/>
+                    <a:lumOff val="35000"/>
+                  </a:schemeClr>
+                </a:solidFill>
+                <a:latin typeface="Verdana Pro" panose="020B0604020202020204" pitchFamily="34" charset="0"/>
+              </a:rPr>
+              <a:t> </a:t>
+            </a:r>
+            <a:r>
+              <a:rPr lang="es-MX" sz="1400" b="1" dirty="0" err="1">
+                <a:solidFill>
+                  <a:schemeClr val="tx1">
+                    <a:lumMod val="65000"/>
+                    <a:lumOff val="35000"/>
+                  </a:schemeClr>
+                </a:solidFill>
+                <a:latin typeface="Verdana Pro" panose="020B0604020202020204" pitchFamily="34" charset="0"/>
+              </a:rPr>
+              <a:t>feels</a:t>
+            </a:r>
+            <a:r>
+              <a:rPr lang="es-MX" sz="1400" b="1" dirty="0">
+                <a:solidFill>
+                  <a:schemeClr val="tx1">
+                    <a:lumMod val="65000"/>
+                    <a:lumOff val="35000"/>
+                  </a:schemeClr>
+                </a:solidFill>
+                <a:latin typeface="Verdana Pro" panose="020B0604020202020204" pitchFamily="34" charset="0"/>
+              </a:rPr>
+              <a:t> </a:t>
+            </a:r>
+            <a:r>
+              <a:rPr lang="es-MX" sz="1400" b="1" dirty="0" err="1">
+                <a:solidFill>
+                  <a:schemeClr val="tx1">
+                    <a:lumMod val="65000"/>
+                    <a:lumOff val="35000"/>
+                  </a:schemeClr>
+                </a:solidFill>
+                <a:latin typeface="Verdana Pro" panose="020B0604020202020204" pitchFamily="34" charset="0"/>
+              </a:rPr>
+              <a:t>about</a:t>
+            </a:r>
+            <a:r>
+              <a:rPr lang="es-MX" sz="1400" b="1" dirty="0">
+                <a:solidFill>
+                  <a:schemeClr val="tx1">
+                    <a:lumMod val="65000"/>
+                    <a:lumOff val="35000"/>
+                  </a:schemeClr>
+                </a:solidFill>
+                <a:latin typeface="Verdana Pro" panose="020B0604020202020204" pitchFamily="34" charset="0"/>
+              </a:rPr>
+              <a:t> </a:t>
+            </a:r>
+            <a:r>
+              <a:rPr lang="es-MX" sz="1400" b="1" dirty="0" err="1">
+                <a:solidFill>
+                  <a:schemeClr val="tx1">
+                    <a:lumMod val="65000"/>
+                    <a:lumOff val="35000"/>
+                  </a:schemeClr>
+                </a:solidFill>
+                <a:latin typeface="Verdana Pro" panose="020B0604020202020204" pitchFamily="34" charset="0"/>
+              </a:rPr>
+              <a:t>immigration</a:t>
+            </a:r>
+            <a:r>
+              <a:rPr lang="es-MX" sz="1400" b="1" dirty="0">
+                <a:solidFill>
+                  <a:schemeClr val="tx1">
+                    <a:lumMod val="65000"/>
+                    <a:lumOff val="35000"/>
+                  </a:schemeClr>
+                </a:solidFill>
+                <a:latin typeface="Verdana Pro" panose="020B0604020202020204" pitchFamily="34" charset="0"/>
+              </a:rPr>
+              <a:t>?</a:t>
+            </a:r>
+            <a:endParaRPr lang="en-US" sz="1400" b="1" dirty="0">
+              <a:solidFill>
+                <a:schemeClr val="tx1">
+                  <a:lumMod val="65000"/>
+                  <a:lumOff val="35000"/>
+                </a:schemeClr>
+              </a:solidFill>
+              <a:latin typeface="Verdana Pro" panose="020B0604020202020204" pitchFamily="34" charset="0"/>
+            </a:endParaRPr>
+          </a:p>
+        </p:txBody>
+      </p:sp>
+      <p:sp>
+        <p:nvSpPr>
+          <p:cNvPr id="15" name="Rectangle 14">
+            <a:extLst>
+              <a:ext uri="{FF2B5EF4-FFF2-40B4-BE49-F238E27FC236}">
+                <a16:creationId xmlns:a16="http://schemas.microsoft.com/office/drawing/2014/main" id="{68D7E390-C348-4C85-82C0-A205A20796E9}"/>
+              </a:ext>
+            </a:extLst>
+          </p:cNvPr>
+          <p:cNvSpPr/>
+          <p:nvPr/>
+        </p:nvSpPr>
+        <p:spPr>
+          <a:xfrm>
+            <a:off x="243839" y="2421689"/>
+            <a:ext cx="11704320" cy="3046988"/>
           </a:xfrm>
           <a:prstGeom prst="rect">
             <a:avLst/>
@@ -4733,9 +5530,10 @@
           </a:bodyPr>
           <a:lstStyle/>
           <a:p>
-            <a:pPr marL="285750" indent="-285750" algn="just">
-              <a:buFont typeface="Arial" panose="020B0604020202020204" pitchFamily="34" charset="0"/>
-              <a:buChar char="•"/>
+            <a:pPr algn="just">
+              <a:spcAft>
+                <a:spcPts val="0"/>
+              </a:spcAft>
               <a:tabLst>
                 <a:tab pos="457200" algn="l"/>
                 <a:tab pos="914400" algn="l"/>
@@ -4752,21 +5550,19 @@
               </a:tabLst>
             </a:pPr>
             <a:r>
-              <a:rPr lang="en-US" dirty="0">
+              <a:rPr lang="en-US" sz="3200" dirty="0">
                 <a:latin typeface="Helvetica" panose="020B0604020202020204" pitchFamily="34" charset="0"/>
                 <a:ea typeface="Calibri" panose="020F0502020204030204" pitchFamily="34" charset="0"/>
                 <a:cs typeface="Times New Roman" panose="02020603050405020304" pitchFamily="18" charset="0"/>
               </a:rPr>
-              <a:t>Is there a correlation between Twitter sentiment and immigration stock and/or flows?</a:t>
-            </a:r>
-          </a:p>
-          <a:p>
-            <a:pPr marL="285750" indent="-285750" algn="just">
+              <a:t>-Matching the Twitter accounts of local NPR news stations along with Twitter accounts of local television stations with counties. </a:t>
+            </a:r>
+          </a:p>
+          <a:p>
+            <a:pPr algn="just">
               <a:spcAft>
                 <a:spcPts val="0"/>
               </a:spcAft>
-              <a:buFont typeface="Arial" panose="020B0604020202020204" pitchFamily="34" charset="0"/>
-              <a:buChar char="•"/>
               <a:tabLst>
                 <a:tab pos="457200" algn="l"/>
                 <a:tab pos="914400" algn="l"/>
@@ -4783,49 +5579,20 @@
               </a:tabLst>
             </a:pPr>
             <a:r>
-              <a:rPr lang="en-US" dirty="0">
+              <a:rPr lang="en-US" sz="3200" dirty="0">
                 <a:latin typeface="Helvetica" panose="020B0604020202020204" pitchFamily="34" charset="0"/>
                 <a:ea typeface="Calibri" panose="020F0502020204030204" pitchFamily="34" charset="0"/>
                 <a:cs typeface="Times New Roman" panose="02020603050405020304" pitchFamily="18" charset="0"/>
               </a:rPr>
-              <a:t>How other indicators are correlated with immigration?</a:t>
-            </a:r>
-          </a:p>
-        </p:txBody>
-      </p:sp>
-      <p:pic>
-        <p:nvPicPr>
-          <p:cNvPr id="5" name="Picture 4">
-            <a:extLst>
-              <a:ext uri="{FF2B5EF4-FFF2-40B4-BE49-F238E27FC236}">
-                <a16:creationId xmlns:a16="http://schemas.microsoft.com/office/drawing/2014/main" id="{51B52CE3-15A2-4A2B-BF1A-73F7B7C3BBEA}"/>
-              </a:ext>
-            </a:extLst>
-          </p:cNvPr>
-          <p:cNvPicPr>
-            <a:picLocks noChangeAspect="1"/>
-          </p:cNvPicPr>
-          <p:nvPr/>
-        </p:nvPicPr>
-        <p:blipFill rotWithShape="1">
-          <a:blip r:embed="rId2"/>
-          <a:srcRect t="4803" r="5315" b="10979"/>
-          <a:stretch/>
-        </p:blipFill>
-        <p:spPr>
-          <a:xfrm>
-            <a:off x="8129878" y="583355"/>
-            <a:ext cx="3665220" cy="645486"/>
-          </a:xfrm>
-          <a:prstGeom prst="rect">
-            <a:avLst/>
-          </a:prstGeom>
-        </p:spPr>
-      </p:pic>
+              <a:t>-Use the data obtained along with US Census data to evaluate the relationship between the sentiment of these news Tweets and their replies with foreign-born share of the population. </a:t>
+            </a:r>
+          </a:p>
+        </p:txBody>
+      </p:sp>
     </p:spTree>
     <p:extLst>
       <p:ext uri="{BB962C8B-B14F-4D97-AF65-F5344CB8AC3E}">
-        <p14:creationId xmlns:p14="http://schemas.microsoft.com/office/powerpoint/2010/main" val="565724859"/>
+        <p14:creationId xmlns:p14="http://schemas.microsoft.com/office/powerpoint/2010/main" val="3440026629"/>
       </p:ext>
     </p:extLst>
   </p:cSld>
@@ -4880,12 +5647,17 @@
           </a:bodyPr>
           <a:lstStyle/>
           <a:p>
-            <a:pPr algn="ctr"/>
+            <a:r>
+              <a:rPr lang="es-MX" sz="4000" b="1" dirty="0">
+                <a:latin typeface="Verdana Pro" panose="020B0604020202020204" pitchFamily="34" charset="0"/>
+              </a:rPr>
+              <a:t>Data </a:t>
+            </a:r>
             <a:r>
               <a:rPr lang="es-MX" sz="4000" b="1" dirty="0" err="1">
                 <a:latin typeface="Verdana Pro" panose="020B0604020202020204" pitchFamily="34" charset="0"/>
               </a:rPr>
-              <a:t>Approach</a:t>
+              <a:t>Sources</a:t>
             </a:r>
             <a:endParaRPr lang="en-US" sz="4000" b="1" dirty="0">
               <a:latin typeface="Verdana Pro" panose="020B0604020202020204" pitchFamily="34" charset="0"/>
@@ -5066,10 +5838,10 @@
       </p:sp>
       <p:pic>
         <p:nvPicPr>
-          <p:cNvPr id="13" name="Picture 12">
-            <a:extLst>
-              <a:ext uri="{FF2B5EF4-FFF2-40B4-BE49-F238E27FC236}">
-                <a16:creationId xmlns:a16="http://schemas.microsoft.com/office/drawing/2014/main" id="{B127C827-DB30-4E8A-8DC2-7F64D0DDAE1D}"/>
+          <p:cNvPr id="11" name="Picture 10">
+            <a:extLst>
+              <a:ext uri="{FF2B5EF4-FFF2-40B4-BE49-F238E27FC236}">
+                <a16:creationId xmlns:a16="http://schemas.microsoft.com/office/drawing/2014/main" id="{B80F51C6-A1F9-4244-AC25-F9AA5C810901}"/>
               </a:ext>
             </a:extLst>
           </p:cNvPr>
@@ -5095,10 +5867,10 @@
       </p:pic>
       <p:sp>
         <p:nvSpPr>
-          <p:cNvPr id="14" name="TextBox 13">
-            <a:extLst>
-              <a:ext uri="{FF2B5EF4-FFF2-40B4-BE49-F238E27FC236}">
-                <a16:creationId xmlns:a16="http://schemas.microsoft.com/office/drawing/2014/main" id="{EAE5C7E1-30A1-4DD2-B898-B55976811C73}"/>
+          <p:cNvPr id="12" name="TextBox 11">
+            <a:extLst>
+              <a:ext uri="{FF2B5EF4-FFF2-40B4-BE49-F238E27FC236}">
+                <a16:creationId xmlns:a16="http://schemas.microsoft.com/office/drawing/2014/main" id="{D5DB1E17-D1A4-4B8E-8481-1D3F67580312}"/>
               </a:ext>
             </a:extLst>
           </p:cNvPr>
@@ -5255,94 +6027,311 @@
       </p:sp>
       <p:sp>
         <p:nvSpPr>
-          <p:cNvPr id="15" name="Rectangle 14">
-            <a:extLst>
-              <a:ext uri="{FF2B5EF4-FFF2-40B4-BE49-F238E27FC236}">
-                <a16:creationId xmlns:a16="http://schemas.microsoft.com/office/drawing/2014/main" id="{68D7E390-C348-4C85-82C0-A205A20796E9}"/>
-              </a:ext>
-            </a:extLst>
-          </p:cNvPr>
-          <p:cNvSpPr/>
+          <p:cNvPr id="2" name="TextBox 1">
+            <a:extLst>
+              <a:ext uri="{FF2B5EF4-FFF2-40B4-BE49-F238E27FC236}">
+                <a16:creationId xmlns:a16="http://schemas.microsoft.com/office/drawing/2014/main" id="{21BD7823-9FE0-4DA9-9F02-D1A5C2448E78}"/>
+              </a:ext>
+            </a:extLst>
+          </p:cNvPr>
+          <p:cNvSpPr txBox="1"/>
           <p:nvPr/>
         </p:nvSpPr>
         <p:spPr>
           <a:xfrm>
-            <a:off x="243839" y="2421689"/>
-            <a:ext cx="11704320" cy="3046988"/>
+            <a:off x="397565" y="1396410"/>
+            <a:ext cx="7341706" cy="646331"/>
           </a:xfrm>
           <a:prstGeom prst="rect">
             <a:avLst/>
           </a:prstGeom>
-        </p:spPr>
-        <p:txBody>
-          <a:bodyPr wrap="square">
+          <a:noFill/>
+        </p:spPr>
+        <p:txBody>
+          <a:bodyPr wrap="square" rtlCol="0">
             <a:spAutoFit/>
           </a:bodyPr>
           <a:lstStyle/>
           <a:p>
-            <a:pPr algn="just">
-              <a:spcAft>
-                <a:spcPts val="0"/>
-              </a:spcAft>
-              <a:tabLst>
-                <a:tab pos="457200" algn="l"/>
-                <a:tab pos="914400" algn="l"/>
-                <a:tab pos="1371600" algn="l"/>
-                <a:tab pos="1828800" algn="l"/>
-                <a:tab pos="2286000" algn="l"/>
-                <a:tab pos="2743200" algn="l"/>
-                <a:tab pos="3200400" algn="l"/>
-                <a:tab pos="3657600" algn="l"/>
-                <a:tab pos="4114800" algn="l"/>
-                <a:tab pos="4572000" algn="l"/>
-                <a:tab pos="5029200" algn="l"/>
-                <a:tab pos="5486400" algn="l"/>
-              </a:tabLst>
-            </a:pPr>
-            <a:r>
-              <a:rPr lang="en-US" sz="3200" dirty="0">
+            <a:pPr algn="ctr"/>
+            <a:r>
+              <a:rPr lang="en-US" dirty="0">
                 <a:latin typeface="Helvetica" panose="020B0604020202020204" pitchFamily="34" charset="0"/>
-                <a:ea typeface="Calibri" panose="020F0502020204030204" pitchFamily="34" charset="0"/>
-                <a:cs typeface="Times New Roman" panose="02020603050405020304" pitchFamily="18" charset="0"/>
-              </a:rPr>
-              <a:t>-Matching the Twitter accounts of local NPR news stations along with Twitter accounts of local television stations with counties. </a:t>
-            </a:r>
-          </a:p>
-          <a:p>
-            <a:pPr algn="just">
-              <a:spcAft>
-                <a:spcPts val="0"/>
-              </a:spcAft>
-              <a:tabLst>
-                <a:tab pos="457200" algn="l"/>
-                <a:tab pos="914400" algn="l"/>
-                <a:tab pos="1371600" algn="l"/>
-                <a:tab pos="1828800" algn="l"/>
-                <a:tab pos="2286000" algn="l"/>
-                <a:tab pos="2743200" algn="l"/>
-                <a:tab pos="3200400" algn="l"/>
-                <a:tab pos="3657600" algn="l"/>
-                <a:tab pos="4114800" algn="l"/>
-                <a:tab pos="4572000" algn="l"/>
-                <a:tab pos="5029200" algn="l"/>
-                <a:tab pos="5486400" algn="l"/>
-              </a:tabLst>
-            </a:pPr>
-            <a:r>
-              <a:rPr lang="en-US" sz="3200" dirty="0">
+                <a:cs typeface="Helvetica" panose="020B0604020202020204" pitchFamily="34" charset="0"/>
+              </a:rPr>
+              <a:t>Census Data- CSV files: United States counties, population estimates, sanctuary cities, immigration rates, crime rates</a:t>
+            </a:r>
+          </a:p>
+        </p:txBody>
+      </p:sp>
+      <p:sp>
+        <p:nvSpPr>
+          <p:cNvPr id="3" name="TextBox 2">
+            <a:extLst>
+              <a:ext uri="{FF2B5EF4-FFF2-40B4-BE49-F238E27FC236}">
+                <a16:creationId xmlns:a16="http://schemas.microsoft.com/office/drawing/2014/main" id="{7EEF3FD5-A47F-4863-AA29-400EE5F67A8E}"/>
+              </a:ext>
+            </a:extLst>
+          </p:cNvPr>
+          <p:cNvSpPr txBox="1"/>
+          <p:nvPr/>
+        </p:nvSpPr>
+        <p:spPr>
+          <a:xfrm>
+            <a:off x="2700462" y="2594778"/>
+            <a:ext cx="6382578" cy="646331"/>
+          </a:xfrm>
+          <a:prstGeom prst="rect">
+            <a:avLst/>
+          </a:prstGeom>
+          <a:noFill/>
+        </p:spPr>
+        <p:txBody>
+          <a:bodyPr wrap="square" rtlCol="0">
+            <a:spAutoFit/>
+          </a:bodyPr>
+          <a:lstStyle/>
+          <a:p>
+            <a:r>
+              <a:rPr lang="en-US" dirty="0">
                 <a:latin typeface="Helvetica" panose="020B0604020202020204" pitchFamily="34" charset="0"/>
-                <a:ea typeface="Calibri" panose="020F0502020204030204" pitchFamily="34" charset="0"/>
-                <a:cs typeface="Times New Roman" panose="02020603050405020304" pitchFamily="18" charset="0"/>
-              </a:rPr>
-              <a:t>-Use the data obtained along with US Census data to evaluate the relationship between the sentiment of these news Tweets and their replies with foreign-born share of the population. </a:t>
-            </a:r>
-          </a:p>
-        </p:txBody>
-      </p:sp>
+                <a:cs typeface="Helvetica" panose="020B0604020202020204" pitchFamily="34" charset="0"/>
+              </a:rPr>
+              <a:t>Media Data- CSV files: NPR Twitter handles and local television Twitter handles</a:t>
+            </a:r>
+          </a:p>
+        </p:txBody>
+      </p:sp>
+      <p:sp>
+        <p:nvSpPr>
+          <p:cNvPr id="5" name="TextBox 4">
+            <a:extLst>
+              <a:ext uri="{FF2B5EF4-FFF2-40B4-BE49-F238E27FC236}">
+                <a16:creationId xmlns:a16="http://schemas.microsoft.com/office/drawing/2014/main" id="{57299084-1085-4573-9617-3BD139743AEC}"/>
+              </a:ext>
+            </a:extLst>
+          </p:cNvPr>
+          <p:cNvSpPr txBox="1"/>
+          <p:nvPr/>
+        </p:nvSpPr>
+        <p:spPr>
+          <a:xfrm>
+            <a:off x="689237" y="3800791"/>
+            <a:ext cx="11367664" cy="923330"/>
+          </a:xfrm>
+          <a:prstGeom prst="rect">
+            <a:avLst/>
+          </a:prstGeom>
+          <a:noFill/>
+        </p:spPr>
+        <p:txBody>
+          <a:bodyPr wrap="none" rtlCol="0">
+            <a:spAutoFit/>
+          </a:bodyPr>
+          <a:lstStyle/>
+          <a:p>
+            <a:r>
+              <a:rPr lang="en-US" dirty="0">
+                <a:latin typeface="Helvetica" panose="020B0604020202020204" pitchFamily="34" charset="0"/>
+                <a:cs typeface="Helvetica" panose="020B0604020202020204" pitchFamily="34" charset="0"/>
+              </a:rPr>
+              <a:t>API’s- Twitter API was used to search local NPR affiliates and television station tweets by the following filters- </a:t>
+            </a:r>
+          </a:p>
+          <a:p>
+            <a:r>
+              <a:rPr lang="en-US" dirty="0">
+                <a:latin typeface="Helvetica" panose="020B0604020202020204" pitchFamily="34" charset="0"/>
+                <a:cs typeface="Helvetica" panose="020B0604020202020204" pitchFamily="34" charset="0"/>
+              </a:rPr>
+              <a:t>“</a:t>
+            </a:r>
+            <a:r>
+              <a:rPr lang="fr-FR" dirty="0">
+                <a:latin typeface="Helvetica" panose="020B0604020202020204" pitchFamily="34" charset="0"/>
+                <a:cs typeface="Helvetica" panose="020B0604020202020204" pitchFamily="34" charset="0"/>
+              </a:rPr>
+              <a:t>Immigration , immigrant , immigrants , </a:t>
+            </a:r>
+            <a:r>
+              <a:rPr lang="fr-FR" dirty="0" err="1">
+                <a:latin typeface="Helvetica" panose="020B0604020202020204" pitchFamily="34" charset="0"/>
+                <a:cs typeface="Helvetica" panose="020B0604020202020204" pitchFamily="34" charset="0"/>
+              </a:rPr>
+              <a:t>foreigner</a:t>
+            </a:r>
+            <a:r>
+              <a:rPr lang="fr-FR" dirty="0">
+                <a:latin typeface="Helvetica" panose="020B0604020202020204" pitchFamily="34" charset="0"/>
+                <a:cs typeface="Helvetica" panose="020B0604020202020204" pitchFamily="34" charset="0"/>
+              </a:rPr>
+              <a:t> , non-</a:t>
+            </a:r>
+            <a:r>
+              <a:rPr lang="fr-FR" dirty="0" err="1">
+                <a:latin typeface="Helvetica" panose="020B0604020202020204" pitchFamily="34" charset="0"/>
+                <a:cs typeface="Helvetica" panose="020B0604020202020204" pitchFamily="34" charset="0"/>
+              </a:rPr>
+              <a:t>citizen</a:t>
+            </a:r>
+            <a:r>
+              <a:rPr lang="fr-FR" dirty="0">
+                <a:latin typeface="Helvetica" panose="020B0604020202020204" pitchFamily="34" charset="0"/>
+                <a:cs typeface="Helvetica" panose="020B0604020202020204" pitchFamily="34" charset="0"/>
+              </a:rPr>
+              <a:t> , </a:t>
+            </a:r>
+            <a:r>
+              <a:rPr lang="fr-FR" dirty="0" err="1">
+                <a:latin typeface="Helvetica" panose="020B0604020202020204" pitchFamily="34" charset="0"/>
+                <a:cs typeface="Helvetica" panose="020B0604020202020204" pitchFamily="34" charset="0"/>
+              </a:rPr>
+              <a:t>undocumented</a:t>
+            </a:r>
+            <a:r>
+              <a:rPr lang="fr-FR" dirty="0">
+                <a:latin typeface="Helvetica" panose="020B0604020202020204" pitchFamily="34" charset="0"/>
+                <a:cs typeface="Helvetica" panose="020B0604020202020204" pitchFamily="34" charset="0"/>
+              </a:rPr>
+              <a:t> , non-</a:t>
+            </a:r>
+            <a:r>
+              <a:rPr lang="fr-FR" dirty="0" err="1">
+                <a:latin typeface="Helvetica" panose="020B0604020202020204" pitchFamily="34" charset="0"/>
+                <a:cs typeface="Helvetica" panose="020B0604020202020204" pitchFamily="34" charset="0"/>
+              </a:rPr>
+              <a:t>citizen</a:t>
+            </a:r>
+            <a:r>
+              <a:rPr lang="fr-FR" dirty="0">
+                <a:latin typeface="Helvetica" panose="020B0604020202020204" pitchFamily="34" charset="0"/>
+                <a:cs typeface="Helvetica" panose="020B0604020202020204" pitchFamily="34" charset="0"/>
+              </a:rPr>
+              <a:t> , </a:t>
+            </a:r>
+          </a:p>
+          <a:p>
+            <a:r>
+              <a:rPr lang="fr-FR" dirty="0">
+                <a:latin typeface="Helvetica" panose="020B0604020202020204" pitchFamily="34" charset="0"/>
+                <a:cs typeface="Helvetica" panose="020B0604020202020204" pitchFamily="34" charset="0"/>
+              </a:rPr>
+              <a:t>’permanent </a:t>
+            </a:r>
+            <a:r>
+              <a:rPr lang="fr-FR" dirty="0" err="1">
+                <a:latin typeface="Helvetica" panose="020B0604020202020204" pitchFamily="34" charset="0"/>
+                <a:cs typeface="Helvetica" panose="020B0604020202020204" pitchFamily="34" charset="0"/>
+              </a:rPr>
+              <a:t>resident</a:t>
+            </a:r>
+            <a:r>
+              <a:rPr lang="fr-FR" dirty="0">
+                <a:latin typeface="Helvetica" panose="020B0604020202020204" pitchFamily="34" charset="0"/>
+                <a:cs typeface="Helvetica" panose="020B0604020202020204" pitchFamily="34" charset="0"/>
+              </a:rPr>
+              <a:t>”. The API </a:t>
+            </a:r>
+            <a:r>
+              <a:rPr lang="fr-FR" dirty="0" err="1">
+                <a:latin typeface="Helvetica" panose="020B0604020202020204" pitchFamily="34" charset="0"/>
+                <a:cs typeface="Helvetica" panose="020B0604020202020204" pitchFamily="34" charset="0"/>
+              </a:rPr>
+              <a:t>also</a:t>
+            </a:r>
+            <a:r>
+              <a:rPr lang="fr-FR" dirty="0">
+                <a:latin typeface="Helvetica" panose="020B0604020202020204" pitchFamily="34" charset="0"/>
+                <a:cs typeface="Helvetica" panose="020B0604020202020204" pitchFamily="34" charset="0"/>
+              </a:rPr>
+              <a:t> </a:t>
+            </a:r>
+            <a:r>
+              <a:rPr lang="fr-FR" dirty="0" err="1">
+                <a:latin typeface="Helvetica" panose="020B0604020202020204" pitchFamily="34" charset="0"/>
+                <a:cs typeface="Helvetica" panose="020B0604020202020204" pitchFamily="34" charset="0"/>
+              </a:rPr>
+              <a:t>allowed</a:t>
+            </a:r>
+            <a:r>
+              <a:rPr lang="fr-FR" dirty="0">
+                <a:latin typeface="Helvetica" panose="020B0604020202020204" pitchFamily="34" charset="0"/>
+                <a:cs typeface="Helvetica" panose="020B0604020202020204" pitchFamily="34" charset="0"/>
+              </a:rPr>
+              <a:t> us to </a:t>
+            </a:r>
+            <a:r>
+              <a:rPr lang="fr-FR" dirty="0" err="1">
+                <a:latin typeface="Helvetica" panose="020B0604020202020204" pitchFamily="34" charset="0"/>
+                <a:cs typeface="Helvetica" panose="020B0604020202020204" pitchFamily="34" charset="0"/>
+              </a:rPr>
+              <a:t>geo-locate</a:t>
+            </a:r>
+            <a:r>
+              <a:rPr lang="fr-FR" dirty="0">
+                <a:latin typeface="Helvetica" panose="020B0604020202020204" pitchFamily="34" charset="0"/>
+                <a:cs typeface="Helvetica" panose="020B0604020202020204" pitchFamily="34" charset="0"/>
+              </a:rPr>
+              <a:t> the tweet. </a:t>
+            </a:r>
+            <a:endParaRPr lang="en-US" dirty="0">
+              <a:latin typeface="Helvetica" panose="020B0604020202020204" pitchFamily="34" charset="0"/>
+              <a:cs typeface="Helvetica" panose="020B0604020202020204" pitchFamily="34" charset="0"/>
+            </a:endParaRPr>
+          </a:p>
+        </p:txBody>
+      </p:sp>
+      <p:pic>
+        <p:nvPicPr>
+          <p:cNvPr id="1026" name="Picture 2" descr="Image result for twitter logo">
+            <a:extLst>
+              <a:ext uri="{FF2B5EF4-FFF2-40B4-BE49-F238E27FC236}">
+                <a16:creationId xmlns:a16="http://schemas.microsoft.com/office/drawing/2014/main" id="{B9FBBF6F-E4CE-4AD3-AEA4-5560B9CE5DFE}"/>
+              </a:ext>
+            </a:extLst>
+          </p:cNvPr>
+          <p:cNvPicPr>
+            <a:picLocks noChangeAspect="1" noChangeArrowheads="1"/>
+          </p:cNvPicPr>
+          <p:nvPr/>
+        </p:nvPicPr>
+        <p:blipFill>
+          <a:blip r:embed="rId4">
+            <a:extLst>
+              <a:ext uri="{28A0092B-C50C-407E-A947-70E740481C1C}">
+                <a14:useLocalDpi xmlns:a14="http://schemas.microsoft.com/office/drawing/2010/main" val="0"/>
+              </a:ext>
+            </a:extLst>
+          </a:blip>
+          <a:srcRect/>
+          <a:stretch>
+            <a:fillRect/>
+          </a:stretch>
+        </p:blipFill>
+        <p:spPr bwMode="auto">
+          <a:xfrm>
+            <a:off x="9737035" y="1328955"/>
+            <a:ext cx="1642109" cy="1642109"/>
+          </a:xfrm>
+          <a:prstGeom prst="rect">
+            <a:avLst/>
+          </a:prstGeom>
+          <a:noFill/>
+          <a:extLst>
+            <a:ext uri="{909E8E84-426E-40DD-AFC4-6F175D3DCCD1}">
+              <a14:hiddenFill xmlns:a14="http://schemas.microsoft.com/office/drawing/2010/main">
+                <a:solidFill>
+                  <a:srgbClr val="FFFFFF"/>
+                </a:solidFill>
+              </a14:hiddenFill>
+            </a:ext>
+          </a:extLst>
+        </p:spPr>
+      </p:pic>
     </p:spTree>
     <p:extLst>
       <p:ext uri="{BB962C8B-B14F-4D97-AF65-F5344CB8AC3E}">
-        <p14:creationId xmlns:p14="http://schemas.microsoft.com/office/powerpoint/2010/main" val="3440026629"/>
+        <p14:creationId xmlns:p14="http://schemas.microsoft.com/office/powerpoint/2010/main" val="1624894741"/>
       </p:ext>
     </p:extLst>
   </p:cSld>
@@ -5407,7 +6396,19 @@
               <a:rPr lang="es-MX" sz="4000" b="1" dirty="0" err="1">
                 <a:latin typeface="Verdana Pro" panose="020B0604020202020204" pitchFamily="34" charset="0"/>
               </a:rPr>
-              <a:t>Sources</a:t>
+              <a:t>Exploration</a:t>
+            </a:r>
+            <a:r>
+              <a:rPr lang="es-MX" sz="4000" b="1" dirty="0">
+                <a:latin typeface="Verdana Pro" panose="020B0604020202020204" pitchFamily="34" charset="0"/>
+              </a:rPr>
+              <a:t> / </a:t>
+            </a:r>
+            <a:r>
+              <a:rPr lang="es-MX" sz="4000" b="1" dirty="0" err="1">
+                <a:latin typeface="Verdana Pro" panose="020B0604020202020204" pitchFamily="34" charset="0"/>
+              </a:rPr>
+              <a:t>Cleanup</a:t>
             </a:r>
             <a:endParaRPr lang="en-US" sz="4000" b="1" dirty="0">
               <a:latin typeface="Verdana Pro" panose="020B0604020202020204" pitchFamily="34" charset="0"/>
@@ -5588,10 +6589,10 @@
       </p:sp>
       <p:pic>
         <p:nvPicPr>
-          <p:cNvPr id="11" name="Picture 10">
-            <a:extLst>
-              <a:ext uri="{FF2B5EF4-FFF2-40B4-BE49-F238E27FC236}">
-                <a16:creationId xmlns:a16="http://schemas.microsoft.com/office/drawing/2014/main" id="{B80F51C6-A1F9-4244-AC25-F9AA5C810901}"/>
+          <p:cNvPr id="13" name="Picture 12">
+            <a:extLst>
+              <a:ext uri="{FF2B5EF4-FFF2-40B4-BE49-F238E27FC236}">
+                <a16:creationId xmlns:a16="http://schemas.microsoft.com/office/drawing/2014/main" id="{28074D77-45B0-4DF8-996B-961E3792E334}"/>
               </a:ext>
             </a:extLst>
           </p:cNvPr>
@@ -5617,10 +6618,10 @@
       </p:pic>
       <p:sp>
         <p:nvSpPr>
-          <p:cNvPr id="12" name="TextBox 11">
-            <a:extLst>
-              <a:ext uri="{FF2B5EF4-FFF2-40B4-BE49-F238E27FC236}">
-                <a16:creationId xmlns:a16="http://schemas.microsoft.com/office/drawing/2014/main" id="{D5DB1E17-D1A4-4B8E-8481-1D3F67580312}"/>
+          <p:cNvPr id="14" name="TextBox 13">
+            <a:extLst>
+              <a:ext uri="{FF2B5EF4-FFF2-40B4-BE49-F238E27FC236}">
+                <a16:creationId xmlns:a16="http://schemas.microsoft.com/office/drawing/2014/main" id="{B4F9BEAF-14E1-4E7C-9771-729D5E025549}"/>
               </a:ext>
             </a:extLst>
           </p:cNvPr>
@@ -5777,10 +6778,11 @@
       </p:sp>
       <p:sp>
         <p:nvSpPr>
-          <p:cNvPr id="2" name="TextBox 1">
-            <a:extLst>
-              <a:ext uri="{FF2B5EF4-FFF2-40B4-BE49-F238E27FC236}">
-                <a16:creationId xmlns:a16="http://schemas.microsoft.com/office/drawing/2014/main" id="{21BD7823-9FE0-4DA9-9F02-D1A5C2448E78}"/>
+          <p:cNvPr id="15" name="TextBox 14">
+            <a:hlinkClick r:id="rId4"/>
+            <a:extLst>
+              <a:ext uri="{FF2B5EF4-FFF2-40B4-BE49-F238E27FC236}">
+                <a16:creationId xmlns:a16="http://schemas.microsoft.com/office/drawing/2014/main" id="{5A68C830-3117-43A9-B2D4-2F0E16EDA677}"/>
               </a:ext>
             </a:extLst>
           </p:cNvPr>
@@ -5789,8 +6791,8 @@
         </p:nvSpPr>
         <p:spPr>
           <a:xfrm>
-            <a:off x="397565" y="1396410"/>
-            <a:ext cx="7341706" cy="646331"/>
+            <a:off x="624839" y="3412163"/>
+            <a:ext cx="4092935" cy="523220"/>
           </a:xfrm>
           <a:prstGeom prst="rect">
             <a:avLst/>
@@ -5803,23 +6805,25 @@
           </a:bodyPr>
           <a:lstStyle/>
           <a:p>
-            <a:pPr algn="ctr"/>
-            <a:r>
-              <a:rPr lang="en-US" dirty="0">
-                <a:latin typeface="Helvetica" panose="020B0604020202020204" pitchFamily="34" charset="0"/>
-                <a:cs typeface="Helvetica" panose="020B0604020202020204" pitchFamily="34" charset="0"/>
-              </a:rPr>
-              <a:t>Census Data- CSV files: United States counties, population estimates, sanctuary cities, immigration rates, crime rates</a:t>
-            </a:r>
-          </a:p>
-        </p:txBody>
-      </p:sp>
-      <p:sp>
-        <p:nvSpPr>
-          <p:cNvPr id="3" name="TextBox 2">
-            <a:extLst>
-              <a:ext uri="{FF2B5EF4-FFF2-40B4-BE49-F238E27FC236}">
-                <a16:creationId xmlns:a16="http://schemas.microsoft.com/office/drawing/2014/main" id="{7EEF3FD5-A47F-4863-AA29-400EE5F67A8E}"/>
+            <a:r>
+              <a:rPr lang="es-MX" sz="2800" b="1" dirty="0" err="1"/>
+              <a:t>Hate</a:t>
+            </a:r>
+            <a:r>
+              <a:rPr lang="es-MX" sz="2800" b="1" dirty="0"/>
+              <a:t> Crime Notebook</a:t>
+            </a:r>
+            <a:endParaRPr lang="en-US" sz="2800" b="1" dirty="0"/>
+          </a:p>
+        </p:txBody>
+      </p:sp>
+      <p:sp>
+        <p:nvSpPr>
+          <p:cNvPr id="16" name="TextBox 15">
+            <a:hlinkClick r:id="rId4"/>
+            <a:extLst>
+              <a:ext uri="{FF2B5EF4-FFF2-40B4-BE49-F238E27FC236}">
+                <a16:creationId xmlns:a16="http://schemas.microsoft.com/office/drawing/2014/main" id="{6B7F9E51-1DAE-42D7-8D76-528B32A3B7F2}"/>
               </a:ext>
             </a:extLst>
           </p:cNvPr>
@@ -5828,8 +6832,8 @@
         </p:nvSpPr>
         <p:spPr>
           <a:xfrm>
-            <a:off x="2700462" y="2594778"/>
-            <a:ext cx="6382578" cy="646331"/>
+            <a:off x="624839" y="2244727"/>
+            <a:ext cx="5272377" cy="523220"/>
           </a:xfrm>
           <a:prstGeom prst="rect">
             <a:avLst/>
@@ -5843,245 +6847,29 @@
           <a:lstStyle/>
           <a:p>
             <a:r>
-              <a:rPr lang="en-US" dirty="0">
-                <a:latin typeface="Helvetica" panose="020B0604020202020204" pitchFamily="34" charset="0"/>
-                <a:cs typeface="Helvetica" panose="020B0604020202020204" pitchFamily="34" charset="0"/>
-              </a:rPr>
-              <a:t>Media Data- CSV files: NPR Twitter handles and local television Twitter handles</a:t>
-            </a:r>
-          </a:p>
-        </p:txBody>
-      </p:sp>
-      <p:sp>
-        <p:nvSpPr>
-          <p:cNvPr id="5" name="TextBox 4">
-            <a:extLst>
-              <a:ext uri="{FF2B5EF4-FFF2-40B4-BE49-F238E27FC236}">
-                <a16:creationId xmlns:a16="http://schemas.microsoft.com/office/drawing/2014/main" id="{57299084-1085-4573-9617-3BD139743AEC}"/>
-              </a:ext>
-            </a:extLst>
-          </p:cNvPr>
-          <p:cNvSpPr txBox="1"/>
-          <p:nvPr/>
-        </p:nvSpPr>
-        <p:spPr>
-          <a:xfrm>
-            <a:off x="689237" y="3800791"/>
-            <a:ext cx="11367664" cy="923330"/>
-          </a:xfrm>
-          <a:prstGeom prst="rect">
-            <a:avLst/>
-          </a:prstGeom>
-          <a:noFill/>
-        </p:spPr>
-        <p:txBody>
-          <a:bodyPr wrap="none" rtlCol="0">
-            <a:spAutoFit/>
-          </a:bodyPr>
-          <a:lstStyle/>
-          <a:p>
-            <a:r>
-              <a:rPr lang="en-US" dirty="0">
-                <a:latin typeface="Helvetica" panose="020B0604020202020204" pitchFamily="34" charset="0"/>
-                <a:cs typeface="Helvetica" panose="020B0604020202020204" pitchFamily="34" charset="0"/>
-              </a:rPr>
-              <a:t>API’s- Twitter API was used to search local NPR affiliates and television station tweets by the following filters- </a:t>
-            </a:r>
-          </a:p>
-          <a:p>
-            <a:r>
-              <a:rPr lang="en-US" dirty="0">
-                <a:latin typeface="Helvetica" panose="020B0604020202020204" pitchFamily="34" charset="0"/>
-                <a:cs typeface="Helvetica" panose="020B0604020202020204" pitchFamily="34" charset="0"/>
-              </a:rPr>
-              <a:t>“</a:t>
-            </a:r>
-            <a:r>
-              <a:rPr lang="fr-FR" dirty="0">
-                <a:latin typeface="Helvetica" panose="020B0604020202020204" pitchFamily="34" charset="0"/>
-                <a:cs typeface="Helvetica" panose="020B0604020202020204" pitchFamily="34" charset="0"/>
-              </a:rPr>
-              <a:t>Immigration , immigrant , immigrants , </a:t>
-            </a:r>
-            <a:r>
-              <a:rPr lang="fr-FR" dirty="0" err="1">
-                <a:latin typeface="Helvetica" panose="020B0604020202020204" pitchFamily="34" charset="0"/>
-                <a:cs typeface="Helvetica" panose="020B0604020202020204" pitchFamily="34" charset="0"/>
-              </a:rPr>
-              <a:t>foreigner</a:t>
-            </a:r>
-            <a:r>
-              <a:rPr lang="fr-FR" dirty="0">
-                <a:latin typeface="Helvetica" panose="020B0604020202020204" pitchFamily="34" charset="0"/>
-                <a:cs typeface="Helvetica" panose="020B0604020202020204" pitchFamily="34" charset="0"/>
-              </a:rPr>
-              <a:t> , non-</a:t>
-            </a:r>
-            <a:r>
-              <a:rPr lang="fr-FR" dirty="0" err="1">
-                <a:latin typeface="Helvetica" panose="020B0604020202020204" pitchFamily="34" charset="0"/>
-                <a:cs typeface="Helvetica" panose="020B0604020202020204" pitchFamily="34" charset="0"/>
-              </a:rPr>
-              <a:t>citizen</a:t>
-            </a:r>
-            <a:r>
-              <a:rPr lang="fr-FR" dirty="0">
-                <a:latin typeface="Helvetica" panose="020B0604020202020204" pitchFamily="34" charset="0"/>
-                <a:cs typeface="Helvetica" panose="020B0604020202020204" pitchFamily="34" charset="0"/>
-              </a:rPr>
-              <a:t> , </a:t>
-            </a:r>
-            <a:r>
-              <a:rPr lang="fr-FR" dirty="0" err="1">
-                <a:latin typeface="Helvetica" panose="020B0604020202020204" pitchFamily="34" charset="0"/>
-                <a:cs typeface="Helvetica" panose="020B0604020202020204" pitchFamily="34" charset="0"/>
-              </a:rPr>
-              <a:t>undocumented</a:t>
-            </a:r>
-            <a:r>
-              <a:rPr lang="fr-FR" dirty="0">
-                <a:latin typeface="Helvetica" panose="020B0604020202020204" pitchFamily="34" charset="0"/>
-                <a:cs typeface="Helvetica" panose="020B0604020202020204" pitchFamily="34" charset="0"/>
-              </a:rPr>
-              <a:t> , non-</a:t>
-            </a:r>
-            <a:r>
-              <a:rPr lang="fr-FR" dirty="0" err="1">
-                <a:latin typeface="Helvetica" panose="020B0604020202020204" pitchFamily="34" charset="0"/>
-                <a:cs typeface="Helvetica" panose="020B0604020202020204" pitchFamily="34" charset="0"/>
-              </a:rPr>
-              <a:t>citizen</a:t>
-            </a:r>
-            <a:r>
-              <a:rPr lang="fr-FR" dirty="0">
-                <a:latin typeface="Helvetica" panose="020B0604020202020204" pitchFamily="34" charset="0"/>
-                <a:cs typeface="Helvetica" panose="020B0604020202020204" pitchFamily="34" charset="0"/>
-              </a:rPr>
-              <a:t> , </a:t>
-            </a:r>
-          </a:p>
-          <a:p>
-            <a:r>
-              <a:rPr lang="fr-FR" dirty="0">
-                <a:latin typeface="Helvetica" panose="020B0604020202020204" pitchFamily="34" charset="0"/>
-                <a:cs typeface="Helvetica" panose="020B0604020202020204" pitchFamily="34" charset="0"/>
-              </a:rPr>
-              <a:t>’permanent </a:t>
-            </a:r>
-            <a:r>
-              <a:rPr lang="fr-FR" dirty="0" err="1">
-                <a:latin typeface="Helvetica" panose="020B0604020202020204" pitchFamily="34" charset="0"/>
-                <a:cs typeface="Helvetica" panose="020B0604020202020204" pitchFamily="34" charset="0"/>
-              </a:rPr>
-              <a:t>resident</a:t>
-            </a:r>
-            <a:r>
-              <a:rPr lang="fr-FR" dirty="0">
-                <a:latin typeface="Helvetica" panose="020B0604020202020204" pitchFamily="34" charset="0"/>
-                <a:cs typeface="Helvetica" panose="020B0604020202020204" pitchFamily="34" charset="0"/>
-              </a:rPr>
-              <a:t>”. The API </a:t>
-            </a:r>
-            <a:r>
-              <a:rPr lang="fr-FR" dirty="0" err="1">
-                <a:latin typeface="Helvetica" panose="020B0604020202020204" pitchFamily="34" charset="0"/>
-                <a:cs typeface="Helvetica" panose="020B0604020202020204" pitchFamily="34" charset="0"/>
-              </a:rPr>
-              <a:t>also</a:t>
-            </a:r>
-            <a:r>
-              <a:rPr lang="fr-FR" dirty="0">
-                <a:latin typeface="Helvetica" panose="020B0604020202020204" pitchFamily="34" charset="0"/>
-                <a:cs typeface="Helvetica" panose="020B0604020202020204" pitchFamily="34" charset="0"/>
-              </a:rPr>
+              <a:rPr lang="es-MX" sz="2800" b="1" dirty="0" err="1"/>
+              <a:t>Sentiment</a:t>
+            </a:r>
+            <a:r>
+              <a:rPr lang="es-MX" sz="2800" b="1" dirty="0"/>
               <a:t> </a:t>
             </a:r>
             <a:r>
-              <a:rPr lang="fr-FR" dirty="0" err="1">
-                <a:latin typeface="Helvetica" panose="020B0604020202020204" pitchFamily="34" charset="0"/>
-                <a:cs typeface="Helvetica" panose="020B0604020202020204" pitchFamily="34" charset="0"/>
-              </a:rPr>
-              <a:t>allowed</a:t>
-            </a:r>
-            <a:r>
-              <a:rPr lang="fr-FR" dirty="0">
-                <a:latin typeface="Helvetica" panose="020B0604020202020204" pitchFamily="34" charset="0"/>
-                <a:cs typeface="Helvetica" panose="020B0604020202020204" pitchFamily="34" charset="0"/>
-              </a:rPr>
-              <a:t> us to </a:t>
-            </a:r>
-            <a:r>
-              <a:rPr lang="fr-FR" dirty="0" err="1">
-                <a:latin typeface="Helvetica" panose="020B0604020202020204" pitchFamily="34" charset="0"/>
-                <a:cs typeface="Helvetica" panose="020B0604020202020204" pitchFamily="34" charset="0"/>
-              </a:rPr>
-              <a:t>geo-locate</a:t>
-            </a:r>
-            <a:r>
-              <a:rPr lang="fr-FR" dirty="0">
-                <a:latin typeface="Helvetica" panose="020B0604020202020204" pitchFamily="34" charset="0"/>
-                <a:cs typeface="Helvetica" panose="020B0604020202020204" pitchFamily="34" charset="0"/>
-              </a:rPr>
-              <a:t> the tweet. </a:t>
-            </a:r>
-            <a:endParaRPr lang="en-US" dirty="0">
-              <a:latin typeface="Helvetica" panose="020B0604020202020204" pitchFamily="34" charset="0"/>
-              <a:cs typeface="Helvetica" panose="020B0604020202020204" pitchFamily="34" charset="0"/>
-            </a:endParaRPr>
-          </a:p>
-        </p:txBody>
-      </p:sp>
-      <p:pic>
-        <p:nvPicPr>
-          <p:cNvPr id="1026" name="Picture 2" descr="Image result for twitter logo">
-            <a:extLst>
-              <a:ext uri="{FF2B5EF4-FFF2-40B4-BE49-F238E27FC236}">
-                <a16:creationId xmlns:a16="http://schemas.microsoft.com/office/drawing/2014/main" id="{B9FBBF6F-E4CE-4AD3-AEA4-5560B9CE5DFE}"/>
-              </a:ext>
-            </a:extLst>
-          </p:cNvPr>
-          <p:cNvPicPr>
-            <a:picLocks noChangeAspect="1" noChangeArrowheads="1"/>
-          </p:cNvPicPr>
-          <p:nvPr/>
-        </p:nvPicPr>
-        <p:blipFill>
-          <a:blip r:embed="rId4">
-            <a:extLst>
-              <a:ext uri="{28A0092B-C50C-407E-A947-70E740481C1C}">
-                <a14:useLocalDpi xmlns:a14="http://schemas.microsoft.com/office/drawing/2010/main" val="0"/>
-              </a:ext>
-            </a:extLst>
-          </a:blip>
-          <a:srcRect/>
-          <a:stretch>
-            <a:fillRect/>
-          </a:stretch>
-        </p:blipFill>
-        <p:spPr bwMode="auto">
-          <a:xfrm>
-            <a:off x="9737035" y="1328955"/>
-            <a:ext cx="1642109" cy="1642109"/>
-          </a:xfrm>
-          <a:prstGeom prst="rect">
-            <a:avLst/>
-          </a:prstGeom>
-          <a:noFill/>
-          <a:extLst>
-            <a:ext uri="{909E8E84-426E-40DD-AFC4-6F175D3DCCD1}">
-              <a14:hiddenFill xmlns:a14="http://schemas.microsoft.com/office/drawing/2010/main">
-                <a:solidFill>
-                  <a:srgbClr val="FFFFFF"/>
-                </a:solidFill>
-              </a14:hiddenFill>
-            </a:ext>
-          </a:extLst>
-        </p:spPr>
-      </p:pic>
+              <a:rPr lang="es-MX" sz="2800" b="1" dirty="0" err="1"/>
+              <a:t>Analysis</a:t>
+            </a:r>
+            <a:r>
+              <a:rPr lang="es-MX" sz="2800" b="1" dirty="0"/>
+              <a:t> Notebook</a:t>
+            </a:r>
+            <a:endParaRPr lang="en-US" sz="2800" b="1" dirty="0"/>
+          </a:p>
+        </p:txBody>
+      </p:sp>
     </p:spTree>
     <p:extLst>
       <p:ext uri="{BB962C8B-B14F-4D97-AF65-F5344CB8AC3E}">
-        <p14:creationId xmlns:p14="http://schemas.microsoft.com/office/powerpoint/2010/main" val="1624894741"/>
+        <p14:creationId xmlns:p14="http://schemas.microsoft.com/office/powerpoint/2010/main" val="464405426"/>
       </p:ext>
     </p:extLst>
   </p:cSld>
@@ -6137,28 +6925,10 @@
           <a:lstStyle/>
           <a:p>
             <a:r>
-              <a:rPr lang="es-MX" sz="4000" b="1" dirty="0">
-                <a:latin typeface="Verdana Pro" panose="020B0604020202020204" pitchFamily="34" charset="0"/>
-              </a:rPr>
-              <a:t>Data </a:t>
-            </a:r>
-            <a:r>
               <a:rPr lang="es-MX" sz="4000" b="1" dirty="0" err="1">
                 <a:latin typeface="Verdana Pro" panose="020B0604020202020204" pitchFamily="34" charset="0"/>
               </a:rPr>
-              <a:t>Exploration</a:t>
-            </a:r>
-            <a:r>
-              <a:rPr lang="es-MX" sz="4000" b="1" dirty="0">
-                <a:latin typeface="Verdana Pro" panose="020B0604020202020204" pitchFamily="34" charset="0"/>
-              </a:rPr>
-              <a:t> / </a:t>
-            </a:r>
-            <a:r>
-              <a:rPr lang="es-MX" sz="4000" b="1" dirty="0" err="1">
-                <a:latin typeface="Verdana Pro" panose="020B0604020202020204" pitchFamily="34" charset="0"/>
-              </a:rPr>
-              <a:t>Cleanup</a:t>
+              <a:t>Analysis</a:t>
             </a:r>
             <a:endParaRPr lang="en-US" sz="4000" b="1" dirty="0">
               <a:latin typeface="Verdana Pro" panose="020B0604020202020204" pitchFamily="34" charset="0"/>
@@ -6339,10 +7109,10 @@
       </p:sp>
       <p:pic>
         <p:nvPicPr>
-          <p:cNvPr id="13" name="Picture 12">
-            <a:extLst>
-              <a:ext uri="{FF2B5EF4-FFF2-40B4-BE49-F238E27FC236}">
-                <a16:creationId xmlns:a16="http://schemas.microsoft.com/office/drawing/2014/main" id="{28074D77-45B0-4DF8-996B-961E3792E334}"/>
+          <p:cNvPr id="11" name="Picture 10">
+            <a:extLst>
+              <a:ext uri="{FF2B5EF4-FFF2-40B4-BE49-F238E27FC236}">
+                <a16:creationId xmlns:a16="http://schemas.microsoft.com/office/drawing/2014/main" id="{511067B3-F5F4-4E71-862C-744E09878974}"/>
               </a:ext>
             </a:extLst>
           </p:cNvPr>
@@ -6368,10 +7138,10 @@
       </p:pic>
       <p:sp>
         <p:nvSpPr>
-          <p:cNvPr id="14" name="TextBox 13">
-            <a:extLst>
-              <a:ext uri="{FF2B5EF4-FFF2-40B4-BE49-F238E27FC236}">
-                <a16:creationId xmlns:a16="http://schemas.microsoft.com/office/drawing/2014/main" id="{B4F9BEAF-14E1-4E7C-9771-729D5E025549}"/>
+          <p:cNvPr id="12" name="TextBox 11">
+            <a:extLst>
+              <a:ext uri="{FF2B5EF4-FFF2-40B4-BE49-F238E27FC236}">
+                <a16:creationId xmlns:a16="http://schemas.microsoft.com/office/drawing/2014/main" id="{FE1B5C35-968D-4479-8061-A2220D41C771}"/>
               </a:ext>
             </a:extLst>
           </p:cNvPr>
@@ -6528,341 +7298,194 @@
       </p:sp>
       <p:sp>
         <p:nvSpPr>
-          <p:cNvPr id="15" name="TextBox 14">
-            <a:hlinkClick r:id="rId4"/>
-            <a:extLst>
-              <a:ext uri="{FF2B5EF4-FFF2-40B4-BE49-F238E27FC236}">
-                <a16:creationId xmlns:a16="http://schemas.microsoft.com/office/drawing/2014/main" id="{5A68C830-3117-43A9-B2D4-2F0E16EDA677}"/>
-              </a:ext>
-            </a:extLst>
-          </p:cNvPr>
-          <p:cNvSpPr txBox="1"/>
+          <p:cNvPr id="2" name="Rectangle 1">
+            <a:extLst>
+              <a:ext uri="{FF2B5EF4-FFF2-40B4-BE49-F238E27FC236}">
+                <a16:creationId xmlns:a16="http://schemas.microsoft.com/office/drawing/2014/main" id="{53F3735D-91A6-49AA-BA45-F14052D3D68A}"/>
+              </a:ext>
+            </a:extLst>
+          </p:cNvPr>
+          <p:cNvSpPr/>
           <p:nvPr/>
         </p:nvSpPr>
         <p:spPr>
           <a:xfrm>
-            <a:off x="624840" y="2205632"/>
-            <a:ext cx="3337560" cy="369332"/>
+            <a:off x="596348" y="1219343"/>
+            <a:ext cx="10204174" cy="400110"/>
           </a:xfrm>
           <a:prstGeom prst="rect">
             <a:avLst/>
           </a:prstGeom>
-          <a:noFill/>
-        </p:spPr>
-        <p:txBody>
-          <a:bodyPr wrap="square" rtlCol="0">
+        </p:spPr>
+        <p:txBody>
+          <a:bodyPr wrap="square">
             <a:spAutoFit/>
           </a:bodyPr>
           <a:lstStyle/>
           <a:p>
             <a:r>
-              <a:rPr lang="es-MX" b="1" dirty="0" err="1"/>
-              <a:t>Hate</a:t>
-            </a:r>
-            <a:r>
-              <a:rPr lang="es-MX" b="1" dirty="0"/>
+              <a:rPr lang="es-MX" sz="2000" b="1" dirty="0"/>
+              <a:t>3. </a:t>
+            </a:r>
+            <a:r>
+              <a:rPr lang="es-MX" sz="2000" b="1" dirty="0" err="1"/>
+              <a:t>Is</a:t>
+            </a:r>
+            <a:r>
+              <a:rPr lang="es-MX" sz="2000" b="1" dirty="0"/>
               <a:t> </a:t>
             </a:r>
             <a:r>
-              <a:rPr lang="es-MX" b="1" dirty="0" err="1"/>
-              <a:t>Crime</a:t>
-            </a:r>
-            <a:r>
-              <a:rPr lang="es-MX" b="1" dirty="0"/>
+              <a:rPr lang="es-MX" sz="2000" b="1" dirty="0" err="1"/>
+              <a:t>there</a:t>
+            </a:r>
+            <a:r>
+              <a:rPr lang="es-MX" sz="2000" b="1" dirty="0"/>
+              <a:t> a </a:t>
+            </a:r>
+            <a:r>
+              <a:rPr lang="es-MX" sz="2000" b="1" dirty="0" err="1"/>
+              <a:t>correlation</a:t>
+            </a:r>
+            <a:r>
+              <a:rPr lang="es-MX" sz="2000" b="1" dirty="0"/>
               <a:t> </a:t>
             </a:r>
             <a:r>
-              <a:rPr lang="es-MX" b="1" dirty="0" err="1"/>
-              <a:t>Dataframe</a:t>
-            </a:r>
-            <a:endParaRPr lang="en-US" b="1" dirty="0"/>
-          </a:p>
-        </p:txBody>
-      </p:sp>
-      <p:sp>
-        <p:nvSpPr>
-          <p:cNvPr id="2" name="TextBox 1">
-            <a:extLst>
-              <a:ext uri="{FF2B5EF4-FFF2-40B4-BE49-F238E27FC236}">
-                <a16:creationId xmlns:a16="http://schemas.microsoft.com/office/drawing/2014/main" id="{8D8D55A7-BCAA-4F8E-8CEB-743F62F1281B}"/>
-              </a:ext>
-            </a:extLst>
-          </p:cNvPr>
-          <p:cNvSpPr txBox="1"/>
+              <a:rPr lang="es-MX" sz="2000" b="1" dirty="0" err="1"/>
+              <a:t>between</a:t>
+            </a:r>
+            <a:r>
+              <a:rPr lang="es-MX" sz="2000" b="1" dirty="0"/>
+              <a:t> </a:t>
+            </a:r>
+            <a:r>
+              <a:rPr lang="es-MX" sz="2000" b="1" dirty="0" err="1"/>
+              <a:t>hate</a:t>
+            </a:r>
+            <a:r>
+              <a:rPr lang="es-MX" sz="2000" b="1" dirty="0"/>
+              <a:t> crime </a:t>
+            </a:r>
+            <a:r>
+              <a:rPr lang="es-MX" sz="2000" b="1" dirty="0" err="1"/>
+              <a:t>rate</a:t>
+            </a:r>
+            <a:r>
+              <a:rPr lang="es-MX" sz="2000" b="1" dirty="0"/>
+              <a:t> and </a:t>
+            </a:r>
+            <a:r>
+              <a:rPr lang="es-MX" sz="2000" b="1" dirty="0" err="1"/>
+              <a:t>foreign</a:t>
+            </a:r>
+            <a:r>
+              <a:rPr lang="es-MX" sz="2000" b="1" dirty="0"/>
+              <a:t> </a:t>
+            </a:r>
+            <a:r>
+              <a:rPr lang="es-MX" sz="2000" b="1" dirty="0" err="1"/>
+              <a:t>born</a:t>
+            </a:r>
+            <a:r>
+              <a:rPr lang="es-MX" sz="2000" b="1" dirty="0"/>
+              <a:t> </a:t>
+            </a:r>
+            <a:r>
+              <a:rPr lang="es-MX" sz="2000" b="1" dirty="0" err="1"/>
+              <a:t>population</a:t>
+            </a:r>
+            <a:r>
+              <a:rPr lang="es-MX" sz="2000" b="1" dirty="0"/>
+              <a:t> </a:t>
+            </a:r>
+            <a:r>
+              <a:rPr lang="es-MX" sz="2000" b="1" dirty="0" err="1"/>
+              <a:t>rate</a:t>
+            </a:r>
+            <a:r>
+              <a:rPr lang="es-MX" sz="2000" b="1" dirty="0"/>
+              <a:t>?</a:t>
+            </a:r>
+          </a:p>
+        </p:txBody>
+      </p:sp>
+      <p:pic>
+        <p:nvPicPr>
+          <p:cNvPr id="7" name="Picture 6" descr="A screenshot of a cell phone&#10;&#10;Description generated with very high confidence">
+            <a:extLst>
+              <a:ext uri="{FF2B5EF4-FFF2-40B4-BE49-F238E27FC236}">
+                <a16:creationId xmlns:a16="http://schemas.microsoft.com/office/drawing/2014/main" id="{8BA24F81-B51A-43D3-84B6-A3BDB2D00C99}"/>
+              </a:ext>
+            </a:extLst>
+          </p:cNvPr>
+          <p:cNvPicPr>
+            <a:picLocks noChangeAspect="1"/>
+          </p:cNvPicPr>
           <p:nvPr/>
-        </p:nvSpPr>
-        <p:spPr>
-          <a:xfrm>
-            <a:off x="624840" y="1325880"/>
-            <a:ext cx="7543800" cy="923330"/>
+        </p:nvPicPr>
+        <p:blipFill>
+          <a:blip r:embed="rId4">
+            <a:extLst>
+              <a:ext uri="{28A0092B-C50C-407E-A947-70E740481C1C}">
+                <a14:useLocalDpi xmlns:a14="http://schemas.microsoft.com/office/drawing/2010/main" val="0"/>
+              </a:ext>
+            </a:extLst>
+          </a:blip>
+          <a:stretch>
+            <a:fillRect/>
+          </a:stretch>
+        </p:blipFill>
+        <p:spPr>
+          <a:xfrm>
+            <a:off x="152400" y="2193776"/>
+            <a:ext cx="5730865" cy="3820577"/>
           </a:xfrm>
           <a:prstGeom prst="rect">
             <a:avLst/>
           </a:prstGeom>
-          <a:noFill/>
-        </p:spPr>
-        <p:txBody>
-          <a:bodyPr wrap="square" rtlCol="0">
-            <a:spAutoFit/>
-          </a:bodyPr>
-          <a:lstStyle/>
-          <a:p>
-            <a:r>
-              <a:rPr lang="es-MX" dirty="0"/>
-              <a:t>In </a:t>
-            </a:r>
-            <a:r>
-              <a:rPr lang="es-MX" dirty="0" err="1"/>
-              <a:t>this</a:t>
-            </a:r>
-            <a:r>
-              <a:rPr lang="es-MX" dirty="0"/>
-              <a:t> </a:t>
-            </a:r>
-            <a:r>
-              <a:rPr lang="es-MX" dirty="0" err="1"/>
-              <a:t>section</a:t>
-            </a:r>
-            <a:r>
-              <a:rPr lang="es-MX" dirty="0"/>
-              <a:t> </a:t>
-            </a:r>
-            <a:r>
-              <a:rPr lang="es-MX" dirty="0" err="1"/>
-              <a:t>we</a:t>
-            </a:r>
-            <a:r>
-              <a:rPr lang="es-MX" dirty="0"/>
-              <a:t> </a:t>
-            </a:r>
-            <a:r>
-              <a:rPr lang="es-MX" dirty="0" err="1"/>
-              <a:t>have</a:t>
-            </a:r>
-            <a:r>
-              <a:rPr lang="es-MX" dirty="0"/>
-              <a:t> </a:t>
-            </a:r>
-            <a:r>
-              <a:rPr lang="es-MX" dirty="0" err="1"/>
-              <a:t>to</a:t>
-            </a:r>
-            <a:r>
-              <a:rPr lang="es-MX" dirty="0"/>
-              <a:t> use </a:t>
-            </a:r>
-            <a:r>
-              <a:rPr lang="es-MX" dirty="0" err="1"/>
-              <a:t>Jupyter</a:t>
-            </a:r>
-            <a:r>
-              <a:rPr lang="es-MX" dirty="0"/>
-              <a:t> notebook </a:t>
-            </a:r>
-            <a:r>
-              <a:rPr lang="es-MX" dirty="0" err="1"/>
-              <a:t>to</a:t>
-            </a:r>
-            <a:r>
-              <a:rPr lang="es-MX" dirty="0"/>
-              <a:t> </a:t>
-            </a:r>
-            <a:r>
-              <a:rPr lang="es-MX" dirty="0" err="1"/>
-              <a:t>explain</a:t>
-            </a:r>
-            <a:r>
-              <a:rPr lang="es-MX" dirty="0"/>
-              <a:t>. </a:t>
-            </a:r>
-            <a:r>
-              <a:rPr lang="es-MX" dirty="0" err="1"/>
-              <a:t>My</a:t>
-            </a:r>
-            <a:r>
-              <a:rPr lang="es-MX" dirty="0"/>
-              <a:t> </a:t>
-            </a:r>
-            <a:r>
-              <a:rPr lang="es-MX" dirty="0" err="1"/>
-              <a:t>suggestion</a:t>
-            </a:r>
-            <a:r>
-              <a:rPr lang="es-MX" dirty="0"/>
-              <a:t> </a:t>
-            </a:r>
-            <a:r>
-              <a:rPr lang="es-MX" dirty="0" err="1"/>
-              <a:t>is</a:t>
-            </a:r>
-            <a:r>
-              <a:rPr lang="es-MX" dirty="0"/>
-              <a:t> </a:t>
-            </a:r>
-            <a:r>
-              <a:rPr lang="es-MX" dirty="0" err="1"/>
-              <a:t>to</a:t>
-            </a:r>
-            <a:r>
-              <a:rPr lang="es-MX" dirty="0"/>
-              <a:t> use a link </a:t>
-            </a:r>
-            <a:r>
-              <a:rPr lang="es-MX" dirty="0" err="1"/>
-              <a:t>to</a:t>
-            </a:r>
-            <a:r>
-              <a:rPr lang="es-MX" dirty="0"/>
-              <a:t> </a:t>
-            </a:r>
-            <a:r>
-              <a:rPr lang="es-MX" dirty="0" err="1"/>
-              <a:t>the</a:t>
-            </a:r>
-            <a:r>
-              <a:rPr lang="es-MX" dirty="0"/>
-              <a:t> actual notebooks </a:t>
-            </a:r>
-            <a:r>
-              <a:rPr lang="es-MX" dirty="0" err="1"/>
-              <a:t>instead</a:t>
-            </a:r>
-            <a:r>
-              <a:rPr lang="es-MX" dirty="0"/>
-              <a:t> </a:t>
-            </a:r>
-            <a:r>
-              <a:rPr lang="es-MX" dirty="0" err="1"/>
-              <a:t>of</a:t>
-            </a:r>
-            <a:r>
-              <a:rPr lang="es-MX" dirty="0"/>
-              <a:t> </a:t>
-            </a:r>
-            <a:r>
-              <a:rPr lang="es-MX" dirty="0" err="1"/>
-              <a:t>using</a:t>
-            </a:r>
-            <a:r>
-              <a:rPr lang="es-MX" dirty="0"/>
-              <a:t> </a:t>
-            </a:r>
-            <a:r>
-              <a:rPr lang="es-MX" dirty="0" err="1"/>
-              <a:t>images</a:t>
-            </a:r>
-            <a:r>
-              <a:rPr lang="es-MX" dirty="0"/>
-              <a:t>.</a:t>
-            </a:r>
-          </a:p>
-          <a:p>
-            <a:r>
-              <a:rPr lang="es-MX" dirty="0"/>
-              <a:t>EXAMPLE:</a:t>
-            </a:r>
-            <a:endParaRPr lang="en-US" dirty="0"/>
-          </a:p>
-        </p:txBody>
-      </p:sp>
-      <p:sp>
-        <p:nvSpPr>
-          <p:cNvPr id="16" name="TextBox 15">
-            <a:hlinkClick r:id="rId4"/>
-            <a:extLst>
-              <a:ext uri="{FF2B5EF4-FFF2-40B4-BE49-F238E27FC236}">
-                <a16:creationId xmlns:a16="http://schemas.microsoft.com/office/drawing/2014/main" id="{6B7F9E51-1DAE-42D7-8D76-528B32A3B7F2}"/>
-              </a:ext>
-            </a:extLst>
-          </p:cNvPr>
-          <p:cNvSpPr txBox="1"/>
+        </p:spPr>
+      </p:pic>
+      <p:pic>
+        <p:nvPicPr>
+          <p:cNvPr id="20" name="Picture 19" descr="A close up of a map&#10;&#10;Description generated with high confidence">
+            <a:extLst>
+              <a:ext uri="{FF2B5EF4-FFF2-40B4-BE49-F238E27FC236}">
+                <a16:creationId xmlns:a16="http://schemas.microsoft.com/office/drawing/2014/main" id="{179CCCAA-99B7-4163-AEC6-47A0D73F8A41}"/>
+              </a:ext>
+            </a:extLst>
+          </p:cNvPr>
+          <p:cNvPicPr>
+            <a:picLocks noChangeAspect="1"/>
+          </p:cNvPicPr>
           <p:nvPr/>
-        </p:nvSpPr>
-        <p:spPr>
-          <a:xfrm>
-            <a:off x="624840" y="2574964"/>
-            <a:ext cx="3337560" cy="369332"/>
+        </p:nvPicPr>
+        <p:blipFill>
+          <a:blip r:embed="rId5">
+            <a:extLst>
+              <a:ext uri="{28A0092B-C50C-407E-A947-70E740481C1C}">
+                <a14:useLocalDpi xmlns:a14="http://schemas.microsoft.com/office/drawing/2010/main" val="0"/>
+              </a:ext>
+            </a:extLst>
+          </a:blip>
+          <a:stretch>
+            <a:fillRect/>
+          </a:stretch>
+        </p:blipFill>
+        <p:spPr>
+          <a:xfrm>
+            <a:off x="6095999" y="2193777"/>
+            <a:ext cx="5730865" cy="3820576"/>
           </a:xfrm>
           <a:prstGeom prst="rect">
             <a:avLst/>
           </a:prstGeom>
-          <a:noFill/>
-        </p:spPr>
-        <p:txBody>
-          <a:bodyPr wrap="square" rtlCol="0">
-            <a:spAutoFit/>
-          </a:bodyPr>
-          <a:lstStyle/>
-          <a:p>
-            <a:r>
-              <a:rPr lang="es-MX" b="1" dirty="0"/>
-              <a:t>NPR </a:t>
-            </a:r>
-            <a:r>
-              <a:rPr lang="es-MX" b="1" dirty="0" err="1"/>
-              <a:t>Stations</a:t>
-            </a:r>
-            <a:r>
-              <a:rPr lang="es-MX" b="1" dirty="0"/>
-              <a:t> </a:t>
-            </a:r>
-            <a:r>
-              <a:rPr lang="es-MX" b="1" dirty="0" err="1"/>
-              <a:t>Dataframe</a:t>
-            </a:r>
-            <a:endParaRPr lang="en-US" b="1" dirty="0"/>
-          </a:p>
-        </p:txBody>
-      </p:sp>
-      <p:sp>
-        <p:nvSpPr>
-          <p:cNvPr id="17" name="TextBox 16">
-            <a:hlinkClick r:id="rId4"/>
-            <a:extLst>
-              <a:ext uri="{FF2B5EF4-FFF2-40B4-BE49-F238E27FC236}">
-                <a16:creationId xmlns:a16="http://schemas.microsoft.com/office/drawing/2014/main" id="{21B1553C-F898-41B8-95C7-FB20BFDBE4AA}"/>
-              </a:ext>
-            </a:extLst>
-          </p:cNvPr>
-          <p:cNvSpPr txBox="1"/>
-          <p:nvPr/>
-        </p:nvSpPr>
-        <p:spPr>
-          <a:xfrm>
-            <a:off x="624840" y="2944296"/>
-            <a:ext cx="3337560" cy="369332"/>
-          </a:xfrm>
-          <a:prstGeom prst="rect">
-            <a:avLst/>
-          </a:prstGeom>
-          <a:noFill/>
-        </p:spPr>
-        <p:txBody>
-          <a:bodyPr wrap="square" rtlCol="0">
-            <a:spAutoFit/>
-          </a:bodyPr>
-          <a:lstStyle/>
-          <a:p>
-            <a:r>
-              <a:rPr lang="es-MX" b="1" dirty="0" err="1"/>
-              <a:t>Census</a:t>
-            </a:r>
-            <a:r>
-              <a:rPr lang="es-MX" b="1" dirty="0"/>
-              <a:t> </a:t>
-            </a:r>
-            <a:r>
-              <a:rPr lang="es-MX" b="1" dirty="0" err="1"/>
-              <a:t>Dataframe</a:t>
-            </a:r>
-            <a:endParaRPr lang="en-US" b="1" dirty="0"/>
-          </a:p>
-        </p:txBody>
-      </p:sp>
+        </p:spPr>
+      </p:pic>
     </p:spTree>
     <p:extLst>
       <p:ext uri="{BB962C8B-B14F-4D97-AF65-F5344CB8AC3E}">
-        <p14:creationId xmlns:p14="http://schemas.microsoft.com/office/powerpoint/2010/main" val="464405426"/>
+        <p14:creationId xmlns:p14="http://schemas.microsoft.com/office/powerpoint/2010/main" val="1510258183"/>
       </p:ext>
     </p:extLst>
   </p:cSld>
@@ -6923,18 +7546,6 @@
               </a:rPr>
               <a:t>Analysis</a:t>
             </a:r>
-            <a:r>
-              <a:rPr lang="es-MX" sz="4000" b="1" dirty="0">
-                <a:latin typeface="Verdana Pro" panose="020B0604020202020204" pitchFamily="34" charset="0"/>
-              </a:rPr>
-              <a:t> </a:t>
-            </a:r>
-            <a:r>
-              <a:rPr lang="es-MX" sz="4000" b="1" dirty="0" err="1">
-                <a:latin typeface="Verdana Pro" panose="020B0604020202020204" pitchFamily="34" charset="0"/>
-              </a:rPr>
-              <a:t>Process</a:t>
-            </a:r>
             <a:endParaRPr lang="en-US" sz="4000" b="1" dirty="0">
               <a:latin typeface="Verdana Pro" panose="020B0604020202020204" pitchFamily="34" charset="0"/>
             </a:endParaRPr>
@@ -7303,10 +7914,10 @@
       </p:sp>
       <p:sp>
         <p:nvSpPr>
-          <p:cNvPr id="5" name="Rectangle 4">
-            <a:extLst>
-              <a:ext uri="{FF2B5EF4-FFF2-40B4-BE49-F238E27FC236}">
-                <a16:creationId xmlns:a16="http://schemas.microsoft.com/office/drawing/2014/main" id="{0FA70B1F-2891-4CF6-AD1D-1657F1786E5C}"/>
+          <p:cNvPr id="2" name="Rectangle 1">
+            <a:extLst>
+              <a:ext uri="{FF2B5EF4-FFF2-40B4-BE49-F238E27FC236}">
+                <a16:creationId xmlns:a16="http://schemas.microsoft.com/office/drawing/2014/main" id="{53F3735D-91A6-49AA-BA45-F14052D3D68A}"/>
               </a:ext>
             </a:extLst>
           </p:cNvPr>
@@ -7315,8 +7926,8 @@
         </p:nvSpPr>
         <p:spPr>
           <a:xfrm>
-            <a:off x="502920" y="1030516"/>
-            <a:ext cx="11231880" cy="1477328"/>
+            <a:off x="596348" y="1219343"/>
+            <a:ext cx="10204174" cy="400110"/>
           </a:xfrm>
           <a:prstGeom prst="rect">
             <a:avLst/>
@@ -7329,569 +7940,168 @@
           <a:lstStyle/>
           <a:p>
             <a:r>
-              <a:rPr lang="es-MX" dirty="0" err="1"/>
-              <a:t>We</a:t>
-            </a:r>
-            <a:r>
-              <a:rPr lang="es-MX" dirty="0"/>
+              <a:rPr lang="es-MX" sz="2000" b="1" dirty="0"/>
+              <a:t>3. </a:t>
+            </a:r>
+            <a:r>
+              <a:rPr lang="es-MX" sz="2000" b="1" dirty="0" err="1"/>
+              <a:t>Is</a:t>
+            </a:r>
+            <a:r>
+              <a:rPr lang="es-MX" sz="2000" b="1" dirty="0"/>
               <a:t> </a:t>
             </a:r>
             <a:r>
-              <a:rPr lang="es-MX" dirty="0" err="1"/>
-              <a:t>have</a:t>
-            </a:r>
-            <a:r>
-              <a:rPr lang="es-MX" dirty="0"/>
+              <a:rPr lang="es-MX" sz="2000" b="1" dirty="0" err="1"/>
+              <a:t>there</a:t>
+            </a:r>
+            <a:r>
+              <a:rPr lang="es-MX" sz="2000" b="1" dirty="0"/>
+              <a:t> a </a:t>
+            </a:r>
+            <a:r>
+              <a:rPr lang="es-MX" sz="2000" b="1" dirty="0" err="1"/>
+              <a:t>correlation</a:t>
+            </a:r>
+            <a:r>
+              <a:rPr lang="es-MX" sz="2000" b="1" dirty="0"/>
               <a:t> </a:t>
             </a:r>
             <a:r>
-              <a:rPr lang="es-MX" dirty="0" err="1"/>
-              <a:t>to</a:t>
-            </a:r>
-            <a:r>
-              <a:rPr lang="es-MX" dirty="0"/>
-              <a:t> use </a:t>
-            </a:r>
-            <a:r>
-              <a:rPr lang="es-MX" dirty="0" err="1"/>
-              <a:t>again</a:t>
-            </a:r>
-            <a:r>
-              <a:rPr lang="es-MX" dirty="0"/>
+              <a:rPr lang="es-MX" sz="2000" b="1" dirty="0" err="1"/>
+              <a:t>between</a:t>
+            </a:r>
+            <a:r>
+              <a:rPr lang="es-MX" sz="2000" b="1" dirty="0"/>
               <a:t> </a:t>
             </a:r>
             <a:r>
-              <a:rPr lang="es-MX" dirty="0" err="1"/>
-              <a:t>our</a:t>
-            </a:r>
-            <a:r>
-              <a:rPr lang="es-MX" dirty="0"/>
+              <a:rPr lang="es-MX" sz="2000" b="1" dirty="0" err="1"/>
+              <a:t>hate</a:t>
+            </a:r>
+            <a:r>
+              <a:rPr lang="es-MX" sz="2000" b="1" dirty="0"/>
+              <a:t> crime </a:t>
+            </a:r>
+            <a:r>
+              <a:rPr lang="es-MX" sz="2000" b="1" dirty="0" err="1"/>
+              <a:t>rate</a:t>
+            </a:r>
+            <a:r>
+              <a:rPr lang="es-MX" sz="2000" b="1" dirty="0"/>
+              <a:t> and </a:t>
+            </a:r>
+            <a:r>
+              <a:rPr lang="es-MX" sz="2000" b="1" dirty="0" err="1"/>
+              <a:t>foreign</a:t>
+            </a:r>
+            <a:r>
+              <a:rPr lang="es-MX" sz="2000" b="1" dirty="0"/>
               <a:t> </a:t>
             </a:r>
             <a:r>
-              <a:rPr lang="es-MX" dirty="0" err="1"/>
-              <a:t>Jupyter</a:t>
-            </a:r>
-            <a:r>
-              <a:rPr lang="es-MX" dirty="0"/>
-              <a:t> Notebooks in </a:t>
-            </a:r>
-            <a:r>
-              <a:rPr lang="es-MX" dirty="0" err="1"/>
-              <a:t>this</a:t>
-            </a:r>
-            <a:r>
-              <a:rPr lang="es-MX" dirty="0"/>
+              <a:rPr lang="es-MX" sz="2000" b="1" dirty="0" err="1"/>
+              <a:t>born</a:t>
+            </a:r>
+            <a:r>
+              <a:rPr lang="es-MX" sz="2000" b="1" dirty="0"/>
               <a:t> </a:t>
             </a:r>
             <a:r>
-              <a:rPr lang="es-MX" dirty="0" err="1"/>
-              <a:t>section</a:t>
-            </a:r>
-            <a:r>
-              <a:rPr lang="es-MX" dirty="0"/>
-              <a:t> (</a:t>
-            </a:r>
-            <a:r>
-              <a:rPr lang="es-MX" dirty="0" err="1"/>
-              <a:t>not</a:t>
-            </a:r>
-            <a:r>
-              <a:rPr lang="es-MX" dirty="0"/>
+              <a:rPr lang="es-MX" sz="2000" b="1" dirty="0" err="1"/>
+              <a:t>population</a:t>
+            </a:r>
+            <a:r>
+              <a:rPr lang="es-MX" sz="2000" b="1" dirty="0"/>
               <a:t> </a:t>
             </a:r>
             <a:r>
-              <a:rPr lang="es-MX" dirty="0" err="1"/>
-              <a:t>sure</a:t>
-            </a:r>
-            <a:r>
-              <a:rPr lang="es-MX" dirty="0"/>
-              <a:t> </a:t>
-            </a:r>
-            <a:r>
-              <a:rPr lang="es-MX" dirty="0" err="1"/>
-              <a:t>what</a:t>
-            </a:r>
-            <a:r>
-              <a:rPr lang="es-MX" dirty="0"/>
-              <a:t> </a:t>
-            </a:r>
-            <a:r>
-              <a:rPr lang="es-MX" dirty="0" err="1"/>
-              <a:t>exactly</a:t>
-            </a:r>
-            <a:r>
-              <a:rPr lang="es-MX" dirty="0"/>
-              <a:t> </a:t>
-            </a:r>
-            <a:r>
-              <a:rPr lang="es-MX" dirty="0" err="1"/>
-              <a:t>we</a:t>
-            </a:r>
-            <a:r>
-              <a:rPr lang="es-MX" dirty="0"/>
-              <a:t> </a:t>
-            </a:r>
-            <a:r>
-              <a:rPr lang="es-MX" dirty="0" err="1"/>
-              <a:t>have</a:t>
-            </a:r>
-            <a:r>
-              <a:rPr lang="es-MX" dirty="0"/>
-              <a:t> </a:t>
-            </a:r>
-            <a:r>
-              <a:rPr lang="es-MX" dirty="0" err="1"/>
-              <a:t>to</a:t>
-            </a:r>
-            <a:r>
-              <a:rPr lang="es-MX" dirty="0"/>
-              <a:t> </a:t>
-            </a:r>
-            <a:r>
-              <a:rPr lang="es-MX" dirty="0" err="1"/>
-              <a:t>explain</a:t>
-            </a:r>
-            <a:r>
-              <a:rPr lang="es-MX" dirty="0"/>
-              <a:t> </a:t>
-            </a:r>
-            <a:r>
-              <a:rPr lang="es-MX" dirty="0" err="1"/>
-              <a:t>here</a:t>
-            </a:r>
-            <a:r>
-              <a:rPr lang="es-MX" dirty="0"/>
-              <a:t>)</a:t>
-            </a:r>
-          </a:p>
-          <a:p>
-            <a:endParaRPr lang="es-MX" dirty="0"/>
-          </a:p>
-          <a:p>
-            <a:endParaRPr lang="es-MX" dirty="0"/>
-          </a:p>
-          <a:p>
-            <a:endParaRPr lang="es-MX" dirty="0"/>
-          </a:p>
-          <a:p>
-            <a:r>
-              <a:rPr lang="es-MX" dirty="0" err="1"/>
-              <a:t>These</a:t>
-            </a:r>
-            <a:r>
-              <a:rPr lang="es-MX" dirty="0"/>
-              <a:t> are </a:t>
-            </a:r>
-            <a:r>
-              <a:rPr lang="es-MX" dirty="0" err="1"/>
-              <a:t>the</a:t>
-            </a:r>
-            <a:r>
-              <a:rPr lang="es-MX" dirty="0"/>
-              <a:t> </a:t>
-            </a:r>
-            <a:r>
-              <a:rPr lang="es-MX" dirty="0" err="1"/>
-              <a:t>last</a:t>
-            </a:r>
-            <a:r>
-              <a:rPr lang="es-MX" dirty="0"/>
-              <a:t> 3 </a:t>
-            </a:r>
-            <a:r>
-              <a:rPr lang="es-MX" dirty="0" err="1"/>
-              <a:t>points</a:t>
-            </a:r>
-            <a:r>
-              <a:rPr lang="es-MX" dirty="0"/>
-              <a:t> </a:t>
-            </a:r>
-            <a:r>
-              <a:rPr lang="es-MX" dirty="0" err="1"/>
-              <a:t>mentioned</a:t>
-            </a:r>
-            <a:r>
-              <a:rPr lang="es-MX" dirty="0"/>
-              <a:t> in </a:t>
-            </a:r>
-            <a:r>
-              <a:rPr lang="es-MX" dirty="0" err="1"/>
-              <a:t>the</a:t>
-            </a:r>
-            <a:r>
-              <a:rPr lang="es-MX" dirty="0"/>
-              <a:t> </a:t>
-            </a:r>
-            <a:r>
-              <a:rPr lang="es-MX" dirty="0" err="1"/>
-              <a:t>instructions</a:t>
-            </a:r>
-            <a:r>
-              <a:rPr lang="es-MX" dirty="0"/>
-              <a:t> </a:t>
-            </a:r>
-            <a:r>
-              <a:rPr lang="es-MX" dirty="0" err="1"/>
-              <a:t>provided</a:t>
-            </a:r>
-            <a:r>
-              <a:rPr lang="es-MX" dirty="0"/>
-              <a:t> </a:t>
-            </a:r>
-            <a:r>
-              <a:rPr lang="es-MX" dirty="0" err="1"/>
-              <a:t>by</a:t>
-            </a:r>
-            <a:r>
-              <a:rPr lang="es-MX" dirty="0"/>
-              <a:t> </a:t>
-            </a:r>
-            <a:r>
-              <a:rPr lang="es-MX" dirty="0" err="1"/>
-              <a:t>the</a:t>
-            </a:r>
-            <a:r>
-              <a:rPr lang="es-MX" dirty="0"/>
-              <a:t> </a:t>
-            </a:r>
-            <a:r>
-              <a:rPr lang="es-MX" dirty="0" err="1"/>
-              <a:t>TA’s</a:t>
-            </a:r>
-            <a:r>
-              <a:rPr lang="es-MX" dirty="0"/>
-              <a:t>:</a:t>
-            </a:r>
-            <a:endParaRPr lang="en-US" dirty="0"/>
-          </a:p>
-        </p:txBody>
-      </p:sp>
-      <p:sp>
-        <p:nvSpPr>
-          <p:cNvPr id="14" name="Rectangle 13">
-            <a:extLst>
-              <a:ext uri="{FF2B5EF4-FFF2-40B4-BE49-F238E27FC236}">
-                <a16:creationId xmlns:a16="http://schemas.microsoft.com/office/drawing/2014/main" id="{D98C1B47-8305-4289-A050-E48CE10BAAD9}"/>
-              </a:ext>
-            </a:extLst>
-          </p:cNvPr>
-          <p:cNvSpPr/>
+              <a:rPr lang="es-MX" sz="2000" b="1" dirty="0" err="1"/>
+              <a:t>rate</a:t>
+            </a:r>
+            <a:r>
+              <a:rPr lang="es-MX" sz="2000" b="1" dirty="0"/>
+              <a:t>?</a:t>
+            </a:r>
+          </a:p>
+        </p:txBody>
+      </p:sp>
+      <p:pic>
+        <p:nvPicPr>
+          <p:cNvPr id="17" name="Picture 16" descr="A close up of a map&#10;&#10;Description generated with very high confidence">
+            <a:extLst>
+              <a:ext uri="{FF2B5EF4-FFF2-40B4-BE49-F238E27FC236}">
+                <a16:creationId xmlns:a16="http://schemas.microsoft.com/office/drawing/2014/main" id="{7E1800FE-C554-4A7E-846A-46E2E77D9E01}"/>
+              </a:ext>
+            </a:extLst>
+          </p:cNvPr>
+          <p:cNvPicPr>
+            <a:picLocks noChangeAspect="1"/>
+          </p:cNvPicPr>
           <p:nvPr/>
-        </p:nvSpPr>
-        <p:spPr>
-          <a:xfrm>
-            <a:off x="1786890" y="2595826"/>
-            <a:ext cx="6096000" cy="1323439"/>
+        </p:nvPicPr>
+        <p:blipFill>
+          <a:blip r:embed="rId4">
+            <a:extLst>
+              <a:ext uri="{28A0092B-C50C-407E-A947-70E740481C1C}">
+                <a14:useLocalDpi xmlns:a14="http://schemas.microsoft.com/office/drawing/2010/main" val="0"/>
+              </a:ext>
+            </a:extLst>
+          </a:blip>
+          <a:stretch>
+            <a:fillRect/>
+          </a:stretch>
+        </p:blipFill>
+        <p:spPr>
+          <a:xfrm>
+            <a:off x="211031" y="2270694"/>
+            <a:ext cx="5619926" cy="3746617"/>
           </a:xfrm>
           <a:prstGeom prst="rect">
             <a:avLst/>
           </a:prstGeom>
         </p:spPr>
-        <p:txBody>
-          <a:bodyPr>
-            <a:spAutoFit/>
-          </a:bodyPr>
-          <a:lstStyle/>
-          <a:p>
-            <a:pPr marL="285750" lvl="3" indent="-285750">
-              <a:buFont typeface="Arial" panose="020B0604020202020204" pitchFamily="34" charset="0"/>
-              <a:buChar char="•"/>
-            </a:pPr>
-            <a:r>
-              <a:rPr lang="en-US" sz="1600" dirty="0"/>
-              <a:t>The analysis process (accompanied by your </a:t>
-            </a:r>
-            <a:r>
-              <a:rPr lang="en-US" sz="1600" dirty="0" err="1"/>
-              <a:t>Jupyter</a:t>
-            </a:r>
-            <a:r>
-              <a:rPr lang="en-US" sz="1600" dirty="0"/>
-              <a:t> Notebook)</a:t>
-            </a:r>
-          </a:p>
-          <a:p>
-            <a:pPr marL="285750" lvl="3" indent="-285750">
-              <a:buFont typeface="Arial" panose="020B0604020202020204" pitchFamily="34" charset="0"/>
-              <a:buChar char="•"/>
-            </a:pPr>
-            <a:r>
-              <a:rPr lang="en-US" sz="1600" dirty="0"/>
-              <a:t>Your conclusions. This should include a numerical summary as well as visualizations of that summary</a:t>
-            </a:r>
-          </a:p>
-          <a:p>
-            <a:pPr marL="285750" lvl="3" indent="-285750">
-              <a:buFont typeface="Arial" panose="020B0604020202020204" pitchFamily="34" charset="0"/>
-              <a:buChar char="•"/>
-            </a:pPr>
-            <a:r>
-              <a:rPr lang="en-US" sz="1600" dirty="0"/>
-              <a:t>Discuss the implications of your findings. This is where you get to have an open-ended discussion about what your findings "mean".</a:t>
-            </a:r>
-          </a:p>
-        </p:txBody>
-      </p:sp>
-      <p:sp>
-        <p:nvSpPr>
-          <p:cNvPr id="15" name="Rectangle 14">
-            <a:extLst>
-              <a:ext uri="{FF2B5EF4-FFF2-40B4-BE49-F238E27FC236}">
-                <a16:creationId xmlns:a16="http://schemas.microsoft.com/office/drawing/2014/main" id="{074D4F3D-77ED-4DB7-B186-58C9C272A7C8}"/>
-              </a:ext>
-            </a:extLst>
-          </p:cNvPr>
-          <p:cNvSpPr/>
+      </p:pic>
+      <p:pic>
+        <p:nvPicPr>
+          <p:cNvPr id="14" name="Picture 13" descr="A close up of a map&#10;&#10;Description generated with very high confidence">
+            <a:extLst>
+              <a:ext uri="{FF2B5EF4-FFF2-40B4-BE49-F238E27FC236}">
+                <a16:creationId xmlns:a16="http://schemas.microsoft.com/office/drawing/2014/main" id="{B929B4F6-5D06-4D7B-B82E-F5FB282A9442}"/>
+              </a:ext>
+            </a:extLst>
+          </p:cNvPr>
+          <p:cNvPicPr>
+            <a:picLocks noChangeAspect="1"/>
+          </p:cNvPicPr>
           <p:nvPr/>
-        </p:nvSpPr>
-        <p:spPr>
-          <a:xfrm>
-            <a:off x="601980" y="4165982"/>
-            <a:ext cx="9410700" cy="923330"/>
+        </p:nvPicPr>
+        <p:blipFill>
+          <a:blip r:embed="rId5">
+            <a:extLst>
+              <a:ext uri="{28A0092B-C50C-407E-A947-70E740481C1C}">
+                <a14:useLocalDpi xmlns:a14="http://schemas.microsoft.com/office/drawing/2010/main" val="0"/>
+              </a:ext>
+            </a:extLst>
+          </a:blip>
+          <a:stretch>
+            <a:fillRect/>
+          </a:stretch>
+        </p:blipFill>
+        <p:spPr>
+          <a:xfrm>
+            <a:off x="6073140" y="2270694"/>
+            <a:ext cx="5619926" cy="3746617"/>
           </a:xfrm>
           <a:prstGeom prst="rect">
             <a:avLst/>
           </a:prstGeom>
         </p:spPr>
-        <p:txBody>
-          <a:bodyPr wrap="square">
-            <a:spAutoFit/>
-          </a:bodyPr>
-          <a:lstStyle/>
-          <a:p>
-            <a:r>
-              <a:rPr lang="es-MX" dirty="0"/>
-              <a:t>I </a:t>
-            </a:r>
-            <a:r>
-              <a:rPr lang="es-MX" dirty="0" err="1"/>
-              <a:t>guess</a:t>
-            </a:r>
-            <a:r>
-              <a:rPr lang="es-MX" dirty="0"/>
-              <a:t> in </a:t>
-            </a:r>
-            <a:r>
-              <a:rPr lang="es-MX" dirty="0" err="1"/>
-              <a:t>this</a:t>
-            </a:r>
-            <a:r>
-              <a:rPr lang="es-MX" dirty="0"/>
-              <a:t> </a:t>
-            </a:r>
-            <a:r>
-              <a:rPr lang="es-MX" dirty="0" err="1"/>
-              <a:t>section</a:t>
-            </a:r>
-            <a:r>
-              <a:rPr lang="es-MX" dirty="0"/>
-              <a:t> </a:t>
-            </a:r>
-            <a:r>
-              <a:rPr lang="es-MX" dirty="0" err="1"/>
-              <a:t>we</a:t>
-            </a:r>
-            <a:r>
-              <a:rPr lang="es-MX" dirty="0"/>
-              <a:t> can </a:t>
-            </a:r>
-            <a:r>
-              <a:rPr lang="es-MX" dirty="0" err="1"/>
-              <a:t>just</a:t>
-            </a:r>
-            <a:r>
-              <a:rPr lang="es-MX" dirty="0"/>
-              <a:t> </a:t>
-            </a:r>
-            <a:r>
-              <a:rPr lang="es-MX" dirty="0" err="1"/>
-              <a:t>explain</a:t>
-            </a:r>
-            <a:r>
-              <a:rPr lang="es-MX" dirty="0"/>
-              <a:t> </a:t>
-            </a:r>
-            <a:r>
-              <a:rPr lang="es-MX" dirty="0" err="1"/>
-              <a:t>what</a:t>
-            </a:r>
-            <a:r>
-              <a:rPr lang="es-MX" dirty="0"/>
-              <a:t> </a:t>
-            </a:r>
-            <a:r>
-              <a:rPr lang="es-MX" dirty="0" err="1"/>
-              <a:t>strategy</a:t>
-            </a:r>
-            <a:r>
-              <a:rPr lang="es-MX" dirty="0"/>
-              <a:t> </a:t>
-            </a:r>
-            <a:r>
-              <a:rPr lang="es-MX" dirty="0" err="1"/>
-              <a:t>we</a:t>
-            </a:r>
-            <a:r>
-              <a:rPr lang="es-MX" dirty="0"/>
-              <a:t> </a:t>
-            </a:r>
-            <a:r>
-              <a:rPr lang="es-MX" dirty="0" err="1"/>
-              <a:t>followed</a:t>
-            </a:r>
-            <a:r>
-              <a:rPr lang="es-MX" dirty="0"/>
-              <a:t> </a:t>
-            </a:r>
-            <a:r>
-              <a:rPr lang="es-MX" dirty="0" err="1"/>
-              <a:t>for</a:t>
-            </a:r>
-            <a:r>
-              <a:rPr lang="es-MX" dirty="0"/>
-              <a:t> </a:t>
-            </a:r>
-            <a:r>
-              <a:rPr lang="es-MX" dirty="0" err="1"/>
-              <a:t>our</a:t>
-            </a:r>
-            <a:r>
-              <a:rPr lang="es-MX" dirty="0"/>
-              <a:t> </a:t>
-            </a:r>
-            <a:r>
-              <a:rPr lang="es-MX" dirty="0" err="1"/>
-              <a:t>analysis</a:t>
-            </a:r>
-            <a:r>
-              <a:rPr lang="es-MX" dirty="0"/>
-              <a:t>, and in </a:t>
-            </a:r>
-            <a:r>
-              <a:rPr lang="es-MX" dirty="0" err="1"/>
-              <a:t>Conclusions</a:t>
-            </a:r>
-            <a:r>
-              <a:rPr lang="es-MX" dirty="0"/>
-              <a:t>/</a:t>
-            </a:r>
-            <a:r>
-              <a:rPr lang="es-MX" dirty="0" err="1"/>
-              <a:t>Findings</a:t>
-            </a:r>
-            <a:r>
-              <a:rPr lang="es-MX" dirty="0"/>
-              <a:t> </a:t>
-            </a:r>
-            <a:r>
-              <a:rPr lang="es-MX" dirty="0" err="1"/>
-              <a:t>section</a:t>
-            </a:r>
-            <a:r>
-              <a:rPr lang="es-MX" dirty="0"/>
-              <a:t> </a:t>
-            </a:r>
-            <a:r>
-              <a:rPr lang="es-MX" dirty="0" err="1"/>
-              <a:t>we</a:t>
-            </a:r>
-            <a:r>
-              <a:rPr lang="es-MX" dirty="0"/>
-              <a:t> can </a:t>
-            </a:r>
-            <a:r>
-              <a:rPr lang="es-MX" dirty="0" err="1"/>
-              <a:t>answer</a:t>
-            </a:r>
-            <a:r>
-              <a:rPr lang="es-MX" dirty="0"/>
-              <a:t> </a:t>
-            </a:r>
-            <a:r>
-              <a:rPr lang="es-MX" dirty="0" err="1"/>
-              <a:t>the</a:t>
-            </a:r>
-            <a:r>
-              <a:rPr lang="es-MX" dirty="0"/>
-              <a:t> </a:t>
-            </a:r>
-            <a:r>
-              <a:rPr lang="es-MX" b="1" dirty="0" err="1"/>
-              <a:t>Questions</a:t>
-            </a:r>
-            <a:r>
-              <a:rPr lang="es-MX" b="1" dirty="0"/>
-              <a:t> </a:t>
-            </a:r>
-            <a:r>
-              <a:rPr lang="es-MX" b="1" dirty="0" err="1"/>
-              <a:t>to</a:t>
-            </a:r>
-            <a:r>
-              <a:rPr lang="es-MX" b="1" dirty="0"/>
-              <a:t> be </a:t>
-            </a:r>
-            <a:r>
-              <a:rPr lang="es-MX" b="1" dirty="0" err="1"/>
-              <a:t>asked</a:t>
-            </a:r>
-            <a:r>
-              <a:rPr lang="es-MX" b="1" dirty="0"/>
-              <a:t>  </a:t>
-            </a:r>
-            <a:r>
-              <a:rPr lang="es-MX" dirty="0"/>
-              <a:t>and </a:t>
-            </a:r>
-            <a:r>
-              <a:rPr lang="es-MX" dirty="0" err="1"/>
-              <a:t>include</a:t>
-            </a:r>
-            <a:r>
-              <a:rPr lang="es-MX" dirty="0"/>
-              <a:t> </a:t>
-            </a:r>
-            <a:r>
-              <a:rPr lang="es-MX" dirty="0" err="1"/>
-              <a:t>our</a:t>
-            </a:r>
-            <a:r>
-              <a:rPr lang="es-MX" dirty="0"/>
-              <a:t> </a:t>
-            </a:r>
-            <a:r>
-              <a:rPr lang="es-MX" dirty="0" err="1"/>
-              <a:t>graphs</a:t>
-            </a:r>
-            <a:r>
-              <a:rPr lang="es-MX" dirty="0"/>
-              <a:t> in </a:t>
-            </a:r>
-            <a:r>
-              <a:rPr lang="es-MX" dirty="0" err="1"/>
-              <a:t>those</a:t>
-            </a:r>
-            <a:r>
-              <a:rPr lang="es-MX" dirty="0"/>
-              <a:t> </a:t>
-            </a:r>
-            <a:r>
-              <a:rPr lang="es-MX" dirty="0" err="1"/>
-              <a:t>answers</a:t>
-            </a:r>
-            <a:r>
-              <a:rPr lang="es-MX" dirty="0"/>
-              <a:t>.</a:t>
-            </a:r>
-            <a:endParaRPr lang="en-US" b="1" dirty="0"/>
-          </a:p>
-        </p:txBody>
-      </p:sp>
+      </p:pic>
     </p:spTree>
     <p:extLst>
       <p:ext uri="{BB962C8B-B14F-4D97-AF65-F5344CB8AC3E}">
-        <p14:creationId xmlns:p14="http://schemas.microsoft.com/office/powerpoint/2010/main" val="1510258183"/>
+        <p14:creationId xmlns:p14="http://schemas.microsoft.com/office/powerpoint/2010/main" val="3744132021"/>
       </p:ext>
     </p:extLst>
   </p:cSld>
@@ -7950,7 +8160,7 @@
               <a:rPr lang="es-MX" sz="4000" b="1" dirty="0" err="1">
                 <a:latin typeface="Verdana Pro" panose="020B0604020202020204" pitchFamily="34" charset="0"/>
               </a:rPr>
-              <a:t>Conclusions</a:t>
+              <a:t>Analysis</a:t>
             </a:r>
             <a:endParaRPr lang="en-US" sz="4000" b="1" dirty="0">
               <a:latin typeface="Verdana Pro" panose="020B0604020202020204" pitchFamily="34" charset="0"/>
@@ -8320,10 +8530,10 @@
       </p:sp>
       <p:sp>
         <p:nvSpPr>
-          <p:cNvPr id="14" name="Rectangle 13">
-            <a:extLst>
-              <a:ext uri="{FF2B5EF4-FFF2-40B4-BE49-F238E27FC236}">
-                <a16:creationId xmlns:a16="http://schemas.microsoft.com/office/drawing/2014/main" id="{8B00E793-3E51-4A8D-ABD5-FB3F0CDF0DF9}"/>
+          <p:cNvPr id="2" name="Rectangle 1">
+            <a:extLst>
+              <a:ext uri="{FF2B5EF4-FFF2-40B4-BE49-F238E27FC236}">
+                <a16:creationId xmlns:a16="http://schemas.microsoft.com/office/drawing/2014/main" id="{53F3735D-91A6-49AA-BA45-F14052D3D68A}"/>
               </a:ext>
             </a:extLst>
           </p:cNvPr>
@@ -8332,8 +8542,8 @@
         </p:nvSpPr>
         <p:spPr>
           <a:xfrm>
-            <a:off x="396240" y="1366480"/>
-            <a:ext cx="11353800" cy="923330"/>
+            <a:off x="596348" y="1219343"/>
+            <a:ext cx="10204174" cy="400110"/>
           </a:xfrm>
           <a:prstGeom prst="rect">
             <a:avLst/>
@@ -8345,337 +8555,169 @@
           </a:bodyPr>
           <a:lstStyle/>
           <a:p>
-            <a:pPr marL="342900" indent="-342900">
-              <a:buAutoNum type="arabicPeriod"/>
-            </a:pPr>
-            <a:r>
-              <a:rPr lang="es-MX" b="1" dirty="0" err="1"/>
+            <a:r>
+              <a:rPr lang="es-MX" sz="2000" b="1" dirty="0"/>
+              <a:t>3. </a:t>
+            </a:r>
+            <a:r>
+              <a:rPr lang="es-MX" sz="2000" b="1" dirty="0" err="1"/>
               <a:t>Is</a:t>
             </a:r>
             <a:r>
-              <a:rPr lang="es-MX" b="1" dirty="0"/>
+              <a:rPr lang="es-MX" sz="2000" b="1" dirty="0"/>
               <a:t> </a:t>
             </a:r>
             <a:r>
-              <a:rPr lang="es-MX" b="1" dirty="0" err="1"/>
+              <a:rPr lang="es-MX" sz="2000" b="1" dirty="0" err="1"/>
               <a:t>there</a:t>
             </a:r>
             <a:r>
-              <a:rPr lang="es-MX" b="1" dirty="0"/>
+              <a:rPr lang="es-MX" sz="2000" b="1" dirty="0"/>
               <a:t> a </a:t>
             </a:r>
             <a:r>
-              <a:rPr lang="es-MX" b="1" dirty="0" err="1"/>
+              <a:rPr lang="es-MX" sz="2000" b="1" dirty="0" err="1"/>
               <a:t>correlation</a:t>
             </a:r>
             <a:r>
-              <a:rPr lang="es-MX" b="1" dirty="0"/>
+              <a:rPr lang="es-MX" sz="2000" b="1" dirty="0"/>
               <a:t> </a:t>
             </a:r>
             <a:r>
-              <a:rPr lang="es-MX" b="1" dirty="0" err="1"/>
+              <a:rPr lang="es-MX" sz="2000" b="1" dirty="0" err="1"/>
               <a:t>between</a:t>
             </a:r>
             <a:r>
-              <a:rPr lang="es-MX" b="1" dirty="0"/>
+              <a:rPr lang="es-MX" sz="2000" b="1" dirty="0"/>
               <a:t> </a:t>
             </a:r>
             <a:r>
-              <a:rPr lang="es-MX" b="1" dirty="0" err="1"/>
+              <a:rPr lang="es-MX" sz="2000" b="1" dirty="0" err="1"/>
               <a:t>hate</a:t>
             </a:r>
             <a:r>
-              <a:rPr lang="es-MX" b="1" dirty="0"/>
+              <a:rPr lang="es-MX" sz="2000" b="1" dirty="0"/>
+              <a:t> crime </a:t>
+            </a:r>
+            <a:r>
+              <a:rPr lang="es-MX" sz="2000" b="1" dirty="0" err="1"/>
+              <a:t>rate</a:t>
+            </a:r>
+            <a:r>
+              <a:rPr lang="es-MX" sz="2000" b="1" dirty="0"/>
+              <a:t> and </a:t>
+            </a:r>
+            <a:r>
+              <a:rPr lang="es-MX" sz="2000" b="1" dirty="0" err="1"/>
+              <a:t>foreign</a:t>
+            </a:r>
+            <a:r>
+              <a:rPr lang="es-MX" sz="2000" b="1" dirty="0"/>
               <a:t> </a:t>
             </a:r>
             <a:r>
-              <a:rPr lang="es-MX" b="1" dirty="0" err="1"/>
-              <a:t>crime</a:t>
-            </a:r>
-            <a:r>
-              <a:rPr lang="es-MX" b="1" dirty="0"/>
+              <a:rPr lang="es-MX" sz="2000" b="1" dirty="0" err="1"/>
+              <a:t>born</a:t>
+            </a:r>
+            <a:r>
+              <a:rPr lang="es-MX" sz="2000" b="1" dirty="0"/>
               <a:t> </a:t>
             </a:r>
             <a:r>
-              <a:rPr lang="es-MX" b="1" dirty="0" err="1"/>
+              <a:rPr lang="es-MX" sz="2000" b="1" dirty="0" err="1"/>
+              <a:t>population</a:t>
+            </a:r>
+            <a:r>
+              <a:rPr lang="es-MX" sz="2000" b="1" dirty="0"/>
+              <a:t> </a:t>
+            </a:r>
+            <a:r>
+              <a:rPr lang="es-MX" sz="2000" b="1" dirty="0" err="1"/>
               <a:t>rate</a:t>
             </a:r>
             <a:r>
-              <a:rPr lang="es-MX" b="1" dirty="0"/>
-              <a:t> and </a:t>
-            </a:r>
-            <a:r>
-              <a:rPr lang="es-MX" b="1" dirty="0" err="1"/>
-              <a:t>the</a:t>
-            </a:r>
-            <a:r>
-              <a:rPr lang="es-MX" b="1" dirty="0"/>
-              <a:t> </a:t>
-            </a:r>
-            <a:r>
-              <a:rPr lang="es-MX" b="1" dirty="0" err="1"/>
-              <a:t>negativity</a:t>
-            </a:r>
-            <a:r>
-              <a:rPr lang="es-MX" b="1" dirty="0"/>
-              <a:t> </a:t>
-            </a:r>
-            <a:r>
-              <a:rPr lang="es-MX" b="1" dirty="0" err="1"/>
-              <a:t>of</a:t>
-            </a:r>
-            <a:r>
-              <a:rPr lang="es-MX" b="1" dirty="0"/>
-              <a:t> </a:t>
-            </a:r>
-            <a:r>
-              <a:rPr lang="es-MX" b="1" dirty="0" err="1"/>
-              <a:t>sentiment</a:t>
-            </a:r>
-            <a:r>
-              <a:rPr lang="es-MX" b="1" dirty="0"/>
-              <a:t> </a:t>
-            </a:r>
-            <a:r>
-              <a:rPr lang="es-MX" b="1" dirty="0" err="1"/>
-              <a:t>analysis</a:t>
-            </a:r>
-            <a:r>
-              <a:rPr lang="es-MX" b="1" dirty="0"/>
+              <a:rPr lang="es-MX" sz="2000" b="1" dirty="0"/>
               <a:t>?</a:t>
             </a:r>
           </a:p>
-          <a:p>
-            <a:r>
-              <a:rPr lang="es-MX" dirty="0" err="1"/>
-              <a:t>Based</a:t>
-            </a:r>
-            <a:r>
-              <a:rPr lang="es-MX" dirty="0"/>
-              <a:t> in </a:t>
-            </a:r>
-            <a:r>
-              <a:rPr lang="es-MX" dirty="0" err="1"/>
-              <a:t>our</a:t>
-            </a:r>
-            <a:r>
-              <a:rPr lang="es-MX" dirty="0"/>
-              <a:t> </a:t>
-            </a:r>
-            <a:r>
-              <a:rPr lang="es-MX" dirty="0" err="1"/>
-              <a:t>scatter</a:t>
-            </a:r>
-            <a:r>
-              <a:rPr lang="es-MX" dirty="0"/>
-              <a:t> </a:t>
-            </a:r>
-            <a:r>
-              <a:rPr lang="es-MX" dirty="0" err="1"/>
-              <a:t>plot</a:t>
-            </a:r>
-            <a:r>
-              <a:rPr lang="es-MX" dirty="0"/>
-              <a:t> </a:t>
-            </a:r>
-            <a:r>
-              <a:rPr lang="es-MX" dirty="0" err="1"/>
-              <a:t>we</a:t>
-            </a:r>
-            <a:r>
-              <a:rPr lang="es-MX" dirty="0"/>
-              <a:t> can </a:t>
-            </a:r>
-            <a:r>
-              <a:rPr lang="es-MX" dirty="0" err="1"/>
-              <a:t>conclude</a:t>
-            </a:r>
-            <a:r>
-              <a:rPr lang="es-MX" dirty="0"/>
-              <a:t> </a:t>
-            </a:r>
-            <a:r>
-              <a:rPr lang="es-MX" dirty="0" err="1"/>
-              <a:t>that</a:t>
-            </a:r>
-            <a:r>
-              <a:rPr lang="es-MX" dirty="0"/>
-              <a:t> in </a:t>
-            </a:r>
-            <a:r>
-              <a:rPr lang="es-MX" dirty="0" err="1"/>
-              <a:t>those</a:t>
-            </a:r>
-            <a:r>
-              <a:rPr lang="es-MX" dirty="0"/>
-              <a:t> </a:t>
-            </a:r>
-            <a:r>
-              <a:rPr lang="es-MX" dirty="0" err="1"/>
-              <a:t>counties</a:t>
-            </a:r>
-            <a:r>
-              <a:rPr lang="es-MX" dirty="0"/>
-              <a:t> </a:t>
-            </a:r>
-            <a:r>
-              <a:rPr lang="es-MX" dirty="0" err="1"/>
-              <a:t>where</a:t>
-            </a:r>
-            <a:r>
-              <a:rPr lang="es-MX" dirty="0"/>
-              <a:t> </a:t>
-            </a:r>
-            <a:r>
-              <a:rPr lang="es-MX" dirty="0" err="1"/>
-              <a:t>the</a:t>
-            </a:r>
-            <a:r>
-              <a:rPr lang="es-MX" dirty="0"/>
-              <a:t> </a:t>
-            </a:r>
-            <a:r>
-              <a:rPr lang="es-MX" dirty="0" err="1"/>
-              <a:t>sentiment</a:t>
-            </a:r>
-            <a:r>
-              <a:rPr lang="es-MX" dirty="0"/>
-              <a:t> </a:t>
-            </a:r>
-            <a:r>
-              <a:rPr lang="es-MX" dirty="0" err="1"/>
-              <a:t>analysis</a:t>
-            </a:r>
-            <a:r>
-              <a:rPr lang="es-MX" dirty="0"/>
-              <a:t> </a:t>
-            </a:r>
-            <a:r>
-              <a:rPr lang="es-MX" dirty="0" err="1"/>
-              <a:t>is</a:t>
-            </a:r>
-            <a:r>
-              <a:rPr lang="es-MX" dirty="0"/>
-              <a:t> </a:t>
-            </a:r>
-            <a:r>
-              <a:rPr lang="es-MX" dirty="0" err="1"/>
-              <a:t>negative</a:t>
-            </a:r>
-            <a:r>
-              <a:rPr lang="es-MX" dirty="0"/>
-              <a:t>, </a:t>
-            </a:r>
-            <a:r>
-              <a:rPr lang="es-MX" dirty="0" err="1"/>
-              <a:t>the</a:t>
-            </a:r>
-            <a:r>
-              <a:rPr lang="es-MX" dirty="0"/>
-              <a:t> </a:t>
-            </a:r>
-            <a:r>
-              <a:rPr lang="es-MX" dirty="0" err="1"/>
-              <a:t>hate</a:t>
-            </a:r>
-            <a:r>
-              <a:rPr lang="es-MX" dirty="0"/>
-              <a:t> </a:t>
-            </a:r>
-            <a:r>
-              <a:rPr lang="es-MX" dirty="0" err="1"/>
-              <a:t>crime</a:t>
-            </a:r>
-            <a:r>
-              <a:rPr lang="es-MX" dirty="0"/>
-              <a:t> </a:t>
-            </a:r>
-            <a:r>
-              <a:rPr lang="es-MX" dirty="0" err="1"/>
-              <a:t>rate</a:t>
-            </a:r>
-            <a:r>
-              <a:rPr lang="es-MX" dirty="0"/>
-              <a:t> </a:t>
-            </a:r>
-            <a:r>
-              <a:rPr lang="es-MX" dirty="0" err="1"/>
-              <a:t>is</a:t>
-            </a:r>
-            <a:r>
-              <a:rPr lang="es-MX" dirty="0"/>
-              <a:t> </a:t>
-            </a:r>
-            <a:r>
-              <a:rPr lang="es-MX" dirty="0" err="1"/>
-              <a:t>higher</a:t>
-            </a:r>
-            <a:r>
-              <a:rPr lang="es-MX" dirty="0"/>
-              <a:t> </a:t>
-            </a:r>
-            <a:r>
-              <a:rPr lang="es-MX" dirty="0" err="1"/>
-              <a:t>than</a:t>
-            </a:r>
-            <a:r>
-              <a:rPr lang="es-MX" dirty="0"/>
-              <a:t> </a:t>
-            </a:r>
-            <a:r>
-              <a:rPr lang="es-MX" dirty="0" err="1"/>
-              <a:t>average</a:t>
-            </a:r>
-            <a:r>
-              <a:rPr lang="es-MX" dirty="0"/>
-              <a:t> and….</a:t>
-            </a:r>
-            <a:r>
-              <a:rPr lang="es-MX" b="1" dirty="0"/>
-              <a:t>  </a:t>
-            </a:r>
-          </a:p>
-        </p:txBody>
-      </p:sp>
-      <p:sp>
-        <p:nvSpPr>
-          <p:cNvPr id="15" name="Rectangle 14">
-            <a:extLst>
-              <a:ext uri="{FF2B5EF4-FFF2-40B4-BE49-F238E27FC236}">
-                <a16:creationId xmlns:a16="http://schemas.microsoft.com/office/drawing/2014/main" id="{0F015D0B-B13F-4288-89E1-72DC8D1FF997}"/>
-              </a:ext>
-            </a:extLst>
-          </p:cNvPr>
-          <p:cNvSpPr/>
+        </p:txBody>
+      </p:sp>
+      <p:pic>
+        <p:nvPicPr>
+          <p:cNvPr id="13" name="Picture 12" descr="A screenshot of a cell phone&#10;&#10;Description generated with very high confidence">
+            <a:extLst>
+              <a:ext uri="{FF2B5EF4-FFF2-40B4-BE49-F238E27FC236}">
+                <a16:creationId xmlns:a16="http://schemas.microsoft.com/office/drawing/2014/main" id="{A7D5C2E0-CDB5-471D-945F-28161A1DCEA9}"/>
+              </a:ext>
+            </a:extLst>
+          </p:cNvPr>
+          <p:cNvPicPr>
+            <a:picLocks noChangeAspect="1"/>
+          </p:cNvPicPr>
           <p:nvPr/>
-        </p:nvSpPr>
-        <p:spPr>
-          <a:xfrm>
-            <a:off x="441960" y="1058705"/>
-            <a:ext cx="6096000" cy="369332"/>
+        </p:nvPicPr>
+        <p:blipFill>
+          <a:blip r:embed="rId4">
+            <a:extLst>
+              <a:ext uri="{28A0092B-C50C-407E-A947-70E740481C1C}">
+                <a14:useLocalDpi xmlns:a14="http://schemas.microsoft.com/office/drawing/2010/main" val="0"/>
+              </a:ext>
+            </a:extLst>
+          </a:blip>
+          <a:stretch>
+            <a:fillRect/>
+          </a:stretch>
+        </p:blipFill>
+        <p:spPr>
+          <a:xfrm>
+            <a:off x="342275" y="2278770"/>
+            <a:ext cx="5730865" cy="3820577"/>
           </a:xfrm>
           <a:prstGeom prst="rect">
             <a:avLst/>
           </a:prstGeom>
         </p:spPr>
-        <p:txBody>
-          <a:bodyPr>
-            <a:spAutoFit/>
-          </a:bodyPr>
-          <a:lstStyle/>
-          <a:p>
-            <a:r>
-              <a:rPr lang="es-MX" dirty="0"/>
-              <a:t>EXAMPLE</a:t>
-            </a:r>
-            <a:endParaRPr lang="en-US" dirty="0"/>
-          </a:p>
-        </p:txBody>
-      </p:sp>
+      </p:pic>
+      <p:pic>
+        <p:nvPicPr>
+          <p:cNvPr id="15" name="Picture 14" descr="A close up of a map&#10;&#10;Description generated with high confidence">
+            <a:extLst>
+              <a:ext uri="{FF2B5EF4-FFF2-40B4-BE49-F238E27FC236}">
+                <a16:creationId xmlns:a16="http://schemas.microsoft.com/office/drawing/2014/main" id="{4BFEAE55-4A7D-4B3B-99A8-C34A39987813}"/>
+              </a:ext>
+            </a:extLst>
+          </p:cNvPr>
+          <p:cNvPicPr>
+            <a:picLocks noChangeAspect="1"/>
+          </p:cNvPicPr>
+          <p:nvPr/>
+        </p:nvPicPr>
+        <p:blipFill>
+          <a:blip r:embed="rId5">
+            <a:extLst>
+              <a:ext uri="{28A0092B-C50C-407E-A947-70E740481C1C}">
+                <a14:useLocalDpi xmlns:a14="http://schemas.microsoft.com/office/drawing/2010/main" val="0"/>
+              </a:ext>
+            </a:extLst>
+          </a:blip>
+          <a:stretch>
+            <a:fillRect/>
+          </a:stretch>
+        </p:blipFill>
+        <p:spPr>
+          <a:xfrm>
+            <a:off x="6217607" y="2278770"/>
+            <a:ext cx="5730865" cy="3820576"/>
+          </a:xfrm>
+          <a:prstGeom prst="rect">
+            <a:avLst/>
+          </a:prstGeom>
+        </p:spPr>
+      </p:pic>
     </p:spTree>
     <p:extLst>
       <p:ext uri="{BB962C8B-B14F-4D97-AF65-F5344CB8AC3E}">
-        <p14:creationId xmlns:p14="http://schemas.microsoft.com/office/powerpoint/2010/main" val="1314096435"/>
+        <p14:creationId xmlns:p14="http://schemas.microsoft.com/office/powerpoint/2010/main" val="2231465128"/>
       </p:ext>
     </p:extLst>
   </p:cSld>
@@ -8734,7 +8776,7 @@
               <a:rPr lang="es-MX" sz="4000" b="1" dirty="0" err="1">
                 <a:latin typeface="Verdana Pro" panose="020B0604020202020204" pitchFamily="34" charset="0"/>
               </a:rPr>
-              <a:t>Conclusions</a:t>
+              <a:t>Analysis</a:t>
             </a:r>
             <a:endParaRPr lang="en-US" sz="4000" b="1" dirty="0">
               <a:latin typeface="Verdana Pro" panose="020B0604020202020204" pitchFamily="34" charset="0"/>
@@ -8918,7 +8960,7 @@
           <p:cNvPr id="11" name="Picture 10">
             <a:extLst>
               <a:ext uri="{FF2B5EF4-FFF2-40B4-BE49-F238E27FC236}">
-                <a16:creationId xmlns:a16="http://schemas.microsoft.com/office/drawing/2014/main" id="{1BDB428E-FAB1-4201-8ADF-79630220E111}"/>
+                <a16:creationId xmlns:a16="http://schemas.microsoft.com/office/drawing/2014/main" id="{511067B3-F5F4-4E71-862C-744E09878974}"/>
               </a:ext>
             </a:extLst>
           </p:cNvPr>
@@ -8947,7 +8989,7 @@
           <p:cNvPr id="12" name="TextBox 11">
             <a:extLst>
               <a:ext uri="{FF2B5EF4-FFF2-40B4-BE49-F238E27FC236}">
-                <a16:creationId xmlns:a16="http://schemas.microsoft.com/office/drawing/2014/main" id="{A633E9EE-8BB4-4164-AD9A-AB12A18D2D6E}"/>
+                <a16:creationId xmlns:a16="http://schemas.microsoft.com/office/drawing/2014/main" id="{FE1B5C35-968D-4479-8061-A2220D41C771}"/>
               </a:ext>
             </a:extLst>
           </p:cNvPr>
@@ -9104,10 +9146,10 @@
       </p:sp>
       <p:pic>
         <p:nvPicPr>
-          <p:cNvPr id="13" name="Picture 12" descr="A close up of a map&#10;&#10;Description generated with high confidence">
-            <a:extLst>
-              <a:ext uri="{FF2B5EF4-FFF2-40B4-BE49-F238E27FC236}">
-                <a16:creationId xmlns:a16="http://schemas.microsoft.com/office/drawing/2014/main" id="{5BB1A602-A4A2-4283-A070-38F70FA1EF0A}"/>
+          <p:cNvPr id="19" name="Picture 18" descr="A close up of a map&#10;&#10;Description generated with high confidence">
+            <a:extLst>
+              <a:ext uri="{FF2B5EF4-FFF2-40B4-BE49-F238E27FC236}">
+                <a16:creationId xmlns:a16="http://schemas.microsoft.com/office/drawing/2014/main" id="{43ACFA6F-1F49-44CD-B8C6-10D5AF3B7EA9}"/>
               </a:ext>
             </a:extLst>
           </p:cNvPr>
@@ -9130,8 +9172,8 @@
         </p:blipFill>
         <p:spPr>
           <a:xfrm>
-            <a:off x="563880" y="2006988"/>
-            <a:ext cx="8519160" cy="4155688"/>
+            <a:off x="563879" y="1512123"/>
+            <a:ext cx="9454763" cy="4727382"/>
           </a:xfrm>
           <a:prstGeom prst="rect">
             <a:avLst/>
@@ -9140,10 +9182,10 @@
       </p:pic>
       <p:sp>
         <p:nvSpPr>
-          <p:cNvPr id="2" name="Rectangle 1">
-            <a:extLst>
-              <a:ext uri="{FF2B5EF4-FFF2-40B4-BE49-F238E27FC236}">
-                <a16:creationId xmlns:a16="http://schemas.microsoft.com/office/drawing/2014/main" id="{D51A1BD4-3154-452A-9938-DE773A230885}"/>
+          <p:cNvPr id="21" name="Rectangle 20">
+            <a:extLst>
+              <a:ext uri="{FF2B5EF4-FFF2-40B4-BE49-F238E27FC236}">
+                <a16:creationId xmlns:a16="http://schemas.microsoft.com/office/drawing/2014/main" id="{09E48926-CCDC-4CCD-8181-DA944FED797C}"/>
               </a:ext>
             </a:extLst>
           </p:cNvPr>
@@ -9152,8 +9194,8 @@
         </p:nvSpPr>
         <p:spPr>
           <a:xfrm>
-            <a:off x="563880" y="886593"/>
-            <a:ext cx="10454640" cy="369332"/>
+            <a:off x="563880" y="1030902"/>
+            <a:ext cx="10204174" cy="400110"/>
           </a:xfrm>
           <a:prstGeom prst="rect">
             <a:avLst/>
@@ -9165,144 +9207,81 @@
           </a:bodyPr>
           <a:lstStyle/>
           <a:p>
-            <a:pPr algn="just">
-              <a:spcAft>
-                <a:spcPts val="0"/>
-              </a:spcAft>
-              <a:tabLst>
-                <a:tab pos="457200" algn="l"/>
-                <a:tab pos="914400" algn="l"/>
-                <a:tab pos="1371600" algn="l"/>
-                <a:tab pos="1828800" algn="l"/>
-                <a:tab pos="2286000" algn="l"/>
-                <a:tab pos="2743200" algn="l"/>
-                <a:tab pos="3200400" algn="l"/>
-                <a:tab pos="3657600" algn="l"/>
-                <a:tab pos="4114800" algn="l"/>
-                <a:tab pos="4572000" algn="l"/>
-                <a:tab pos="5029200" algn="l"/>
-                <a:tab pos="5486400" algn="l"/>
-              </a:tabLst>
-            </a:pPr>
-            <a:r>
-              <a:rPr lang="es-MX" b="1" dirty="0">
-                <a:latin typeface="Helvetica" panose="020B0604020202020204" pitchFamily="34" charset="0"/>
-                <a:ea typeface="Calibri" panose="020F0502020204030204" pitchFamily="34" charset="0"/>
-                <a:cs typeface="Times New Roman" panose="02020603050405020304" pitchFamily="18" charset="0"/>
-              </a:rPr>
-              <a:t>HATE CRIME RATE DISTRIBUTION OVER TIME (2012-2016)</a:t>
-            </a:r>
-            <a:endParaRPr lang="en-US" b="1" dirty="0">
-              <a:latin typeface="Calibri" panose="020F0502020204030204" pitchFamily="34" charset="0"/>
-              <a:ea typeface="Calibri" panose="020F0502020204030204" pitchFamily="34" charset="0"/>
-              <a:cs typeface="Times New Roman" panose="02020603050405020304" pitchFamily="18" charset="0"/>
-            </a:endParaRPr>
-          </a:p>
-        </p:txBody>
-      </p:sp>
-      <p:sp>
-        <p:nvSpPr>
-          <p:cNvPr id="3" name="Rectangle 2">
-            <a:extLst>
-              <a:ext uri="{FF2B5EF4-FFF2-40B4-BE49-F238E27FC236}">
-                <a16:creationId xmlns:a16="http://schemas.microsoft.com/office/drawing/2014/main" id="{06523BB5-7C28-4812-815A-650D4A4C38B5}"/>
-              </a:ext>
-            </a:extLst>
-          </p:cNvPr>
-          <p:cNvSpPr/>
-          <p:nvPr/>
-        </p:nvSpPr>
-        <p:spPr>
-          <a:xfrm>
-            <a:off x="563880" y="1255925"/>
-            <a:ext cx="9738360" cy="369332"/>
-          </a:xfrm>
-          <a:prstGeom prst="rect">
-            <a:avLst/>
-          </a:prstGeom>
-        </p:spPr>
-        <p:txBody>
-          <a:bodyPr wrap="square">
-            <a:spAutoFit/>
-          </a:bodyPr>
-          <a:lstStyle/>
-          <a:p>
-            <a:r>
-              <a:rPr lang="es-MX" dirty="0"/>
-              <a:t>(</a:t>
-            </a:r>
-            <a:r>
-              <a:rPr lang="es-MX" dirty="0" err="1"/>
-              <a:t>This</a:t>
-            </a:r>
-            <a:r>
-              <a:rPr lang="es-MX" dirty="0"/>
+            <a:r>
+              <a:rPr lang="es-MX" sz="2000" b="1" dirty="0"/>
+              <a:t>4. Are sanctuary </a:t>
+            </a:r>
+            <a:r>
+              <a:rPr lang="es-MX" sz="2000" b="1" dirty="0" err="1"/>
+              <a:t>cities</a:t>
+            </a:r>
+            <a:r>
+              <a:rPr lang="es-MX" sz="2000" b="1" dirty="0"/>
               <a:t> </a:t>
             </a:r>
             <a:r>
-              <a:rPr lang="es-MX" dirty="0" err="1"/>
-              <a:t>is</a:t>
-            </a:r>
-            <a:r>
-              <a:rPr lang="es-MX" dirty="0"/>
-              <a:t> a GIF </a:t>
-            </a:r>
-            <a:r>
-              <a:rPr lang="es-MX" dirty="0" err="1"/>
-              <a:t>going</a:t>
-            </a:r>
-            <a:r>
-              <a:rPr lang="es-MX" dirty="0"/>
+              <a:rPr lang="es-MX" sz="2000" b="1" dirty="0" err="1"/>
+              <a:t>safer</a:t>
+            </a:r>
+            <a:r>
+              <a:rPr lang="es-MX" sz="2000" b="1" dirty="0"/>
+              <a:t> in </a:t>
+            </a:r>
+            <a:r>
+              <a:rPr lang="es-MX" sz="2000" b="1" dirty="0" err="1"/>
+              <a:t>terms</a:t>
+            </a:r>
+            <a:r>
+              <a:rPr lang="es-MX" sz="2000" b="1" dirty="0"/>
               <a:t> </a:t>
             </a:r>
             <a:r>
-              <a:rPr lang="es-MX" dirty="0" err="1"/>
-              <a:t>from</a:t>
-            </a:r>
-            <a:r>
-              <a:rPr lang="es-MX" dirty="0"/>
-              <a:t> 2012 </a:t>
-            </a:r>
-            <a:r>
-              <a:rPr lang="es-MX" dirty="0" err="1"/>
-              <a:t>to</a:t>
-            </a:r>
-            <a:r>
-              <a:rPr lang="es-MX" dirty="0"/>
-              <a:t> 2016 </a:t>
-            </a:r>
-            <a:r>
-              <a:rPr lang="es-MX" dirty="0" err="1"/>
-              <a:t>Hate</a:t>
-            </a:r>
-            <a:r>
-              <a:rPr lang="es-MX" dirty="0"/>
+              <a:rPr lang="es-MX" sz="2000" b="1" dirty="0" err="1"/>
+              <a:t>of</a:t>
+            </a:r>
+            <a:r>
+              <a:rPr lang="es-MX" sz="2000" b="1" dirty="0"/>
               <a:t> </a:t>
             </a:r>
             <a:r>
-              <a:rPr lang="es-MX" dirty="0" err="1"/>
-              <a:t>Crime</a:t>
-            </a:r>
-            <a:r>
-              <a:rPr lang="es-MX" dirty="0"/>
+              <a:rPr lang="es-MX" sz="2000" b="1" dirty="0" err="1"/>
+              <a:t>hate</a:t>
+            </a:r>
+            <a:r>
+              <a:rPr lang="es-MX" sz="2000" b="1" dirty="0"/>
+              <a:t> crime </a:t>
+            </a:r>
+            <a:r>
+              <a:rPr lang="es-MX" sz="2000" b="1" dirty="0" err="1"/>
+              <a:t>than</a:t>
+            </a:r>
+            <a:r>
+              <a:rPr lang="es-MX" sz="2000" b="1" dirty="0"/>
               <a:t> </a:t>
             </a:r>
             <a:r>
-              <a:rPr lang="es-MX" dirty="0" err="1"/>
-              <a:t>rates</a:t>
-            </a:r>
-            <a:r>
-              <a:rPr lang="es-MX" dirty="0"/>
-              <a:t>)</a:t>
-            </a:r>
-            <a:endParaRPr lang="en-US" dirty="0"/>
+              <a:rPr lang="es-MX" sz="2000" b="1" dirty="0" err="1"/>
+              <a:t>other</a:t>
+            </a:r>
+            <a:r>
+              <a:rPr lang="es-MX" sz="2000" b="1" dirty="0"/>
+              <a:t> </a:t>
+            </a:r>
+            <a:r>
+              <a:rPr lang="es-MX" sz="2000" b="1" dirty="0" err="1"/>
+              <a:t>cities</a:t>
+            </a:r>
+            <a:r>
+              <a:rPr lang="es-MX" sz="2000" b="1" dirty="0"/>
+              <a:t>?</a:t>
+            </a:r>
           </a:p>
         </p:txBody>
       </p:sp>
     </p:spTree>
     <p:extLst>
       <p:ext uri="{BB962C8B-B14F-4D97-AF65-F5344CB8AC3E}">
-        <p14:creationId xmlns:p14="http://schemas.microsoft.com/office/powerpoint/2010/main" val="3496999661"/>
+        <p14:creationId xmlns:p14="http://schemas.microsoft.com/office/powerpoint/2010/main" val="935065292"/>
       </p:ext>
     </p:extLst>
   </p:cSld>
